--- a/33_HOC1.pptx
+++ b/33_HOC1.pptx
@@ -5,15 +5,28 @@
     <p:sldMasterId id="2147483648" r:id="rId1"/>
   </p:sldMasterIdLst>
   <p:notesMasterIdLst>
-    <p:notesMasterId r:id="rId8"/>
+    <p:notesMasterId r:id="rId21"/>
   </p:notesMasterIdLst>
   <p:sldIdLst>
     <p:sldId id="256" r:id="rId2"/>
     <p:sldId id="263" r:id="rId3"/>
-    <p:sldId id="265" r:id="rId4"/>
-    <p:sldId id="267" r:id="rId5"/>
-    <p:sldId id="266" r:id="rId6"/>
-    <p:sldId id="259" r:id="rId7"/>
+    <p:sldId id="272" r:id="rId4"/>
+    <p:sldId id="268" r:id="rId5"/>
+    <p:sldId id="269" r:id="rId6"/>
+    <p:sldId id="270" r:id="rId7"/>
+    <p:sldId id="273" r:id="rId8"/>
+    <p:sldId id="271" r:id="rId9"/>
+    <p:sldId id="274" r:id="rId10"/>
+    <p:sldId id="277" r:id="rId11"/>
+    <p:sldId id="276" r:id="rId12"/>
+    <p:sldId id="278" r:id="rId13"/>
+    <p:sldId id="279" r:id="rId14"/>
+    <p:sldId id="265" r:id="rId15"/>
+    <p:sldId id="267" r:id="rId16"/>
+    <p:sldId id="266" r:id="rId17"/>
+    <p:sldId id="280" r:id="rId18"/>
+    <p:sldId id="281" r:id="rId19"/>
+    <p:sldId id="259" r:id="rId20"/>
   </p:sldIdLst>
   <p:sldSz cx="9144000" cy="6858000" type="screen4x3"/>
   <p:notesSz cx="6858000" cy="9144000"/>
@@ -214,7 +227,7 @@
             <a:fld id="{6837EDA8-41C8-4B24-A206-13C08A65A6D7}" type="datetimeFigureOut">
               <a:rPr lang="zh-TW" altLang="en-US" smtClean="0"/>
               <a:pPr/>
-              <a:t>2020/4/6</a:t>
+              <a:t>2020/5/24</a:t>
             </a:fld>
             <a:endParaRPr lang="zh-TW" altLang="en-US"/>
           </a:p>
@@ -667,7 +680,7 @@
             <a:fld id="{8B85509C-BD4F-47BF-9B1E-FC2E949B3621}" type="datetime1">
               <a:rPr lang="zh-TW" altLang="en-US" smtClean="0"/>
               <a:pPr/>
-              <a:t>2020/4/6</a:t>
+              <a:t>2020/5/24</a:t>
             </a:fld>
             <a:endParaRPr lang="zh-TW" altLang="en-US"/>
           </a:p>
@@ -840,7 +853,7 @@
             <a:fld id="{42251B24-F787-4C15-8A0F-7AEC20C70069}" type="datetime1">
               <a:rPr lang="zh-TW" altLang="en-US" smtClean="0"/>
               <a:pPr/>
-              <a:t>2020/4/6</a:t>
+              <a:t>2020/5/24</a:t>
             </a:fld>
             <a:endParaRPr lang="zh-TW" altLang="en-US"/>
           </a:p>
@@ -1015,7 +1028,7 @@
             <a:fld id="{9CA0D33C-CE2B-45F1-B8D4-FFD1F131F331}" type="datetime1">
               <a:rPr lang="zh-TW" altLang="en-US" smtClean="0"/>
               <a:pPr/>
-              <a:t>2020/4/6</a:t>
+              <a:t>2020/5/24</a:t>
             </a:fld>
             <a:endParaRPr lang="zh-TW" altLang="en-US"/>
           </a:p>
@@ -1180,7 +1193,7 @@
             <a:fld id="{50B99440-D9EF-40CC-9B52-F6428D9B2C76}" type="datetime1">
               <a:rPr lang="zh-TW" altLang="en-US" smtClean="0"/>
               <a:pPr/>
-              <a:t>2020/4/6</a:t>
+              <a:t>2020/5/24</a:t>
             </a:fld>
             <a:endParaRPr lang="zh-TW" altLang="en-US"/>
           </a:p>
@@ -1422,7 +1435,7 @@
             <a:fld id="{0871BF52-5C6C-4959-8E27-CECB68D39FE4}" type="datetime1">
               <a:rPr lang="zh-TW" altLang="en-US" smtClean="0"/>
               <a:pPr/>
-              <a:t>2020/4/6</a:t>
+              <a:t>2020/5/24</a:t>
             </a:fld>
             <a:endParaRPr lang="zh-TW" altLang="en-US"/>
           </a:p>
@@ -1704,7 +1717,7 @@
             <a:fld id="{DF863F05-2DD9-4EB1-A827-12FD992DE9DC}" type="datetime1">
               <a:rPr lang="zh-TW" altLang="en-US" smtClean="0"/>
               <a:pPr/>
-              <a:t>2020/4/6</a:t>
+              <a:t>2020/5/24</a:t>
             </a:fld>
             <a:endParaRPr lang="zh-TW" altLang="en-US"/>
           </a:p>
@@ -2120,7 +2133,7 @@
             <a:fld id="{6339AF51-4491-4873-A096-75DB6CE47516}" type="datetime1">
               <a:rPr lang="zh-TW" altLang="en-US" smtClean="0"/>
               <a:pPr/>
-              <a:t>2020/4/6</a:t>
+              <a:t>2020/5/24</a:t>
             </a:fld>
             <a:endParaRPr lang="zh-TW" altLang="en-US"/>
           </a:p>
@@ -2234,7 +2247,7 @@
             <a:fld id="{EE4AD9C8-8B9E-40FF-ABE2-858AC2057BBB}" type="datetime1">
               <a:rPr lang="zh-TW" altLang="en-US" smtClean="0"/>
               <a:pPr/>
-              <a:t>2020/4/6</a:t>
+              <a:t>2020/5/24</a:t>
             </a:fld>
             <a:endParaRPr lang="zh-TW" altLang="en-US"/>
           </a:p>
@@ -2326,7 +2339,7 @@
             <a:fld id="{B4784999-BBBE-4BE4-A8D0-877E7D1D66CC}" type="datetime1">
               <a:rPr lang="zh-TW" altLang="en-US" smtClean="0"/>
               <a:pPr/>
-              <a:t>2020/4/6</a:t>
+              <a:t>2020/5/24</a:t>
             </a:fld>
             <a:endParaRPr lang="zh-TW" altLang="en-US"/>
           </a:p>
@@ -2598,7 +2611,7 @@
             <a:fld id="{E88D17E6-02BD-4944-B9FE-7BFCCBF83D48}" type="datetime1">
               <a:rPr lang="zh-TW" altLang="en-US" smtClean="0"/>
               <a:pPr/>
-              <a:t>2020/4/6</a:t>
+              <a:t>2020/5/24</a:t>
             </a:fld>
             <a:endParaRPr lang="zh-TW" altLang="en-US"/>
           </a:p>
@@ -2847,7 +2860,7 @@
             <a:fld id="{3C13E23D-1FEF-4D78-A3A3-3D6F2BB31954}" type="datetime1">
               <a:rPr lang="zh-TW" altLang="en-US" smtClean="0"/>
               <a:pPr/>
-              <a:t>2020/4/6</a:t>
+              <a:t>2020/5/24</a:t>
             </a:fld>
             <a:endParaRPr lang="zh-TW" altLang="en-US"/>
           </a:p>
@@ -3055,7 +3068,7 @@
             <a:fld id="{06197F35-AD6F-4594-8B50-334492D2E7E8}" type="datetime1">
               <a:rPr lang="zh-TW" altLang="en-US" smtClean="0"/>
               <a:pPr/>
-              <a:t>2020/4/6</a:t>
+              <a:t>2020/5/24</a:t>
             </a:fld>
             <a:endParaRPr lang="zh-TW" altLang="en-US"/>
           </a:p>
@@ -3516,7 +3529,7 @@
             <a:fld id="{C389EDC9-19E3-47AC-9C57-C6A24DEA81AD}" type="datetime1">
               <a:rPr lang="zh-TW" altLang="en-US" smtClean="0"/>
               <a:pPr/>
-              <a:t>2020/4/6</a:t>
+              <a:t>2020/5/24</a:t>
             </a:fld>
             <a:endParaRPr lang="zh-TW" altLang="en-US"/>
           </a:p>
@@ -3586,7 +3599,7 @@
 </p:sld>
 </file>
 
-<file path=ppt/slides/slide2.xml><?xml version="1.0" encoding="utf-8"?>
+<file path=ppt/slides/slide10.xml><?xml version="1.0" encoding="utf-8"?>
 <p:sld xmlns:a="http://schemas.openxmlformats.org/drawingml/2006/main" xmlns:r="http://schemas.openxmlformats.org/officeDocument/2006/relationships" xmlns:p="http://schemas.openxmlformats.org/presentationml/2006/main">
   <p:cSld>
     <p:spTree>
@@ -3658,7 +3671,7 @@
                   <a:srgbClr val="FFFF00"/>
                 </a:solidFill>
               </a:rPr>
-              <a:t>33 Higher Order Components 1</a:t>
+              <a:t>33.2 Implement Hover Counter</a:t>
             </a:r>
             <a:endParaRPr lang="zh-TW" altLang="en-US" b="1" dirty="0">
               <a:solidFill>
@@ -3681,7 +3694,7 @@
         <p:spPr>
           <a:xfrm>
             <a:off x="467544" y="1340768"/>
-            <a:ext cx="8352928" cy="2304256"/>
+            <a:ext cx="3024336" cy="5015582"/>
           </a:xfrm>
           <a:ln>
             <a:solidFill>
@@ -3723,13 +3736,13 @@
               <a:buChar char="u"/>
             </a:pPr>
             <a:r>
-              <a:rPr lang="en-US" altLang="zh-TW" sz="1800" b="1" dirty="0">
+              <a:rPr lang="en-US" altLang="zh-TW" sz="1800" dirty="0">
                 <a:solidFill>
                   <a:schemeClr val="tx1"/>
                 </a:solidFill>
                 <a:latin typeface="+mj-lt"/>
               </a:rPr>
-              <a:t>Why there is a need for Higher Order Components?</a:t>
+              <a:t>After Click Counter, there is a new requirement for Mouse Hover Counter.</a:t>
             </a:r>
           </a:p>
           <a:p>
@@ -3742,13 +3755,13 @@
               <a:buChar char="u"/>
             </a:pPr>
             <a:r>
-              <a:rPr lang="en-US" altLang="zh-TW" sz="1800" b="1" dirty="0">
+              <a:rPr lang="en-US" altLang="zh-TW" sz="1800" dirty="0">
                 <a:solidFill>
                   <a:schemeClr val="tx1"/>
                 </a:solidFill>
                 <a:latin typeface="+mj-lt"/>
               </a:rPr>
-              <a:t>What is Higher Order Component?</a:t>
+              <a:t>We add the Mouse Hover Counter below the Click Counter.</a:t>
             </a:r>
           </a:p>
           <a:p>
@@ -3761,13 +3774,31 @@
               <a:buChar char="u"/>
             </a:pPr>
             <a:r>
-              <a:rPr lang="en-US" altLang="zh-TW" sz="1800" b="1" dirty="0">
+              <a:rPr lang="en-US" altLang="zh-TW" sz="1800" dirty="0">
                 <a:solidFill>
                   <a:schemeClr val="tx1"/>
                 </a:solidFill>
                 <a:latin typeface="+mj-lt"/>
               </a:rPr>
-              <a:t>How to create Higher Order Component?</a:t>
+              <a:t>Type “</a:t>
+            </a:r>
+            <a:r>
+              <a:rPr lang="en-US" altLang="zh-TW" sz="1800" dirty="0" err="1">
+                <a:solidFill>
+                  <a:schemeClr val="tx1"/>
+                </a:solidFill>
+                <a:latin typeface="+mj-lt"/>
+              </a:rPr>
+              <a:t>rce</a:t>
+            </a:r>
+            <a:r>
+              <a:rPr lang="en-US" altLang="zh-TW" sz="1800" dirty="0">
+                <a:solidFill>
+                  <a:schemeClr val="tx1"/>
+                </a:solidFill>
+                <a:latin typeface="+mj-lt"/>
+              </a:rPr>
+              <a:t>” (react class component for ES7).</a:t>
             </a:r>
           </a:p>
           <a:p>
@@ -3780,12 +3811,49 @@
               <a:buChar char="u"/>
             </a:pPr>
             <a:r>
-              <a:rPr lang="en-US" altLang="zh-TW" sz="1800" b="1" dirty="0">
+              <a:rPr lang="en-US" altLang="zh-TW" sz="1800" dirty="0">
                 <a:solidFill>
                   <a:schemeClr val="tx1"/>
                 </a:solidFill>
-              </a:rPr>
-              <a:t>In the Click Counter, Hovered Counter, and Key Press Counter, we have three duplicated classes in the components folder. </a:t>
+                <a:latin typeface="+mj-lt"/>
+              </a:rPr>
+              <a:t>Add &lt;h2 </a:t>
+            </a:r>
+            <a:r>
+              <a:rPr lang="en-US" altLang="zh-TW" sz="1800" dirty="0" err="1">
+                <a:solidFill>
+                  <a:schemeClr val="tx1"/>
+                </a:solidFill>
+                <a:latin typeface="+mj-lt"/>
+              </a:rPr>
+              <a:t>onMouseOver</a:t>
+            </a:r>
+            <a:r>
+              <a:rPr lang="en-US" altLang="zh-TW" sz="1800" dirty="0">
+                <a:solidFill>
+                  <a:schemeClr val="tx1"/>
+                </a:solidFill>
+                <a:latin typeface="+mj-lt"/>
+              </a:rPr>
+              <a:t>={</a:t>
+            </a:r>
+            <a:r>
+              <a:rPr lang="en-US" altLang="zh-TW" sz="1800" dirty="0" err="1">
+                <a:solidFill>
+                  <a:schemeClr val="tx1"/>
+                </a:solidFill>
+                <a:latin typeface="+mj-lt"/>
+              </a:rPr>
+              <a:t>this.incrementCount</a:t>
+            </a:r>
+            <a:r>
+              <a:rPr lang="en-US" altLang="zh-TW" sz="1800" dirty="0">
+                <a:solidFill>
+                  <a:schemeClr val="tx1"/>
+                </a:solidFill>
+                <a:latin typeface="+mj-lt"/>
+              </a:rPr>
+              <a:t>}&gt;Hovered x times&gt;/h2&gt; </a:t>
             </a:r>
           </a:p>
           <a:p>
@@ -3798,12 +3866,13 @@
               <a:buChar char="u"/>
             </a:pPr>
             <a:r>
-              <a:rPr lang="en-US" altLang="zh-TW" sz="1800" b="1" dirty="0">
+              <a:rPr lang="en-US" altLang="zh-TW" sz="1800" dirty="0">
                 <a:solidFill>
                   <a:schemeClr val="tx1"/>
                 </a:solidFill>
-              </a:rPr>
-              <a:t>How to make them into one?</a:t>
+                <a:latin typeface="+mj-lt"/>
+              </a:rPr>
+              <a:t>Now, we need the counter functionality that is already implemented in click counter.</a:t>
             </a:r>
           </a:p>
         </p:txBody>
@@ -3890,7 +3959,7 @@
             <a:fld id="{A4F910E6-8D00-4BAF-8C48-9688E0B449D3}" type="datetime1">
               <a:rPr lang="zh-TW" altLang="en-US" smtClean="0"/>
               <a:pPr/>
-              <a:t>2020/4/6</a:t>
+              <a:t>2020/5/24</a:t>
             </a:fld>
             <a:endParaRPr lang="zh-TW" altLang="en-US"/>
           </a:p>
@@ -3919,162 +3988,51 @@
             <a:fld id="{E4D7E63D-91F2-4366-A2C4-1B00C9E2590E}" type="slidenum">
               <a:rPr lang="zh-TW" altLang="en-US" smtClean="0"/>
               <a:pPr/>
-              <a:t>2</a:t>
+              <a:t>10</a:t>
             </a:fld>
             <a:endParaRPr lang="zh-TW" altLang="en-US"/>
           </a:p>
         </p:txBody>
       </p:sp>
-    </p:spTree>
-  </p:cSld>
-  <p:clrMapOvr>
-    <a:masterClrMapping/>
-  </p:clrMapOvr>
-</p:sld>
-</file>
-
-<file path=ppt/slides/slide3.xml><?xml version="1.0" encoding="utf-8"?>
-<p:sld xmlns:a="http://schemas.openxmlformats.org/drawingml/2006/main" xmlns:r="http://schemas.openxmlformats.org/officeDocument/2006/relationships" xmlns:p="http://schemas.openxmlformats.org/presentationml/2006/main">
-  <p:cSld>
-    <p:spTree>
-      <p:nvGrpSpPr>
-        <p:cNvPr id="1" name=""/>
-        <p:cNvGrpSpPr/>
-        <p:nvPr/>
-      </p:nvGrpSpPr>
-      <p:grpSpPr>
-        <a:xfrm>
-          <a:off x="0" y="0"/>
-          <a:ext cx="0" cy="0"/>
-          <a:chOff x="0" y="0"/>
-          <a:chExt cx="0" cy="0"/>
-        </a:xfrm>
-      </p:grpSpPr>
-      <p:sp>
-        <p:nvSpPr>
-          <p:cNvPr id="2" name="標題 1"/>
-          <p:cNvSpPr>
-            <a:spLocks noGrp="1"/>
-          </p:cNvSpPr>
-          <p:nvPr>
-            <p:ph type="ctrTitle"/>
-          </p:nvPr>
-        </p:nvSpPr>
-        <p:spPr>
-          <a:xfrm>
-            <a:off x="0" y="2130425"/>
-            <a:ext cx="9144000" cy="1470025"/>
-          </a:xfrm>
-          <a:solidFill>
-            <a:srgbClr val="00B0F0"/>
-          </a:solidFill>
-        </p:spPr>
-        <p:txBody>
-          <a:bodyPr>
-            <a:normAutofit/>
-          </a:bodyPr>
-          <a:lstStyle/>
-          <a:p>
-            <a:r>
-              <a:rPr lang="en-US" altLang="zh-TW" sz="4800" b="1" dirty="0">
-                <a:solidFill>
-                  <a:srgbClr val="FFFF00"/>
-                </a:solidFill>
-              </a:rPr>
-              <a:t>33.1 How Share Code? </a:t>
-            </a:r>
-            <a:endParaRPr lang="zh-TW" altLang="en-US" sz="4800" b="1" dirty="0">
-              <a:solidFill>
-                <a:srgbClr val="FFFF00"/>
-              </a:solidFill>
-            </a:endParaRPr>
-          </a:p>
-        </p:txBody>
-      </p:sp>
-      <p:sp>
-        <p:nvSpPr>
-          <p:cNvPr id="5" name="日期版面配置區 4"/>
-          <p:cNvSpPr>
-            <a:spLocks noGrp="1"/>
-          </p:cNvSpPr>
-          <p:nvPr>
-            <p:ph type="dt" sz="half" idx="10"/>
-          </p:nvPr>
-        </p:nvSpPr>
-        <p:spPr/>
-        <p:txBody>
-          <a:bodyPr/>
-          <a:lstStyle/>
-          <a:p>
-            <a:fld id="{C389EDC9-19E3-47AC-9C57-C6A24DEA81AD}" type="datetime1">
-              <a:rPr lang="zh-TW" altLang="en-US" smtClean="0"/>
-              <a:pPr/>
-              <a:t>2020/4/6</a:t>
-            </a:fld>
-            <a:endParaRPr lang="zh-TW" altLang="en-US"/>
-          </a:p>
-        </p:txBody>
-      </p:sp>
-      <p:sp>
-        <p:nvSpPr>
-          <p:cNvPr id="6" name="投影片編號版面配置區 5"/>
-          <p:cNvSpPr>
-            <a:spLocks noGrp="1"/>
-          </p:cNvSpPr>
-          <p:nvPr>
-            <p:ph type="sldNum" sz="quarter" idx="12"/>
-          </p:nvPr>
-        </p:nvSpPr>
-        <p:spPr/>
-        <p:txBody>
-          <a:bodyPr/>
-          <a:lstStyle/>
-          <a:p>
-            <a:fld id="{E4D7E63D-91F2-4366-A2C4-1B00C9E2590E}" type="slidenum">
-              <a:rPr lang="zh-TW" altLang="en-US" smtClean="0"/>
-              <a:pPr/>
-              <a:t>3</a:t>
-            </a:fld>
-            <a:endParaRPr lang="zh-TW" altLang="en-US"/>
-          </a:p>
-        </p:txBody>
-      </p:sp>
       <p:pic>
         <p:nvPicPr>
-          <p:cNvPr id="2050" name="Picture 2"/>
+          <p:cNvPr id="7" name="Picture 6">
+            <a:extLst>
+              <a:ext uri="{FF2B5EF4-FFF2-40B4-BE49-F238E27FC236}">
+                <a16:creationId xmlns:a16="http://schemas.microsoft.com/office/drawing/2014/main" id="{6F62A0C5-7BDE-4729-87B4-D0476D6AAE91}"/>
+              </a:ext>
+            </a:extLst>
+          </p:cNvPr>
           <p:cNvPicPr>
-            <a:picLocks noChangeAspect="1" noChangeArrowheads="1"/>
+            <a:picLocks noChangeAspect="1"/>
           </p:cNvPicPr>
           <p:nvPr/>
         </p:nvPicPr>
         <p:blipFill>
-          <a:blip r:embed="rId2" cstate="print"/>
-          <a:srcRect/>
+          <a:blip r:embed="rId3"/>
           <a:stretch>
             <a:fillRect/>
           </a:stretch>
         </p:blipFill>
-        <p:spPr bwMode="auto">
-          <a:xfrm>
-            <a:off x="4283968" y="3717032"/>
-            <a:ext cx="713805" cy="644588"/>
+        <p:spPr>
+          <a:xfrm>
+            <a:off x="3635896" y="1373328"/>
+            <a:ext cx="5291683" cy="4466239"/>
           </a:xfrm>
           <a:prstGeom prst="rect">
             <a:avLst/>
           </a:prstGeom>
-          <a:noFill/>
-          <a:ln w="9525">
-            <a:noFill/>
-            <a:miter lim="800000"/>
-            <a:headEnd/>
-            <a:tailEnd/>
+          <a:ln>
+            <a:solidFill>
+              <a:srgbClr val="C00000"/>
+            </a:solidFill>
           </a:ln>
         </p:spPr>
       </p:pic>
     </p:spTree>
     <p:extLst>
       <p:ext uri="{BB962C8B-B14F-4D97-AF65-F5344CB8AC3E}">
-        <p14:creationId xmlns:p14="http://schemas.microsoft.com/office/powerpoint/2010/main" val="3248808944"/>
+        <p14:creationId xmlns:p14="http://schemas.microsoft.com/office/powerpoint/2010/main" val="4120171090"/>
       </p:ext>
     </p:extLst>
   </p:cSld>
@@ -4084,7 +4042,7 @@
 </p:sld>
 </file>
 
-<file path=ppt/slides/slide4.xml><?xml version="1.0" encoding="utf-8"?>
+<file path=ppt/slides/slide11.xml><?xml version="1.0" encoding="utf-8"?>
 <p:sld xmlns:a="http://schemas.openxmlformats.org/drawingml/2006/main" xmlns:r="http://schemas.openxmlformats.org/officeDocument/2006/relationships" xmlns:p="http://schemas.openxmlformats.org/presentationml/2006/main">
   <p:cSld>
     <p:spTree>
@@ -4156,7 +4114,7 @@
                   <a:srgbClr val="FFFF00"/>
                 </a:solidFill>
               </a:rPr>
-              <a:t>33.1 How Share Code? </a:t>
+              <a:t>33.2 Implement Hover Counter</a:t>
             </a:r>
             <a:endParaRPr lang="zh-TW" altLang="en-US" b="1" dirty="0">
               <a:solidFill>
@@ -4178,8 +4136,8 @@
         </p:nvSpPr>
         <p:spPr>
           <a:xfrm>
-            <a:off x="467544" y="1340767"/>
-            <a:ext cx="8352928" cy="2138277"/>
+            <a:off x="467544" y="1340768"/>
+            <a:ext cx="8352928" cy="648072"/>
           </a:xfrm>
           <a:ln>
             <a:solidFill>
@@ -4208,7 +4166,7 @@
                 </a:solidFill>
                 <a:latin typeface="+mj-lt"/>
               </a:rPr>
-              <a:t>How to reuse this code?</a:t>
+              <a:t>Higher Order Components</a:t>
             </a:r>
           </a:p>
           <a:p>
@@ -4221,87 +4179,31 @@
               <a:buChar char="u"/>
             </a:pPr>
             <a:r>
-              <a:rPr lang="en-US" altLang="zh-TW" sz="1800" b="1" dirty="0">
+              <a:rPr lang="en-US" altLang="zh-TW" sz="1800" dirty="0">
                 <a:solidFill>
                   <a:schemeClr val="tx1"/>
                 </a:solidFill>
                 <a:latin typeface="+mj-lt"/>
               </a:rPr>
-              <a:t>The immediate though is to lift this state to the parent component and pass down the handler as a prop.</a:t>
-            </a:r>
-          </a:p>
-          <a:p>
-            <a:pPr marL="342900" indent="-342900" algn="l">
-              <a:buClr>
-                <a:srgbClr val="0070C0"/>
-              </a:buClr>
-              <a:buSzPct val="80000"/>
-              <a:buFont typeface="Wingdings" pitchFamily="2" charset="2"/>
-              <a:buChar char="u"/>
-            </a:pPr>
-            <a:r>
-              <a:rPr lang="en-US" altLang="zh-TW" sz="1800" b="1" dirty="0">
+              <a:t>&gt; </a:t>
+            </a:r>
+            <a:r>
+              <a:rPr lang="en-US" altLang="zh-TW" sz="1800" dirty="0" err="1">
                 <a:solidFill>
                   <a:schemeClr val="tx1"/>
                 </a:solidFill>
                 <a:latin typeface="+mj-lt"/>
               </a:rPr>
-              <a:t>Define a counter functionality as app component and provide the and the handler as props to </a:t>
-            </a:r>
-            <a:r>
-              <a:rPr lang="en-US" altLang="zh-TW" sz="1800" b="1" dirty="0" err="1">
+              <a:t>npm</a:t>
+            </a:r>
+            <a:r>
+              <a:rPr lang="en-US" altLang="zh-TW" sz="1800" dirty="0">
                 <a:solidFill>
                   <a:schemeClr val="tx1"/>
                 </a:solidFill>
                 <a:latin typeface="+mj-lt"/>
               </a:rPr>
-              <a:t>ClickCounter</a:t>
-            </a:r>
-            <a:r>
-              <a:rPr lang="en-US" altLang="zh-TW" sz="1800" b="1" dirty="0">
-                <a:solidFill>
-                  <a:schemeClr val="tx1"/>
-                </a:solidFill>
-                <a:latin typeface="+mj-lt"/>
-              </a:rPr>
-              <a:t> and </a:t>
-            </a:r>
-            <a:r>
-              <a:rPr lang="en-US" altLang="zh-TW" sz="1800" b="1" dirty="0" err="1">
-                <a:solidFill>
-                  <a:schemeClr val="tx1"/>
-                </a:solidFill>
-                <a:latin typeface="+mj-lt"/>
-              </a:rPr>
-              <a:t>HoverCounter</a:t>
-            </a:r>
-            <a:r>
-              <a:rPr lang="en-US" altLang="zh-TW" sz="1800" b="1" dirty="0">
-                <a:solidFill>
-                  <a:schemeClr val="tx1"/>
-                </a:solidFill>
-                <a:latin typeface="+mj-lt"/>
-              </a:rPr>
-              <a:t>.</a:t>
-            </a:r>
-          </a:p>
-          <a:p>
-            <a:pPr marL="342900" indent="-342900" algn="l">
-              <a:buClr>
-                <a:srgbClr val="0070C0"/>
-              </a:buClr>
-              <a:buSzPct val="80000"/>
-              <a:buFont typeface="Wingdings" pitchFamily="2" charset="2"/>
-              <a:buChar char="u"/>
-            </a:pPr>
-            <a:r>
-              <a:rPr lang="en-US" altLang="zh-TW" sz="1800" b="1" dirty="0">
-                <a:solidFill>
-                  <a:schemeClr val="tx1"/>
-                </a:solidFill>
-                <a:latin typeface="+mj-lt"/>
-              </a:rPr>
-              <a:t>This will work for our scenario where we have counter components as children of the same parent.</a:t>
+              <a:t> start</a:t>
             </a:r>
           </a:p>
         </p:txBody>
@@ -4388,7 +4290,7 @@
             <a:fld id="{A4F910E6-8D00-4BAF-8C48-9688E0B449D3}" type="datetime1">
               <a:rPr lang="zh-TW" altLang="en-US" smtClean="0"/>
               <a:pPr/>
-              <a:t>2020/4/6</a:t>
+              <a:t>2020/5/24</a:t>
             </a:fld>
             <a:endParaRPr lang="zh-TW" altLang="en-US"/>
           </a:p>
@@ -4417,7 +4319,1174 @@
             <a:fld id="{E4D7E63D-91F2-4366-A2C4-1B00C9E2590E}" type="slidenum">
               <a:rPr lang="zh-TW" altLang="en-US" smtClean="0"/>
               <a:pPr/>
-              <a:t>4</a:t>
+              <a:t>11</a:t>
+            </a:fld>
+            <a:endParaRPr lang="zh-TW" altLang="en-US"/>
+          </a:p>
+        </p:txBody>
+      </p:sp>
+      <p:pic>
+        <p:nvPicPr>
+          <p:cNvPr id="8" name="Picture 7">
+            <a:extLst>
+              <a:ext uri="{FF2B5EF4-FFF2-40B4-BE49-F238E27FC236}">
+                <a16:creationId xmlns:a16="http://schemas.microsoft.com/office/drawing/2014/main" id="{22F2B45B-ABC3-43EA-A2D9-0FFEF7B962AA}"/>
+              </a:ext>
+            </a:extLst>
+          </p:cNvPr>
+          <p:cNvPicPr>
+            <a:picLocks noChangeAspect="1"/>
+          </p:cNvPicPr>
+          <p:nvPr/>
+        </p:nvPicPr>
+        <p:blipFill>
+          <a:blip r:embed="rId3"/>
+          <a:stretch>
+            <a:fillRect/>
+          </a:stretch>
+        </p:blipFill>
+        <p:spPr>
+          <a:xfrm>
+            <a:off x="4512009" y="2108925"/>
+            <a:ext cx="4082382" cy="1628044"/>
+          </a:xfrm>
+          <a:prstGeom prst="rect">
+            <a:avLst/>
+          </a:prstGeom>
+          <a:ln>
+            <a:solidFill>
+              <a:srgbClr val="C00000"/>
+            </a:solidFill>
+          </a:ln>
+        </p:spPr>
+      </p:pic>
+      <p:pic>
+        <p:nvPicPr>
+          <p:cNvPr id="9" name="Picture 8">
+            <a:extLst>
+              <a:ext uri="{FF2B5EF4-FFF2-40B4-BE49-F238E27FC236}">
+                <a16:creationId xmlns:a16="http://schemas.microsoft.com/office/drawing/2014/main" id="{5EB57AEE-D005-45C7-8D65-3211827679B4}"/>
+              </a:ext>
+            </a:extLst>
+          </p:cNvPr>
+          <p:cNvPicPr>
+            <a:picLocks noChangeAspect="1"/>
+          </p:cNvPicPr>
+          <p:nvPr/>
+        </p:nvPicPr>
+        <p:blipFill>
+          <a:blip r:embed="rId4"/>
+          <a:stretch>
+            <a:fillRect/>
+          </a:stretch>
+        </p:blipFill>
+        <p:spPr>
+          <a:xfrm>
+            <a:off x="500847" y="2108925"/>
+            <a:ext cx="3850399" cy="3264292"/>
+          </a:xfrm>
+          <a:prstGeom prst="rect">
+            <a:avLst/>
+          </a:prstGeom>
+          <a:ln>
+            <a:solidFill>
+              <a:srgbClr val="C00000"/>
+            </a:solidFill>
+          </a:ln>
+        </p:spPr>
+      </p:pic>
+    </p:spTree>
+    <p:extLst>
+      <p:ext uri="{BB962C8B-B14F-4D97-AF65-F5344CB8AC3E}">
+        <p14:creationId xmlns:p14="http://schemas.microsoft.com/office/powerpoint/2010/main" val="891474144"/>
+      </p:ext>
+    </p:extLst>
+  </p:cSld>
+  <p:clrMapOvr>
+    <a:masterClrMapping/>
+  </p:clrMapOvr>
+</p:sld>
+</file>
+
+<file path=ppt/slides/slide12.xml><?xml version="1.0" encoding="utf-8"?>
+<p:sld xmlns:a="http://schemas.openxmlformats.org/drawingml/2006/main" xmlns:r="http://schemas.openxmlformats.org/officeDocument/2006/relationships" xmlns:p="http://schemas.openxmlformats.org/presentationml/2006/main">
+  <p:cSld>
+    <p:spTree>
+      <p:nvGrpSpPr>
+        <p:cNvPr id="1" name=""/>
+        <p:cNvGrpSpPr/>
+        <p:nvPr/>
+      </p:nvGrpSpPr>
+      <p:grpSpPr>
+        <a:xfrm>
+          <a:off x="0" y="0"/>
+          <a:ext cx="0" cy="0"/>
+          <a:chOff x="0" y="0"/>
+          <a:chExt cx="0" cy="0"/>
+        </a:xfrm>
+      </p:grpSpPr>
+      <p:sp>
+        <p:nvSpPr>
+          <p:cNvPr id="2" name="標題 1"/>
+          <p:cNvSpPr>
+            <a:spLocks noGrp="1"/>
+          </p:cNvSpPr>
+          <p:nvPr>
+            <p:ph type="ctrTitle"/>
+          </p:nvPr>
+        </p:nvSpPr>
+        <p:spPr>
+          <a:xfrm>
+            <a:off x="0" y="2130425"/>
+            <a:ext cx="9144000" cy="1470025"/>
+          </a:xfrm>
+          <a:solidFill>
+            <a:srgbClr val="00B0F0"/>
+          </a:solidFill>
+        </p:spPr>
+        <p:txBody>
+          <a:bodyPr>
+            <a:normAutofit/>
+          </a:bodyPr>
+          <a:lstStyle/>
+          <a:p>
+            <a:r>
+              <a:rPr lang="en-US" altLang="zh-TW" sz="4800" b="1" dirty="0">
+                <a:solidFill>
+                  <a:srgbClr val="FFFF00"/>
+                </a:solidFill>
+              </a:rPr>
+              <a:t>33.3 Implement Key Press Counter</a:t>
+            </a:r>
+            <a:endParaRPr lang="zh-TW" altLang="en-US" sz="4800" b="1" dirty="0">
+              <a:solidFill>
+                <a:srgbClr val="FFFF00"/>
+              </a:solidFill>
+            </a:endParaRPr>
+          </a:p>
+        </p:txBody>
+      </p:sp>
+      <p:sp>
+        <p:nvSpPr>
+          <p:cNvPr id="5" name="日期版面配置區 4"/>
+          <p:cNvSpPr>
+            <a:spLocks noGrp="1"/>
+          </p:cNvSpPr>
+          <p:nvPr>
+            <p:ph type="dt" sz="half" idx="10"/>
+          </p:nvPr>
+        </p:nvSpPr>
+        <p:spPr/>
+        <p:txBody>
+          <a:bodyPr/>
+          <a:lstStyle/>
+          <a:p>
+            <a:fld id="{C389EDC9-19E3-47AC-9C57-C6A24DEA81AD}" type="datetime1">
+              <a:rPr lang="zh-TW" altLang="en-US" smtClean="0"/>
+              <a:pPr/>
+              <a:t>2020/5/24</a:t>
+            </a:fld>
+            <a:endParaRPr lang="zh-TW" altLang="en-US"/>
+          </a:p>
+        </p:txBody>
+      </p:sp>
+      <p:sp>
+        <p:nvSpPr>
+          <p:cNvPr id="6" name="投影片編號版面配置區 5"/>
+          <p:cNvSpPr>
+            <a:spLocks noGrp="1"/>
+          </p:cNvSpPr>
+          <p:nvPr>
+            <p:ph type="sldNum" sz="quarter" idx="12"/>
+          </p:nvPr>
+        </p:nvSpPr>
+        <p:spPr/>
+        <p:txBody>
+          <a:bodyPr/>
+          <a:lstStyle/>
+          <a:p>
+            <a:fld id="{E4D7E63D-91F2-4366-A2C4-1B00C9E2590E}" type="slidenum">
+              <a:rPr lang="zh-TW" altLang="en-US" smtClean="0"/>
+              <a:pPr/>
+              <a:t>12</a:t>
+            </a:fld>
+            <a:endParaRPr lang="zh-TW" altLang="en-US"/>
+          </a:p>
+        </p:txBody>
+      </p:sp>
+      <p:pic>
+        <p:nvPicPr>
+          <p:cNvPr id="2050" name="Picture 2"/>
+          <p:cNvPicPr>
+            <a:picLocks noChangeAspect="1" noChangeArrowheads="1"/>
+          </p:cNvPicPr>
+          <p:nvPr/>
+        </p:nvPicPr>
+        <p:blipFill>
+          <a:blip r:embed="rId2" cstate="print"/>
+          <a:srcRect/>
+          <a:stretch>
+            <a:fillRect/>
+          </a:stretch>
+        </p:blipFill>
+        <p:spPr bwMode="auto">
+          <a:xfrm>
+            <a:off x="4283968" y="3717032"/>
+            <a:ext cx="713805" cy="644588"/>
+          </a:xfrm>
+          <a:prstGeom prst="rect">
+            <a:avLst/>
+          </a:prstGeom>
+          <a:noFill/>
+          <a:ln w="9525">
+            <a:noFill/>
+            <a:miter lim="800000"/>
+            <a:headEnd/>
+            <a:tailEnd/>
+          </a:ln>
+        </p:spPr>
+      </p:pic>
+    </p:spTree>
+    <p:extLst>
+      <p:ext uri="{BB962C8B-B14F-4D97-AF65-F5344CB8AC3E}">
+        <p14:creationId xmlns:p14="http://schemas.microsoft.com/office/powerpoint/2010/main" val="35777349"/>
+      </p:ext>
+    </p:extLst>
+  </p:cSld>
+  <p:clrMapOvr>
+    <a:masterClrMapping/>
+  </p:clrMapOvr>
+</p:sld>
+</file>
+
+<file path=ppt/slides/slide13.xml><?xml version="1.0" encoding="utf-8"?>
+<p:sld xmlns:a="http://schemas.openxmlformats.org/drawingml/2006/main" xmlns:r="http://schemas.openxmlformats.org/officeDocument/2006/relationships" xmlns:p="http://schemas.openxmlformats.org/presentationml/2006/main">
+  <p:cSld>
+    <p:spTree>
+      <p:nvGrpSpPr>
+        <p:cNvPr id="1" name=""/>
+        <p:cNvGrpSpPr/>
+        <p:nvPr/>
+      </p:nvGrpSpPr>
+      <p:grpSpPr>
+        <a:xfrm>
+          <a:off x="0" y="0"/>
+          <a:ext cx="0" cy="0"/>
+          <a:chOff x="0" y="0"/>
+          <a:chExt cx="0" cy="0"/>
+        </a:xfrm>
+      </p:grpSpPr>
+      <p:sp>
+        <p:nvSpPr>
+          <p:cNvPr id="2" name="標題 1"/>
+          <p:cNvSpPr>
+            <a:spLocks noGrp="1"/>
+          </p:cNvSpPr>
+          <p:nvPr>
+            <p:ph type="ctrTitle"/>
+          </p:nvPr>
+        </p:nvSpPr>
+        <p:spPr>
+          <a:xfrm>
+            <a:off x="0" y="1"/>
+            <a:ext cx="9144000" cy="764704"/>
+          </a:xfrm>
+          <a:gradFill flip="none" rotWithShape="1">
+            <a:gsLst>
+              <a:gs pos="0">
+                <a:srgbClr val="C00000">
+                  <a:shade val="30000"/>
+                  <a:satMod val="115000"/>
+                </a:srgbClr>
+              </a:gs>
+              <a:gs pos="50000">
+                <a:srgbClr val="C00000">
+                  <a:shade val="67500"/>
+                  <a:satMod val="115000"/>
+                </a:srgbClr>
+              </a:gs>
+              <a:gs pos="100000">
+                <a:srgbClr val="C00000">
+                  <a:shade val="100000"/>
+                  <a:satMod val="115000"/>
+                </a:srgbClr>
+              </a:gs>
+            </a:gsLst>
+            <a:path path="circle">
+              <a:fillToRect t="100000" r="100000"/>
+            </a:path>
+            <a:tileRect l="-100000" b="-100000"/>
+          </a:gradFill>
+        </p:spPr>
+        <p:txBody>
+          <a:bodyPr>
+            <a:normAutofit/>
+          </a:bodyPr>
+          <a:lstStyle/>
+          <a:p>
+            <a:pPr algn="l"/>
+            <a:r>
+              <a:rPr lang="en-US" altLang="zh-TW" b="1" dirty="0">
+                <a:solidFill>
+                  <a:srgbClr val="FFFF00"/>
+                </a:solidFill>
+              </a:rPr>
+              <a:t>33.3 Implement Key Press Counter</a:t>
+            </a:r>
+            <a:endParaRPr lang="zh-TW" altLang="en-US" b="1" dirty="0">
+              <a:solidFill>
+                <a:srgbClr val="FFFF00"/>
+              </a:solidFill>
+            </a:endParaRPr>
+          </a:p>
+        </p:txBody>
+      </p:sp>
+      <p:sp>
+        <p:nvSpPr>
+          <p:cNvPr id="3" name="副標題 2"/>
+          <p:cNvSpPr>
+            <a:spLocks noGrp="1"/>
+          </p:cNvSpPr>
+          <p:nvPr>
+            <p:ph type="subTitle" idx="1"/>
+          </p:nvPr>
+        </p:nvSpPr>
+        <p:spPr>
+          <a:xfrm>
+            <a:off x="467544" y="1340768"/>
+            <a:ext cx="8352928" cy="2232248"/>
+          </a:xfrm>
+          <a:ln>
+            <a:solidFill>
+              <a:srgbClr val="C00000"/>
+            </a:solidFill>
+          </a:ln>
+        </p:spPr>
+        <p:txBody>
+          <a:bodyPr>
+            <a:noAutofit/>
+          </a:bodyPr>
+          <a:lstStyle/>
+          <a:p>
+            <a:pPr marL="342900" indent="-342900" algn="l">
+              <a:buClr>
+                <a:srgbClr val="0070C0"/>
+              </a:buClr>
+              <a:buSzPct val="80000"/>
+              <a:buFont typeface="Wingdings" pitchFamily="2" charset="2"/>
+              <a:buChar char="u"/>
+            </a:pPr>
+            <a:r>
+              <a:rPr lang="en-US" altLang="zh-TW" sz="1800" b="1" dirty="0">
+                <a:solidFill>
+                  <a:schemeClr val="tx1"/>
+                </a:solidFill>
+                <a:latin typeface="+mj-lt"/>
+              </a:rPr>
+              <a:t>Higher Order Components</a:t>
+            </a:r>
+          </a:p>
+          <a:p>
+            <a:pPr marL="342900" indent="-342900" algn="l">
+              <a:buClr>
+                <a:srgbClr val="0070C0"/>
+              </a:buClr>
+              <a:buSzPct val="80000"/>
+              <a:buFont typeface="Wingdings" pitchFamily="2" charset="2"/>
+              <a:buChar char="u"/>
+            </a:pPr>
+            <a:r>
+              <a:rPr lang="en-US" altLang="zh-TW" sz="1800" dirty="0">
+                <a:solidFill>
+                  <a:schemeClr val="tx1"/>
+                </a:solidFill>
+                <a:latin typeface="+mj-lt"/>
+              </a:rPr>
+              <a:t>Now, there is a new requirement for key press counter.</a:t>
+            </a:r>
+          </a:p>
+          <a:p>
+            <a:pPr marL="342900" indent="-342900" algn="l">
+              <a:buClr>
+                <a:srgbClr val="0070C0"/>
+              </a:buClr>
+              <a:buSzPct val="80000"/>
+              <a:buFont typeface="Wingdings" pitchFamily="2" charset="2"/>
+              <a:buChar char="u"/>
+            </a:pPr>
+            <a:r>
+              <a:rPr lang="en-US" altLang="zh-TW" sz="1800" dirty="0">
+                <a:solidFill>
+                  <a:schemeClr val="tx1"/>
+                </a:solidFill>
+                <a:latin typeface="+mj-lt"/>
+              </a:rPr>
+              <a:t>In the click counter and hover counter, there are functions can be re-used but they are duplicated.</a:t>
+            </a:r>
+          </a:p>
+          <a:p>
+            <a:pPr marL="342900" indent="-342900" algn="l">
+              <a:buClr>
+                <a:srgbClr val="0070C0"/>
+              </a:buClr>
+              <a:buSzPct val="80000"/>
+              <a:buFont typeface="Wingdings" pitchFamily="2" charset="2"/>
+              <a:buChar char="u"/>
+            </a:pPr>
+            <a:r>
+              <a:rPr lang="en-US" altLang="zh-TW" sz="1800" dirty="0">
+                <a:solidFill>
+                  <a:schemeClr val="tx1"/>
+                </a:solidFill>
+                <a:latin typeface="+mj-lt"/>
+              </a:rPr>
+              <a:t>So, if there is 10 components need a counter functionality. We will be writing the exact the same code over and over again.</a:t>
+            </a:r>
+          </a:p>
+          <a:p>
+            <a:pPr marL="342900" indent="-342900" algn="l">
+              <a:buClr>
+                <a:srgbClr val="0070C0"/>
+              </a:buClr>
+              <a:buSzPct val="80000"/>
+              <a:buFont typeface="Wingdings" pitchFamily="2" charset="2"/>
+              <a:buChar char="u"/>
+            </a:pPr>
+            <a:r>
+              <a:rPr lang="en-US" altLang="zh-TW" sz="1800" dirty="0">
+                <a:solidFill>
+                  <a:schemeClr val="tx1"/>
+                </a:solidFill>
+                <a:latin typeface="+mj-lt"/>
+              </a:rPr>
+              <a:t>The question is: Now, how can we re-use the code?</a:t>
+            </a:r>
+          </a:p>
+        </p:txBody>
+      </p:sp>
+      <p:sp>
+        <p:nvSpPr>
+          <p:cNvPr id="4" name="標題 1"/>
+          <p:cNvSpPr txBox="1">
+            <a:spLocks/>
+          </p:cNvSpPr>
+          <p:nvPr/>
+        </p:nvSpPr>
+        <p:spPr>
+          <a:xfrm>
+            <a:off x="0" y="764704"/>
+            <a:ext cx="9144000" cy="398616"/>
+          </a:xfrm>
+          <a:prstGeom prst="rect">
+            <a:avLst/>
+          </a:prstGeom>
+          <a:gradFill flip="none" rotWithShape="1">
+            <a:gsLst>
+              <a:gs pos="0">
+                <a:srgbClr val="00B0F0">
+                  <a:shade val="30000"/>
+                  <a:satMod val="115000"/>
+                </a:srgbClr>
+              </a:gs>
+              <a:gs pos="50000">
+                <a:srgbClr val="00B0F0">
+                  <a:shade val="67500"/>
+                  <a:satMod val="115000"/>
+                </a:srgbClr>
+              </a:gs>
+              <a:gs pos="100000">
+                <a:srgbClr val="00B0F0">
+                  <a:shade val="100000"/>
+                  <a:satMod val="115000"/>
+                </a:srgbClr>
+              </a:gs>
+            </a:gsLst>
+            <a:path path="circle">
+              <a:fillToRect t="100000" r="100000"/>
+            </a:path>
+            <a:tileRect l="-100000" b="-100000"/>
+          </a:gradFill>
+        </p:spPr>
+        <p:txBody>
+          <a:bodyPr vert="horz" lIns="91440" tIns="45720" rIns="91440" bIns="45720" rtlCol="0" anchor="ctr">
+            <a:normAutofit fontScale="92500"/>
+          </a:bodyPr>
+          <a:lstStyle/>
+          <a:p>
+            <a:r>
+              <a:rPr lang="en-US" sz="1600" dirty="0">
+                <a:hlinkClick r:id="rId2"/>
+              </a:rPr>
+              <a:t>https://www.youtube.com/watch?v=B6aNv8nkUSw&amp;list=PLC3y8-rFHvwgg3vaYJgHGnModB54rxOk3&amp;index=33</a:t>
+            </a:r>
+            <a:endParaRPr lang="en-US" altLang="zh-TW" sz="1600" b="1" i="1" dirty="0"/>
+          </a:p>
+        </p:txBody>
+      </p:sp>
+      <p:sp>
+        <p:nvSpPr>
+          <p:cNvPr id="5" name="日期版面配置區 4"/>
+          <p:cNvSpPr>
+            <a:spLocks noGrp="1"/>
+          </p:cNvSpPr>
+          <p:nvPr>
+            <p:ph type="dt" sz="half" idx="10"/>
+          </p:nvPr>
+        </p:nvSpPr>
+        <p:spPr>
+          <a:xfrm>
+            <a:off x="457200" y="6356350"/>
+            <a:ext cx="2133600" cy="404246"/>
+          </a:xfrm>
+        </p:spPr>
+        <p:txBody>
+          <a:bodyPr/>
+          <a:lstStyle/>
+          <a:p>
+            <a:fld id="{A4F910E6-8D00-4BAF-8C48-9688E0B449D3}" type="datetime1">
+              <a:rPr lang="zh-TW" altLang="en-US" smtClean="0"/>
+              <a:pPr/>
+              <a:t>2020/5/24</a:t>
+            </a:fld>
+            <a:endParaRPr lang="zh-TW" altLang="en-US"/>
+          </a:p>
+        </p:txBody>
+      </p:sp>
+      <p:sp>
+        <p:nvSpPr>
+          <p:cNvPr id="6" name="投影片編號版面配置區 5"/>
+          <p:cNvSpPr>
+            <a:spLocks noGrp="1"/>
+          </p:cNvSpPr>
+          <p:nvPr>
+            <p:ph type="sldNum" sz="quarter" idx="12"/>
+          </p:nvPr>
+        </p:nvSpPr>
+        <p:spPr>
+          <a:xfrm>
+            <a:off x="6553200" y="6356350"/>
+            <a:ext cx="2133600" cy="404246"/>
+          </a:xfrm>
+        </p:spPr>
+        <p:txBody>
+          <a:bodyPr/>
+          <a:lstStyle/>
+          <a:p>
+            <a:fld id="{E4D7E63D-91F2-4366-A2C4-1B00C9E2590E}" type="slidenum">
+              <a:rPr lang="zh-TW" altLang="en-US" smtClean="0"/>
+              <a:pPr/>
+              <a:t>13</a:t>
+            </a:fld>
+            <a:endParaRPr lang="zh-TW" altLang="en-US"/>
+          </a:p>
+        </p:txBody>
+      </p:sp>
+    </p:spTree>
+    <p:extLst>
+      <p:ext uri="{BB962C8B-B14F-4D97-AF65-F5344CB8AC3E}">
+        <p14:creationId xmlns:p14="http://schemas.microsoft.com/office/powerpoint/2010/main" val="3286445348"/>
+      </p:ext>
+    </p:extLst>
+  </p:cSld>
+  <p:clrMapOvr>
+    <a:masterClrMapping/>
+  </p:clrMapOvr>
+</p:sld>
+</file>
+
+<file path=ppt/slides/slide14.xml><?xml version="1.0" encoding="utf-8"?>
+<p:sld xmlns:a="http://schemas.openxmlformats.org/drawingml/2006/main" xmlns:r="http://schemas.openxmlformats.org/officeDocument/2006/relationships" xmlns:p="http://schemas.openxmlformats.org/presentationml/2006/main">
+  <p:cSld>
+    <p:spTree>
+      <p:nvGrpSpPr>
+        <p:cNvPr id="1" name=""/>
+        <p:cNvGrpSpPr/>
+        <p:nvPr/>
+      </p:nvGrpSpPr>
+      <p:grpSpPr>
+        <a:xfrm>
+          <a:off x="0" y="0"/>
+          <a:ext cx="0" cy="0"/>
+          <a:chOff x="0" y="0"/>
+          <a:chExt cx="0" cy="0"/>
+        </a:xfrm>
+      </p:grpSpPr>
+      <p:sp>
+        <p:nvSpPr>
+          <p:cNvPr id="2" name="標題 1"/>
+          <p:cNvSpPr>
+            <a:spLocks noGrp="1"/>
+          </p:cNvSpPr>
+          <p:nvPr>
+            <p:ph type="ctrTitle"/>
+          </p:nvPr>
+        </p:nvSpPr>
+        <p:spPr>
+          <a:xfrm>
+            <a:off x="0" y="2130425"/>
+            <a:ext cx="9144000" cy="1470025"/>
+          </a:xfrm>
+          <a:solidFill>
+            <a:srgbClr val="00B0F0"/>
+          </a:solidFill>
+        </p:spPr>
+        <p:txBody>
+          <a:bodyPr>
+            <a:normAutofit/>
+          </a:bodyPr>
+          <a:lstStyle/>
+          <a:p>
+            <a:r>
+              <a:rPr lang="en-US" altLang="zh-TW" sz="4800" b="1" dirty="0">
+                <a:solidFill>
+                  <a:srgbClr val="FFFF00"/>
+                </a:solidFill>
+              </a:rPr>
+              <a:t>33.4 How Share Code? </a:t>
+            </a:r>
+            <a:endParaRPr lang="zh-TW" altLang="en-US" sz="4800" b="1" dirty="0">
+              <a:solidFill>
+                <a:srgbClr val="FFFF00"/>
+              </a:solidFill>
+            </a:endParaRPr>
+          </a:p>
+        </p:txBody>
+      </p:sp>
+      <p:sp>
+        <p:nvSpPr>
+          <p:cNvPr id="5" name="日期版面配置區 4"/>
+          <p:cNvSpPr>
+            <a:spLocks noGrp="1"/>
+          </p:cNvSpPr>
+          <p:nvPr>
+            <p:ph type="dt" sz="half" idx="10"/>
+          </p:nvPr>
+        </p:nvSpPr>
+        <p:spPr/>
+        <p:txBody>
+          <a:bodyPr/>
+          <a:lstStyle/>
+          <a:p>
+            <a:fld id="{C389EDC9-19E3-47AC-9C57-C6A24DEA81AD}" type="datetime1">
+              <a:rPr lang="zh-TW" altLang="en-US" smtClean="0"/>
+              <a:pPr/>
+              <a:t>2020/5/24</a:t>
+            </a:fld>
+            <a:endParaRPr lang="zh-TW" altLang="en-US"/>
+          </a:p>
+        </p:txBody>
+      </p:sp>
+      <p:sp>
+        <p:nvSpPr>
+          <p:cNvPr id="6" name="投影片編號版面配置區 5"/>
+          <p:cNvSpPr>
+            <a:spLocks noGrp="1"/>
+          </p:cNvSpPr>
+          <p:nvPr>
+            <p:ph type="sldNum" sz="quarter" idx="12"/>
+          </p:nvPr>
+        </p:nvSpPr>
+        <p:spPr/>
+        <p:txBody>
+          <a:bodyPr/>
+          <a:lstStyle/>
+          <a:p>
+            <a:fld id="{E4D7E63D-91F2-4366-A2C4-1B00C9E2590E}" type="slidenum">
+              <a:rPr lang="zh-TW" altLang="en-US" smtClean="0"/>
+              <a:pPr/>
+              <a:t>14</a:t>
+            </a:fld>
+            <a:endParaRPr lang="zh-TW" altLang="en-US"/>
+          </a:p>
+        </p:txBody>
+      </p:sp>
+      <p:pic>
+        <p:nvPicPr>
+          <p:cNvPr id="2050" name="Picture 2"/>
+          <p:cNvPicPr>
+            <a:picLocks noChangeAspect="1" noChangeArrowheads="1"/>
+          </p:cNvPicPr>
+          <p:nvPr/>
+        </p:nvPicPr>
+        <p:blipFill>
+          <a:blip r:embed="rId2" cstate="print"/>
+          <a:srcRect/>
+          <a:stretch>
+            <a:fillRect/>
+          </a:stretch>
+        </p:blipFill>
+        <p:spPr bwMode="auto">
+          <a:xfrm>
+            <a:off x="4283968" y="3717032"/>
+            <a:ext cx="713805" cy="644588"/>
+          </a:xfrm>
+          <a:prstGeom prst="rect">
+            <a:avLst/>
+          </a:prstGeom>
+          <a:noFill/>
+          <a:ln w="9525">
+            <a:noFill/>
+            <a:miter lim="800000"/>
+            <a:headEnd/>
+            <a:tailEnd/>
+          </a:ln>
+        </p:spPr>
+      </p:pic>
+    </p:spTree>
+    <p:extLst>
+      <p:ext uri="{BB962C8B-B14F-4D97-AF65-F5344CB8AC3E}">
+        <p14:creationId xmlns:p14="http://schemas.microsoft.com/office/powerpoint/2010/main" val="3248808944"/>
+      </p:ext>
+    </p:extLst>
+  </p:cSld>
+  <p:clrMapOvr>
+    <a:masterClrMapping/>
+  </p:clrMapOvr>
+</p:sld>
+</file>
+
+<file path=ppt/slides/slide15.xml><?xml version="1.0" encoding="utf-8"?>
+<p:sld xmlns:a="http://schemas.openxmlformats.org/drawingml/2006/main" xmlns:r="http://schemas.openxmlformats.org/officeDocument/2006/relationships" xmlns:p="http://schemas.openxmlformats.org/presentationml/2006/main">
+  <p:cSld>
+    <p:spTree>
+      <p:nvGrpSpPr>
+        <p:cNvPr id="1" name=""/>
+        <p:cNvGrpSpPr/>
+        <p:nvPr/>
+      </p:nvGrpSpPr>
+      <p:grpSpPr>
+        <a:xfrm>
+          <a:off x="0" y="0"/>
+          <a:ext cx="0" cy="0"/>
+          <a:chOff x="0" y="0"/>
+          <a:chExt cx="0" cy="0"/>
+        </a:xfrm>
+      </p:grpSpPr>
+      <p:sp>
+        <p:nvSpPr>
+          <p:cNvPr id="2" name="標題 1"/>
+          <p:cNvSpPr>
+            <a:spLocks noGrp="1"/>
+          </p:cNvSpPr>
+          <p:nvPr>
+            <p:ph type="ctrTitle"/>
+          </p:nvPr>
+        </p:nvSpPr>
+        <p:spPr>
+          <a:xfrm>
+            <a:off x="0" y="1"/>
+            <a:ext cx="9144000" cy="764704"/>
+          </a:xfrm>
+          <a:gradFill flip="none" rotWithShape="1">
+            <a:gsLst>
+              <a:gs pos="0">
+                <a:srgbClr val="C00000">
+                  <a:shade val="30000"/>
+                  <a:satMod val="115000"/>
+                </a:srgbClr>
+              </a:gs>
+              <a:gs pos="50000">
+                <a:srgbClr val="C00000">
+                  <a:shade val="67500"/>
+                  <a:satMod val="115000"/>
+                </a:srgbClr>
+              </a:gs>
+              <a:gs pos="100000">
+                <a:srgbClr val="C00000">
+                  <a:shade val="100000"/>
+                  <a:satMod val="115000"/>
+                </a:srgbClr>
+              </a:gs>
+            </a:gsLst>
+            <a:path path="circle">
+              <a:fillToRect t="100000" r="100000"/>
+            </a:path>
+            <a:tileRect l="-100000" b="-100000"/>
+          </a:gradFill>
+        </p:spPr>
+        <p:txBody>
+          <a:bodyPr>
+            <a:normAutofit/>
+          </a:bodyPr>
+          <a:lstStyle/>
+          <a:p>
+            <a:pPr algn="l"/>
+            <a:r>
+              <a:rPr lang="en-US" altLang="zh-TW" b="1" dirty="0">
+                <a:solidFill>
+                  <a:srgbClr val="FFFF00"/>
+                </a:solidFill>
+              </a:rPr>
+              <a:t>33.4 How Share Code? </a:t>
+            </a:r>
+            <a:endParaRPr lang="zh-TW" altLang="en-US" b="1" dirty="0">
+              <a:solidFill>
+                <a:srgbClr val="FFFF00"/>
+              </a:solidFill>
+            </a:endParaRPr>
+          </a:p>
+        </p:txBody>
+      </p:sp>
+      <p:sp>
+        <p:nvSpPr>
+          <p:cNvPr id="3" name="副標題 2"/>
+          <p:cNvSpPr>
+            <a:spLocks noGrp="1"/>
+          </p:cNvSpPr>
+          <p:nvPr>
+            <p:ph type="subTitle" idx="1"/>
+          </p:nvPr>
+        </p:nvSpPr>
+        <p:spPr>
+          <a:xfrm>
+            <a:off x="467544" y="1340767"/>
+            <a:ext cx="8352928" cy="2138277"/>
+          </a:xfrm>
+          <a:ln>
+            <a:solidFill>
+              <a:srgbClr val="C00000"/>
+            </a:solidFill>
+          </a:ln>
+        </p:spPr>
+        <p:txBody>
+          <a:bodyPr>
+            <a:noAutofit/>
+          </a:bodyPr>
+          <a:lstStyle/>
+          <a:p>
+            <a:pPr marL="342900" indent="-342900" algn="l">
+              <a:buClr>
+                <a:srgbClr val="0070C0"/>
+              </a:buClr>
+              <a:buSzPct val="80000"/>
+              <a:buFont typeface="Wingdings" pitchFamily="2" charset="2"/>
+              <a:buChar char="u"/>
+            </a:pPr>
+            <a:r>
+              <a:rPr lang="en-US" altLang="zh-TW" sz="1800" b="1" dirty="0">
+                <a:solidFill>
+                  <a:schemeClr val="tx1"/>
+                </a:solidFill>
+                <a:latin typeface="+mj-lt"/>
+              </a:rPr>
+              <a:t>How to reuse this code?</a:t>
+            </a:r>
+          </a:p>
+          <a:p>
+            <a:pPr marL="342900" indent="-342900" algn="l">
+              <a:buClr>
+                <a:srgbClr val="0070C0"/>
+              </a:buClr>
+              <a:buSzPct val="80000"/>
+              <a:buFont typeface="Wingdings" pitchFamily="2" charset="2"/>
+              <a:buChar char="u"/>
+            </a:pPr>
+            <a:r>
+              <a:rPr lang="en-US" altLang="zh-TW" sz="1800" dirty="0">
+                <a:solidFill>
+                  <a:schemeClr val="tx1"/>
+                </a:solidFill>
+                <a:latin typeface="+mj-lt"/>
+              </a:rPr>
+              <a:t>The immediate though is </a:t>
+            </a:r>
+            <a:r>
+              <a:rPr lang="en-US" altLang="zh-TW" sz="1800" b="1" dirty="0">
+                <a:solidFill>
+                  <a:srgbClr val="C00000"/>
+                </a:solidFill>
+                <a:latin typeface="+mj-lt"/>
+              </a:rPr>
+              <a:t>to lift this state to the parent component </a:t>
+            </a:r>
+            <a:r>
+              <a:rPr lang="en-US" altLang="zh-TW" sz="1800" dirty="0">
+                <a:solidFill>
+                  <a:schemeClr val="tx1"/>
+                </a:solidFill>
+                <a:latin typeface="+mj-lt"/>
+              </a:rPr>
+              <a:t>and </a:t>
+            </a:r>
+            <a:r>
+              <a:rPr lang="en-US" altLang="zh-TW" sz="1800" b="1" dirty="0">
+                <a:solidFill>
+                  <a:srgbClr val="C00000"/>
+                </a:solidFill>
+                <a:latin typeface="+mj-lt"/>
+              </a:rPr>
+              <a:t>pass down the handler as a prop</a:t>
+            </a:r>
+            <a:r>
+              <a:rPr lang="en-US" altLang="zh-TW" sz="1800" dirty="0">
+                <a:solidFill>
+                  <a:schemeClr val="tx1"/>
+                </a:solidFill>
+                <a:latin typeface="+mj-lt"/>
+              </a:rPr>
+              <a:t>.</a:t>
+            </a:r>
+          </a:p>
+          <a:p>
+            <a:pPr marL="342900" indent="-342900" algn="l">
+              <a:buClr>
+                <a:srgbClr val="0070C0"/>
+              </a:buClr>
+              <a:buSzPct val="80000"/>
+              <a:buFont typeface="Wingdings" pitchFamily="2" charset="2"/>
+              <a:buChar char="u"/>
+            </a:pPr>
+            <a:r>
+              <a:rPr lang="en-US" altLang="zh-TW" sz="1800" dirty="0">
+                <a:solidFill>
+                  <a:schemeClr val="tx1"/>
+                </a:solidFill>
+                <a:latin typeface="+mj-lt"/>
+              </a:rPr>
+              <a:t>Define a </a:t>
+            </a:r>
+            <a:r>
+              <a:rPr lang="en-US" altLang="zh-TW" sz="1800" b="1" dirty="0">
+                <a:solidFill>
+                  <a:srgbClr val="C00000"/>
+                </a:solidFill>
+                <a:latin typeface="+mj-lt"/>
+              </a:rPr>
+              <a:t>counter functionality in app component </a:t>
+            </a:r>
+            <a:r>
+              <a:rPr lang="en-US" altLang="zh-TW" sz="1800" dirty="0">
+                <a:solidFill>
+                  <a:schemeClr val="tx1"/>
+                </a:solidFill>
+                <a:latin typeface="+mj-lt"/>
+              </a:rPr>
+              <a:t>and </a:t>
+            </a:r>
+            <a:r>
+              <a:rPr lang="en-US" altLang="zh-TW" sz="1800" b="1" dirty="0">
+                <a:solidFill>
+                  <a:srgbClr val="C00000"/>
+                </a:solidFill>
+                <a:latin typeface="+mj-lt"/>
+              </a:rPr>
+              <a:t>provide the and the handler as props</a:t>
+            </a:r>
+            <a:r>
+              <a:rPr lang="en-US" altLang="zh-TW" sz="1800" dirty="0">
+                <a:solidFill>
+                  <a:schemeClr val="tx1"/>
+                </a:solidFill>
+                <a:latin typeface="+mj-lt"/>
+              </a:rPr>
+              <a:t> to </a:t>
+            </a:r>
+            <a:r>
+              <a:rPr lang="en-US" altLang="zh-TW" sz="1800" dirty="0" err="1">
+                <a:solidFill>
+                  <a:schemeClr val="tx1"/>
+                </a:solidFill>
+                <a:latin typeface="+mj-lt"/>
+              </a:rPr>
+              <a:t>ClickCounter</a:t>
+            </a:r>
+            <a:r>
+              <a:rPr lang="en-US" altLang="zh-TW" sz="1800" dirty="0">
+                <a:solidFill>
+                  <a:schemeClr val="tx1"/>
+                </a:solidFill>
+                <a:latin typeface="+mj-lt"/>
+              </a:rPr>
+              <a:t> and </a:t>
+            </a:r>
+            <a:r>
+              <a:rPr lang="en-US" altLang="zh-TW" sz="1800" dirty="0" err="1">
+                <a:solidFill>
+                  <a:schemeClr val="tx1"/>
+                </a:solidFill>
+                <a:latin typeface="+mj-lt"/>
+              </a:rPr>
+              <a:t>HoverCounter</a:t>
+            </a:r>
+            <a:r>
+              <a:rPr lang="en-US" altLang="zh-TW" sz="1800" dirty="0">
+                <a:solidFill>
+                  <a:schemeClr val="tx1"/>
+                </a:solidFill>
+                <a:latin typeface="+mj-lt"/>
+              </a:rPr>
+              <a:t>.</a:t>
+            </a:r>
+          </a:p>
+          <a:p>
+            <a:pPr marL="342900" indent="-342900" algn="l">
+              <a:buClr>
+                <a:srgbClr val="0070C0"/>
+              </a:buClr>
+              <a:buSzPct val="80000"/>
+              <a:buFont typeface="Wingdings" pitchFamily="2" charset="2"/>
+              <a:buChar char="u"/>
+            </a:pPr>
+            <a:r>
+              <a:rPr lang="en-US" altLang="zh-TW" sz="1800" dirty="0">
+                <a:solidFill>
+                  <a:schemeClr val="tx1"/>
+                </a:solidFill>
+                <a:latin typeface="+mj-lt"/>
+              </a:rPr>
+              <a:t>This will work for our scenario where we have </a:t>
+            </a:r>
+            <a:r>
+              <a:rPr lang="en-US" altLang="zh-TW" sz="1800" b="1" dirty="0">
+                <a:solidFill>
+                  <a:srgbClr val="C00000"/>
+                </a:solidFill>
+                <a:latin typeface="+mj-lt"/>
+              </a:rPr>
+              <a:t>counter components as children </a:t>
+            </a:r>
+            <a:r>
+              <a:rPr lang="en-US" altLang="zh-TW" sz="1800" dirty="0">
+                <a:solidFill>
+                  <a:schemeClr val="tx1"/>
+                </a:solidFill>
+                <a:latin typeface="+mj-lt"/>
+              </a:rPr>
+              <a:t>of the </a:t>
+            </a:r>
+            <a:r>
+              <a:rPr lang="en-US" altLang="zh-TW" sz="1800" b="1" dirty="0">
+                <a:solidFill>
+                  <a:srgbClr val="C00000"/>
+                </a:solidFill>
+                <a:latin typeface="+mj-lt"/>
+              </a:rPr>
+              <a:t>same parent</a:t>
+            </a:r>
+            <a:r>
+              <a:rPr lang="en-US" altLang="zh-TW" sz="1800" dirty="0">
+                <a:solidFill>
+                  <a:schemeClr val="tx1"/>
+                </a:solidFill>
+                <a:latin typeface="+mj-lt"/>
+              </a:rPr>
+              <a:t>.</a:t>
+            </a:r>
+          </a:p>
+        </p:txBody>
+      </p:sp>
+      <p:sp>
+        <p:nvSpPr>
+          <p:cNvPr id="4" name="標題 1"/>
+          <p:cNvSpPr txBox="1">
+            <a:spLocks/>
+          </p:cNvSpPr>
+          <p:nvPr/>
+        </p:nvSpPr>
+        <p:spPr>
+          <a:xfrm>
+            <a:off x="0" y="764704"/>
+            <a:ext cx="9144000" cy="398616"/>
+          </a:xfrm>
+          <a:prstGeom prst="rect">
+            <a:avLst/>
+          </a:prstGeom>
+          <a:gradFill flip="none" rotWithShape="1">
+            <a:gsLst>
+              <a:gs pos="0">
+                <a:srgbClr val="00B0F0">
+                  <a:shade val="30000"/>
+                  <a:satMod val="115000"/>
+                </a:srgbClr>
+              </a:gs>
+              <a:gs pos="50000">
+                <a:srgbClr val="00B0F0">
+                  <a:shade val="67500"/>
+                  <a:satMod val="115000"/>
+                </a:srgbClr>
+              </a:gs>
+              <a:gs pos="100000">
+                <a:srgbClr val="00B0F0">
+                  <a:shade val="100000"/>
+                  <a:satMod val="115000"/>
+                </a:srgbClr>
+              </a:gs>
+            </a:gsLst>
+            <a:path path="circle">
+              <a:fillToRect t="100000" r="100000"/>
+            </a:path>
+            <a:tileRect l="-100000" b="-100000"/>
+          </a:gradFill>
+        </p:spPr>
+        <p:txBody>
+          <a:bodyPr vert="horz" lIns="91440" tIns="45720" rIns="91440" bIns="45720" rtlCol="0" anchor="ctr">
+            <a:normAutofit fontScale="92500"/>
+          </a:bodyPr>
+          <a:lstStyle/>
+          <a:p>
+            <a:r>
+              <a:rPr lang="en-US" sz="1600" dirty="0">
+                <a:hlinkClick r:id="rId2"/>
+              </a:rPr>
+              <a:t>https://www.youtube.com/watch?v=B6aNv8nkUSw&amp;list=PLC3y8-rFHvwgg3vaYJgHGnModB54rxOk3&amp;index=33</a:t>
+            </a:r>
+            <a:endParaRPr lang="en-US" altLang="zh-TW" sz="1600" b="1" i="1" dirty="0"/>
+          </a:p>
+        </p:txBody>
+      </p:sp>
+      <p:sp>
+        <p:nvSpPr>
+          <p:cNvPr id="5" name="日期版面配置區 4"/>
+          <p:cNvSpPr>
+            <a:spLocks noGrp="1"/>
+          </p:cNvSpPr>
+          <p:nvPr>
+            <p:ph type="dt" sz="half" idx="10"/>
+          </p:nvPr>
+        </p:nvSpPr>
+        <p:spPr>
+          <a:xfrm>
+            <a:off x="457200" y="6356350"/>
+            <a:ext cx="2133600" cy="404246"/>
+          </a:xfrm>
+        </p:spPr>
+        <p:txBody>
+          <a:bodyPr/>
+          <a:lstStyle/>
+          <a:p>
+            <a:fld id="{A4F910E6-8D00-4BAF-8C48-9688E0B449D3}" type="datetime1">
+              <a:rPr lang="zh-TW" altLang="en-US" smtClean="0"/>
+              <a:pPr/>
+              <a:t>2020/5/24</a:t>
+            </a:fld>
+            <a:endParaRPr lang="zh-TW" altLang="en-US"/>
+          </a:p>
+        </p:txBody>
+      </p:sp>
+      <p:sp>
+        <p:nvSpPr>
+          <p:cNvPr id="6" name="投影片編號版面配置區 5"/>
+          <p:cNvSpPr>
+            <a:spLocks noGrp="1"/>
+          </p:cNvSpPr>
+          <p:nvPr>
+            <p:ph type="sldNum" sz="quarter" idx="12"/>
+          </p:nvPr>
+        </p:nvSpPr>
+        <p:spPr>
+          <a:xfrm>
+            <a:off x="6553200" y="6356350"/>
+            <a:ext cx="2133600" cy="404246"/>
+          </a:xfrm>
+        </p:spPr>
+        <p:txBody>
+          <a:bodyPr/>
+          <a:lstStyle/>
+          <a:p>
+            <a:fld id="{E4D7E63D-91F2-4366-A2C4-1B00C9E2590E}" type="slidenum">
+              <a:rPr lang="zh-TW" altLang="en-US" smtClean="0"/>
+              <a:pPr/>
+              <a:t>15</a:t>
             </a:fld>
             <a:endParaRPr lang="zh-TW" altLang="en-US"/>
           </a:p>
@@ -5226,7 +6295,7 @@
 </p:sld>
 </file>
 
-<file path=ppt/slides/slide5.xml><?xml version="1.0" encoding="utf-8"?>
+<file path=ppt/slides/slide16.xml><?xml version="1.0" encoding="utf-8"?>
 <p:sld xmlns:a="http://schemas.openxmlformats.org/drawingml/2006/main" xmlns:r="http://schemas.openxmlformats.org/officeDocument/2006/relationships" xmlns:p="http://schemas.openxmlformats.org/presentationml/2006/main">
   <p:cSld>
     <p:spTree>
@@ -5298,7 +6367,7 @@
                   <a:srgbClr val="FFFF00"/>
                 </a:solidFill>
               </a:rPr>
-              <a:t>33.1 How Share Code? </a:t>
+              <a:t>33.4 How Share Code? </a:t>
             </a:r>
             <a:endParaRPr lang="zh-TW" altLang="en-US" b="1" dirty="0">
               <a:solidFill>
@@ -5363,25 +6432,25 @@
               <a:buChar char="u"/>
             </a:pPr>
             <a:r>
+              <a:rPr lang="en-US" altLang="zh-TW" sz="1800" dirty="0">
+                <a:solidFill>
+                  <a:schemeClr val="tx1"/>
+                </a:solidFill>
+                <a:latin typeface="+mj-lt"/>
+              </a:rPr>
+              <a:t>If we have a scenario where the counter components are scattered in the react component tree, The props have to passed too many components within the tree. </a:t>
+            </a:r>
+            <a:r>
               <a:rPr lang="en-US" altLang="zh-TW" sz="1800" b="1" dirty="0">
                 <a:solidFill>
-                  <a:schemeClr val="tx1"/>
+                  <a:srgbClr val="C00000"/>
                 </a:solidFill>
                 <a:latin typeface="+mj-lt"/>
               </a:rPr>
-              <a:t>If we have a scenario where the counter components are scattered in the react component tree, </a:t>
-            </a:r>
-            <a:r>
-              <a:rPr lang="en-US" altLang="zh-TW" sz="1800" b="1" dirty="0">
-                <a:solidFill>
-                  <a:srgbClr val="C00000"/>
-                </a:solidFill>
-                <a:latin typeface="+mj-lt"/>
-              </a:rPr>
-              <a:t>lifting the state would definitely not be the correct solution</a:t>
-            </a:r>
-            <a:r>
-              <a:rPr lang="en-US" altLang="zh-TW" sz="1800" b="1" dirty="0">
+              <a:t>Lifting the state would definitely not be the correct solution</a:t>
+            </a:r>
+            <a:r>
+              <a:rPr lang="en-US" altLang="zh-TW" sz="1800" dirty="0">
                 <a:solidFill>
                   <a:schemeClr val="tx1"/>
                 </a:solidFill>
@@ -5400,50 +6469,31 @@
               <a:buChar char="u"/>
             </a:pPr>
             <a:r>
+              <a:rPr lang="en-US" altLang="zh-TW" sz="1800" dirty="0">
+                <a:solidFill>
+                  <a:schemeClr val="tx1"/>
+                </a:solidFill>
+                <a:latin typeface="+mj-lt"/>
+              </a:rPr>
+              <a:t>There is a need to share common functionality between components without repeating code and that is the </a:t>
+            </a:r>
+            <a:r>
               <a:rPr lang="en-US" altLang="zh-TW" sz="1800" b="1" dirty="0">
                 <a:solidFill>
+                  <a:srgbClr val="C00000"/>
+                </a:solidFill>
+                <a:latin typeface="+mj-lt"/>
+              </a:rPr>
+              <a:t>concept of high-order components</a:t>
+            </a:r>
+            <a:r>
+              <a:rPr lang="en-US" altLang="zh-TW" sz="1800" dirty="0">
+                <a:solidFill>
                   <a:schemeClr val="tx1"/>
                 </a:solidFill>
                 <a:latin typeface="+mj-lt"/>
               </a:rPr>
-              <a:t>There is a need to share common functionality between components without repeating code and that is the </a:t>
-            </a:r>
-            <a:r>
-              <a:rPr lang="en-US" altLang="zh-TW" sz="1800" b="1" dirty="0">
-                <a:solidFill>
-                  <a:srgbClr val="C00000"/>
-                </a:solidFill>
-                <a:latin typeface="+mj-lt"/>
-              </a:rPr>
-              <a:t>concept of high-order components</a:t>
-            </a:r>
-            <a:r>
-              <a:rPr lang="en-US" altLang="zh-TW" sz="1800" b="1" dirty="0">
-                <a:solidFill>
-                  <a:schemeClr val="tx1"/>
-                </a:solidFill>
-                <a:latin typeface="+mj-lt"/>
-              </a:rPr>
               <a:t>.</a:t>
-            </a:r>
-          </a:p>
-          <a:p>
-            <a:pPr marL="342900" indent="-342900" algn="l">
-              <a:buClr>
-                <a:srgbClr val="0070C0"/>
-              </a:buClr>
-              <a:buSzPct val="80000"/>
-              <a:buFont typeface="Wingdings" pitchFamily="2" charset="2"/>
-              <a:buChar char="u"/>
-            </a:pPr>
-            <a:r>
-              <a:rPr lang="en-US" altLang="zh-TW" sz="1800" b="1" dirty="0">
-                <a:solidFill>
-                  <a:schemeClr val="tx1"/>
-                </a:solidFill>
-                <a:latin typeface="+mj-lt"/>
-              </a:rPr>
-              <a:t>We will discuss next.</a:t>
             </a:r>
           </a:p>
         </p:txBody>
@@ -5530,7 +6580,7 @@
             <a:fld id="{A4F910E6-8D00-4BAF-8C48-9688E0B449D3}" type="datetime1">
               <a:rPr lang="zh-TW" altLang="en-US" smtClean="0"/>
               <a:pPr/>
-              <a:t>2020/4/6</a:t>
+              <a:t>2020/5/24</a:t>
             </a:fld>
             <a:endParaRPr lang="zh-TW" altLang="en-US"/>
           </a:p>
@@ -5559,7 +6609,7 @@
             <a:fld id="{E4D7E63D-91F2-4366-A2C4-1B00C9E2590E}" type="slidenum">
               <a:rPr lang="zh-TW" altLang="en-US" smtClean="0"/>
               <a:pPr/>
-              <a:t>5</a:t>
+              <a:t>16</a:t>
             </a:fld>
             <a:endParaRPr lang="zh-TW" altLang="en-US"/>
           </a:p>
@@ -6149,7 +7199,7 @@
 </p:sld>
 </file>
 
-<file path=ppt/slides/slide6.xml><?xml version="1.0" encoding="utf-8"?>
+<file path=ppt/slides/slide17.xml><?xml version="1.0" encoding="utf-8"?>
 <p:sld xmlns:a="http://schemas.openxmlformats.org/drawingml/2006/main" xmlns:r="http://schemas.openxmlformats.org/officeDocument/2006/relationships" xmlns:p="http://schemas.openxmlformats.org/presentationml/2006/main">
   <p:cSld>
     <p:spTree>
@@ -6181,6 +7231,373 @@
             <a:off x="0" y="2130425"/>
             <a:ext cx="9144000" cy="1470025"/>
           </a:xfrm>
+          <a:solidFill>
+            <a:srgbClr val="00B0F0"/>
+          </a:solidFill>
+        </p:spPr>
+        <p:txBody>
+          <a:bodyPr>
+            <a:normAutofit/>
+          </a:bodyPr>
+          <a:lstStyle/>
+          <a:p>
+            <a:r>
+              <a:rPr lang="en-US" altLang="zh-TW" sz="4800" b="1" dirty="0">
+                <a:solidFill>
+                  <a:srgbClr val="FFFF00"/>
+                </a:solidFill>
+              </a:rPr>
+              <a:t>33.5 Summary</a:t>
+            </a:r>
+            <a:endParaRPr lang="zh-TW" altLang="en-US" sz="4800" b="1" dirty="0">
+              <a:solidFill>
+                <a:srgbClr val="FFFF00"/>
+              </a:solidFill>
+            </a:endParaRPr>
+          </a:p>
+        </p:txBody>
+      </p:sp>
+      <p:sp>
+        <p:nvSpPr>
+          <p:cNvPr id="5" name="日期版面配置區 4"/>
+          <p:cNvSpPr>
+            <a:spLocks noGrp="1"/>
+          </p:cNvSpPr>
+          <p:nvPr>
+            <p:ph type="dt" sz="half" idx="10"/>
+          </p:nvPr>
+        </p:nvSpPr>
+        <p:spPr/>
+        <p:txBody>
+          <a:bodyPr/>
+          <a:lstStyle/>
+          <a:p>
+            <a:fld id="{C389EDC9-19E3-47AC-9C57-C6A24DEA81AD}" type="datetime1">
+              <a:rPr lang="zh-TW" altLang="en-US" smtClean="0"/>
+              <a:pPr/>
+              <a:t>2020/5/24</a:t>
+            </a:fld>
+            <a:endParaRPr lang="zh-TW" altLang="en-US"/>
+          </a:p>
+        </p:txBody>
+      </p:sp>
+      <p:sp>
+        <p:nvSpPr>
+          <p:cNvPr id="6" name="投影片編號版面配置區 5"/>
+          <p:cNvSpPr>
+            <a:spLocks noGrp="1"/>
+          </p:cNvSpPr>
+          <p:nvPr>
+            <p:ph type="sldNum" sz="quarter" idx="12"/>
+          </p:nvPr>
+        </p:nvSpPr>
+        <p:spPr/>
+        <p:txBody>
+          <a:bodyPr/>
+          <a:lstStyle/>
+          <a:p>
+            <a:fld id="{E4D7E63D-91F2-4366-A2C4-1B00C9E2590E}" type="slidenum">
+              <a:rPr lang="zh-TW" altLang="en-US" smtClean="0"/>
+              <a:pPr/>
+              <a:t>17</a:t>
+            </a:fld>
+            <a:endParaRPr lang="zh-TW" altLang="en-US"/>
+          </a:p>
+        </p:txBody>
+      </p:sp>
+      <p:pic>
+        <p:nvPicPr>
+          <p:cNvPr id="2050" name="Picture 2"/>
+          <p:cNvPicPr>
+            <a:picLocks noChangeAspect="1" noChangeArrowheads="1"/>
+          </p:cNvPicPr>
+          <p:nvPr/>
+        </p:nvPicPr>
+        <p:blipFill>
+          <a:blip r:embed="rId2" cstate="print"/>
+          <a:srcRect/>
+          <a:stretch>
+            <a:fillRect/>
+          </a:stretch>
+        </p:blipFill>
+        <p:spPr bwMode="auto">
+          <a:xfrm>
+            <a:off x="4283968" y="3717032"/>
+            <a:ext cx="713805" cy="644588"/>
+          </a:xfrm>
+          <a:prstGeom prst="rect">
+            <a:avLst/>
+          </a:prstGeom>
+          <a:noFill/>
+          <a:ln w="9525">
+            <a:noFill/>
+            <a:miter lim="800000"/>
+            <a:headEnd/>
+            <a:tailEnd/>
+          </a:ln>
+        </p:spPr>
+      </p:pic>
+    </p:spTree>
+    <p:extLst>
+      <p:ext uri="{BB962C8B-B14F-4D97-AF65-F5344CB8AC3E}">
+        <p14:creationId xmlns:p14="http://schemas.microsoft.com/office/powerpoint/2010/main" val="2592546920"/>
+      </p:ext>
+    </p:extLst>
+  </p:cSld>
+  <p:clrMapOvr>
+    <a:masterClrMapping/>
+  </p:clrMapOvr>
+</p:sld>
+</file>
+
+<file path=ppt/slides/slide18.xml><?xml version="1.0" encoding="utf-8"?>
+<p:sld xmlns:a="http://schemas.openxmlformats.org/drawingml/2006/main" xmlns:r="http://schemas.openxmlformats.org/officeDocument/2006/relationships" xmlns:p="http://schemas.openxmlformats.org/presentationml/2006/main">
+  <p:cSld>
+    <p:spTree>
+      <p:nvGrpSpPr>
+        <p:cNvPr id="1" name=""/>
+        <p:cNvGrpSpPr/>
+        <p:nvPr/>
+      </p:nvGrpSpPr>
+      <p:grpSpPr>
+        <a:xfrm>
+          <a:off x="0" y="0"/>
+          <a:ext cx="0" cy="0"/>
+          <a:chOff x="0" y="0"/>
+          <a:chExt cx="0" cy="0"/>
+        </a:xfrm>
+      </p:grpSpPr>
+      <p:sp>
+        <p:nvSpPr>
+          <p:cNvPr id="2" name="標題 1"/>
+          <p:cNvSpPr>
+            <a:spLocks noGrp="1"/>
+          </p:cNvSpPr>
+          <p:nvPr>
+            <p:ph type="ctrTitle"/>
+          </p:nvPr>
+        </p:nvSpPr>
+        <p:spPr>
+          <a:xfrm>
+            <a:off x="0" y="1"/>
+            <a:ext cx="9144000" cy="764704"/>
+          </a:xfrm>
+          <a:gradFill flip="none" rotWithShape="1">
+            <a:gsLst>
+              <a:gs pos="0">
+                <a:srgbClr val="C00000">
+                  <a:shade val="30000"/>
+                  <a:satMod val="115000"/>
+                </a:srgbClr>
+              </a:gs>
+              <a:gs pos="50000">
+                <a:srgbClr val="C00000">
+                  <a:shade val="67500"/>
+                  <a:satMod val="115000"/>
+                </a:srgbClr>
+              </a:gs>
+              <a:gs pos="100000">
+                <a:srgbClr val="C00000">
+                  <a:shade val="100000"/>
+                  <a:satMod val="115000"/>
+                </a:srgbClr>
+              </a:gs>
+            </a:gsLst>
+            <a:path path="circle">
+              <a:fillToRect t="100000" r="100000"/>
+            </a:path>
+            <a:tileRect l="-100000" b="-100000"/>
+          </a:gradFill>
+        </p:spPr>
+        <p:txBody>
+          <a:bodyPr>
+            <a:normAutofit/>
+          </a:bodyPr>
+          <a:lstStyle/>
+          <a:p>
+            <a:pPr algn="l"/>
+            <a:r>
+              <a:rPr lang="en-US" altLang="zh-TW" b="1" dirty="0">
+                <a:solidFill>
+                  <a:srgbClr val="FFFF00"/>
+                </a:solidFill>
+              </a:rPr>
+              <a:t>33.5 Summary</a:t>
+            </a:r>
+            <a:endParaRPr lang="zh-TW" altLang="en-US" b="1" dirty="0">
+              <a:solidFill>
+                <a:srgbClr val="FFFF00"/>
+              </a:solidFill>
+            </a:endParaRPr>
+          </a:p>
+        </p:txBody>
+      </p:sp>
+      <p:sp>
+        <p:nvSpPr>
+          <p:cNvPr id="3" name="副標題 2"/>
+          <p:cNvSpPr>
+            <a:spLocks noGrp="1"/>
+          </p:cNvSpPr>
+          <p:nvPr>
+            <p:ph type="subTitle" idx="1"/>
+          </p:nvPr>
+        </p:nvSpPr>
+        <p:spPr>
+          <a:xfrm>
+            <a:off x="467544" y="1340768"/>
+            <a:ext cx="8352928" cy="1874704"/>
+          </a:xfrm>
+          <a:ln>
+            <a:solidFill>
+              <a:srgbClr val="C00000"/>
+            </a:solidFill>
+          </a:ln>
+        </p:spPr>
+        <p:txBody>
+          <a:bodyPr>
+            <a:noAutofit/>
+          </a:bodyPr>
+          <a:lstStyle/>
+          <a:p>
+            <a:pPr marL="342900" indent="-342900" algn="l">
+              <a:buClr>
+                <a:srgbClr val="0070C0"/>
+              </a:buClr>
+              <a:buSzPct val="80000"/>
+              <a:buFont typeface="Wingdings" pitchFamily="2" charset="2"/>
+              <a:buChar char="u"/>
+            </a:pPr>
+            <a:r>
+              <a:rPr lang="en-US" altLang="zh-TW" sz="1800" b="1" dirty="0">
+                <a:solidFill>
+                  <a:schemeClr val="tx1"/>
+                </a:solidFill>
+                <a:latin typeface="+mj-lt"/>
+              </a:rPr>
+              <a:t>Summary</a:t>
+            </a:r>
+          </a:p>
+          <a:p>
+            <a:pPr marL="342900" indent="-342900" algn="l">
+              <a:buClr>
+                <a:srgbClr val="0070C0"/>
+              </a:buClr>
+              <a:buSzPct val="80000"/>
+              <a:buFont typeface="Wingdings" pitchFamily="2" charset="2"/>
+              <a:buChar char="u"/>
+            </a:pPr>
+            <a:r>
+              <a:rPr lang="en-US" altLang="zh-TW" sz="1800" dirty="0">
+                <a:solidFill>
+                  <a:schemeClr val="tx1"/>
+                </a:solidFill>
+                <a:latin typeface="+mj-lt"/>
+              </a:rPr>
+              <a:t>For sharing the same functionality between the components:</a:t>
+            </a:r>
+          </a:p>
+          <a:p>
+            <a:pPr marL="800100" lvl="1" indent="-342900" algn="l">
+              <a:buClr>
+                <a:srgbClr val="0070C0"/>
+              </a:buClr>
+              <a:buSzPct val="80000"/>
+              <a:buFont typeface="Wingdings" pitchFamily="2" charset="2"/>
+              <a:buChar char="u"/>
+            </a:pPr>
+            <a:r>
+              <a:rPr lang="en-US" altLang="zh-TW" sz="1800" b="1" dirty="0">
+                <a:solidFill>
+                  <a:srgbClr val="C00000"/>
+                </a:solidFill>
+                <a:latin typeface="+mj-lt"/>
+              </a:rPr>
+              <a:t>Lifting the state would definitely not be the correct solution</a:t>
+            </a:r>
+            <a:r>
+              <a:rPr lang="en-US" altLang="zh-TW" sz="1800" dirty="0">
+                <a:solidFill>
+                  <a:schemeClr val="tx1"/>
+                </a:solidFill>
+                <a:latin typeface="+mj-lt"/>
+              </a:rPr>
+              <a:t>.</a:t>
+            </a:r>
+          </a:p>
+          <a:p>
+            <a:pPr marL="800100" lvl="1" indent="-342900" algn="l">
+              <a:buClr>
+                <a:srgbClr val="0070C0"/>
+              </a:buClr>
+              <a:buSzPct val="80000"/>
+              <a:buFont typeface="Wingdings" pitchFamily="2" charset="2"/>
+              <a:buChar char="u"/>
+            </a:pPr>
+            <a:r>
+              <a:rPr lang="en-US" altLang="zh-TW" sz="1800" dirty="0">
+                <a:solidFill>
+                  <a:schemeClr val="tx1"/>
+                </a:solidFill>
+                <a:latin typeface="+mj-lt"/>
+              </a:rPr>
+              <a:t>There is a need to share common functionality between components without repeating code and that is the </a:t>
+            </a:r>
+            <a:r>
+              <a:rPr lang="en-US" altLang="zh-TW" sz="1800" b="1" dirty="0">
+                <a:solidFill>
+                  <a:srgbClr val="C00000"/>
+                </a:solidFill>
+                <a:latin typeface="+mj-lt"/>
+              </a:rPr>
+              <a:t>concept of high-order components</a:t>
+            </a:r>
+            <a:r>
+              <a:rPr lang="en-US" altLang="zh-TW" sz="1800" dirty="0">
+                <a:solidFill>
+                  <a:schemeClr val="tx1"/>
+                </a:solidFill>
+                <a:latin typeface="+mj-lt"/>
+              </a:rPr>
+              <a:t>.</a:t>
+            </a:r>
+          </a:p>
+          <a:p>
+            <a:pPr marL="342900" indent="-342900" algn="l">
+              <a:buClr>
+                <a:srgbClr val="0070C0"/>
+              </a:buClr>
+              <a:buSzPct val="80000"/>
+              <a:buFont typeface="Wingdings" pitchFamily="2" charset="2"/>
+              <a:buChar char="u"/>
+            </a:pPr>
+            <a:r>
+              <a:rPr lang="en-US" altLang="zh-TW" sz="1800" dirty="0">
+                <a:solidFill>
+                  <a:schemeClr val="tx1"/>
+                </a:solidFill>
+                <a:latin typeface="+mj-lt"/>
+              </a:rPr>
+              <a:t>We will discuss next.</a:t>
+            </a:r>
+          </a:p>
+        </p:txBody>
+      </p:sp>
+      <p:sp>
+        <p:nvSpPr>
+          <p:cNvPr id="4" name="標題 1"/>
+          <p:cNvSpPr txBox="1">
+            <a:spLocks/>
+          </p:cNvSpPr>
+          <p:nvPr/>
+        </p:nvSpPr>
+        <p:spPr>
+          <a:xfrm>
+            <a:off x="0" y="764704"/>
+            <a:ext cx="9144000" cy="398616"/>
+          </a:xfrm>
+          <a:prstGeom prst="rect">
+            <a:avLst/>
+          </a:prstGeom>
           <a:gradFill flip="none" rotWithShape="1">
             <a:gsLst>
               <a:gs pos="0">
@@ -6209,6 +7626,723 @@
           </a:gradFill>
         </p:spPr>
         <p:txBody>
+          <a:bodyPr vert="horz" lIns="91440" tIns="45720" rIns="91440" bIns="45720" rtlCol="0" anchor="ctr">
+            <a:normAutofit fontScale="92500"/>
+          </a:bodyPr>
+          <a:lstStyle/>
+          <a:p>
+            <a:r>
+              <a:rPr lang="en-US" sz="1600" dirty="0">
+                <a:hlinkClick r:id="rId2"/>
+              </a:rPr>
+              <a:t>https://www.youtube.com/watch?v=B6aNv8nkUSw&amp;list=PLC3y8-rFHvwgg3vaYJgHGnModB54rxOk3&amp;index=33</a:t>
+            </a:r>
+            <a:endParaRPr lang="en-US" altLang="zh-TW" sz="1600" b="1" i="1" dirty="0"/>
+          </a:p>
+        </p:txBody>
+      </p:sp>
+      <p:sp>
+        <p:nvSpPr>
+          <p:cNvPr id="5" name="日期版面配置區 4"/>
+          <p:cNvSpPr>
+            <a:spLocks noGrp="1"/>
+          </p:cNvSpPr>
+          <p:nvPr>
+            <p:ph type="dt" sz="half" idx="10"/>
+          </p:nvPr>
+        </p:nvSpPr>
+        <p:spPr>
+          <a:xfrm>
+            <a:off x="457200" y="6356350"/>
+            <a:ext cx="2133600" cy="404246"/>
+          </a:xfrm>
+        </p:spPr>
+        <p:txBody>
+          <a:bodyPr/>
+          <a:lstStyle/>
+          <a:p>
+            <a:fld id="{A4F910E6-8D00-4BAF-8C48-9688E0B449D3}" type="datetime1">
+              <a:rPr lang="zh-TW" altLang="en-US" smtClean="0"/>
+              <a:pPr/>
+              <a:t>2020/5/24</a:t>
+            </a:fld>
+            <a:endParaRPr lang="zh-TW" altLang="en-US"/>
+          </a:p>
+        </p:txBody>
+      </p:sp>
+      <p:sp>
+        <p:nvSpPr>
+          <p:cNvPr id="6" name="投影片編號版面配置區 5"/>
+          <p:cNvSpPr>
+            <a:spLocks noGrp="1"/>
+          </p:cNvSpPr>
+          <p:nvPr>
+            <p:ph type="sldNum" sz="quarter" idx="12"/>
+          </p:nvPr>
+        </p:nvSpPr>
+        <p:spPr>
+          <a:xfrm>
+            <a:off x="6553200" y="6356350"/>
+            <a:ext cx="2133600" cy="404246"/>
+          </a:xfrm>
+        </p:spPr>
+        <p:txBody>
+          <a:bodyPr/>
+          <a:lstStyle/>
+          <a:p>
+            <a:fld id="{E4D7E63D-91F2-4366-A2C4-1B00C9E2590E}" type="slidenum">
+              <a:rPr lang="zh-TW" altLang="en-US" smtClean="0"/>
+              <a:pPr/>
+              <a:t>18</a:t>
+            </a:fld>
+            <a:endParaRPr lang="zh-TW" altLang="en-US"/>
+          </a:p>
+        </p:txBody>
+      </p:sp>
+      <p:sp>
+        <p:nvSpPr>
+          <p:cNvPr id="7" name="Rectangle 6">
+            <a:extLst>
+              <a:ext uri="{FF2B5EF4-FFF2-40B4-BE49-F238E27FC236}">
+                <a16:creationId xmlns:a16="http://schemas.microsoft.com/office/drawing/2014/main" id="{DFBB0B48-8E42-4EE0-B058-C138CE03A95B}"/>
+              </a:ext>
+            </a:extLst>
+          </p:cNvPr>
+          <p:cNvSpPr/>
+          <p:nvPr/>
+        </p:nvSpPr>
+        <p:spPr>
+          <a:xfrm>
+            <a:off x="3577576" y="3452688"/>
+            <a:ext cx="1296144" cy="288032"/>
+          </a:xfrm>
+          <a:prstGeom prst="rect">
+            <a:avLst/>
+          </a:prstGeom>
+        </p:spPr>
+        <p:style>
+          <a:lnRef idx="2">
+            <a:schemeClr val="accent1">
+              <a:shade val="50000"/>
+            </a:schemeClr>
+          </a:lnRef>
+          <a:fillRef idx="1">
+            <a:schemeClr val="accent1"/>
+          </a:fillRef>
+          <a:effectRef idx="0">
+            <a:schemeClr val="accent1"/>
+          </a:effectRef>
+          <a:fontRef idx="minor">
+            <a:schemeClr val="lt1"/>
+          </a:fontRef>
+        </p:style>
+        <p:txBody>
+          <a:bodyPr rtlCol="0" anchor="ctr"/>
+          <a:lstStyle/>
+          <a:p>
+            <a:pPr algn="ctr"/>
+            <a:r>
+              <a:rPr lang="en-US" dirty="0"/>
+              <a:t>Parent</a:t>
+            </a:r>
+          </a:p>
+        </p:txBody>
+      </p:sp>
+      <p:sp>
+        <p:nvSpPr>
+          <p:cNvPr id="8" name="Rectangle 7">
+            <a:extLst>
+              <a:ext uri="{FF2B5EF4-FFF2-40B4-BE49-F238E27FC236}">
+                <a16:creationId xmlns:a16="http://schemas.microsoft.com/office/drawing/2014/main" id="{48BB6AA5-57A4-4A8C-9E37-20BF9ADD9C6E}"/>
+              </a:ext>
+            </a:extLst>
+          </p:cNvPr>
+          <p:cNvSpPr/>
+          <p:nvPr/>
+        </p:nvSpPr>
+        <p:spPr>
+          <a:xfrm>
+            <a:off x="1675403" y="4383493"/>
+            <a:ext cx="1638969" cy="288032"/>
+          </a:xfrm>
+          <a:prstGeom prst="rect">
+            <a:avLst/>
+          </a:prstGeom>
+          <a:solidFill>
+            <a:srgbClr val="00B050"/>
+          </a:solidFill>
+          <a:ln>
+            <a:solidFill>
+              <a:schemeClr val="accent3">
+                <a:lumMod val="75000"/>
+              </a:schemeClr>
+            </a:solidFill>
+          </a:ln>
+        </p:spPr>
+        <p:style>
+          <a:lnRef idx="2">
+            <a:schemeClr val="accent1">
+              <a:shade val="50000"/>
+            </a:schemeClr>
+          </a:lnRef>
+          <a:fillRef idx="1">
+            <a:schemeClr val="accent1"/>
+          </a:fillRef>
+          <a:effectRef idx="0">
+            <a:schemeClr val="accent1"/>
+          </a:effectRef>
+          <a:fontRef idx="minor">
+            <a:schemeClr val="lt1"/>
+          </a:fontRef>
+        </p:style>
+        <p:txBody>
+          <a:bodyPr rtlCol="0" anchor="ctr"/>
+          <a:lstStyle/>
+          <a:p>
+            <a:pPr algn="ctr"/>
+            <a:r>
+              <a:rPr lang="en-US" dirty="0" err="1"/>
+              <a:t>ClickCounter</a:t>
+            </a:r>
+            <a:endParaRPr lang="en-US" dirty="0"/>
+          </a:p>
+        </p:txBody>
+      </p:sp>
+      <p:sp>
+        <p:nvSpPr>
+          <p:cNvPr id="9" name="Rectangle 8">
+            <a:extLst>
+              <a:ext uri="{FF2B5EF4-FFF2-40B4-BE49-F238E27FC236}">
+                <a16:creationId xmlns:a16="http://schemas.microsoft.com/office/drawing/2014/main" id="{BA9CD93E-BEEA-4476-92D4-82067E25024D}"/>
+              </a:ext>
+            </a:extLst>
+          </p:cNvPr>
+          <p:cNvSpPr/>
+          <p:nvPr/>
+        </p:nvSpPr>
+        <p:spPr>
+          <a:xfrm>
+            <a:off x="5789792" y="5803883"/>
+            <a:ext cx="1638969" cy="288032"/>
+          </a:xfrm>
+          <a:prstGeom prst="rect">
+            <a:avLst/>
+          </a:prstGeom>
+          <a:solidFill>
+            <a:srgbClr val="00B050"/>
+          </a:solidFill>
+          <a:ln>
+            <a:solidFill>
+              <a:schemeClr val="accent3">
+                <a:lumMod val="75000"/>
+              </a:schemeClr>
+            </a:solidFill>
+          </a:ln>
+        </p:spPr>
+        <p:style>
+          <a:lnRef idx="2">
+            <a:schemeClr val="accent1">
+              <a:shade val="50000"/>
+            </a:schemeClr>
+          </a:lnRef>
+          <a:fillRef idx="1">
+            <a:schemeClr val="accent1"/>
+          </a:fillRef>
+          <a:effectRef idx="0">
+            <a:schemeClr val="accent1"/>
+          </a:effectRef>
+          <a:fontRef idx="minor">
+            <a:schemeClr val="lt1"/>
+          </a:fontRef>
+        </p:style>
+        <p:txBody>
+          <a:bodyPr rtlCol="0" anchor="ctr"/>
+          <a:lstStyle/>
+          <a:p>
+            <a:pPr algn="ctr"/>
+            <a:r>
+              <a:rPr lang="en-US" dirty="0" err="1"/>
+              <a:t>HoverCounter</a:t>
+            </a:r>
+            <a:endParaRPr lang="en-US" dirty="0"/>
+          </a:p>
+        </p:txBody>
+      </p:sp>
+      <p:cxnSp>
+        <p:nvCxnSpPr>
+          <p:cNvPr id="11" name="Connector: Elbow 10">
+            <a:extLst>
+              <a:ext uri="{FF2B5EF4-FFF2-40B4-BE49-F238E27FC236}">
+                <a16:creationId xmlns:a16="http://schemas.microsoft.com/office/drawing/2014/main" id="{15ECF344-D9AB-4D69-9D43-154228A3CC7D}"/>
+              </a:ext>
+            </a:extLst>
+          </p:cNvPr>
+          <p:cNvCxnSpPr>
+            <a:stCxn id="7" idx="2"/>
+            <a:endCxn id="8" idx="0"/>
+          </p:cNvCxnSpPr>
+          <p:nvPr/>
+        </p:nvCxnSpPr>
+        <p:spPr>
+          <a:xfrm rot="5400000">
+            <a:off x="3038882" y="3196726"/>
+            <a:ext cx="642773" cy="1730760"/>
+          </a:xfrm>
+          <a:prstGeom prst="bentConnector3">
+            <a:avLst/>
+          </a:prstGeom>
+          <a:ln>
+            <a:tailEnd type="triangle"/>
+          </a:ln>
+        </p:spPr>
+        <p:style>
+          <a:lnRef idx="1">
+            <a:schemeClr val="accent1"/>
+          </a:lnRef>
+          <a:fillRef idx="0">
+            <a:schemeClr val="accent1"/>
+          </a:fillRef>
+          <a:effectRef idx="0">
+            <a:schemeClr val="accent1"/>
+          </a:effectRef>
+          <a:fontRef idx="minor">
+            <a:schemeClr val="tx1"/>
+          </a:fontRef>
+        </p:style>
+      </p:cxnSp>
+      <p:cxnSp>
+        <p:nvCxnSpPr>
+          <p:cNvPr id="13" name="Connector: Elbow 12">
+            <a:extLst>
+              <a:ext uri="{FF2B5EF4-FFF2-40B4-BE49-F238E27FC236}">
+                <a16:creationId xmlns:a16="http://schemas.microsoft.com/office/drawing/2014/main" id="{02304CCA-0813-46FF-9EB5-5B218A57FD9D}"/>
+              </a:ext>
+            </a:extLst>
+          </p:cNvPr>
+          <p:cNvCxnSpPr>
+            <a:cxnSpLocks/>
+            <a:stCxn id="7" idx="2"/>
+            <a:endCxn id="30" idx="0"/>
+          </p:cNvCxnSpPr>
+          <p:nvPr/>
+        </p:nvCxnSpPr>
+        <p:spPr>
+          <a:xfrm rot="16200000" flipH="1">
+            <a:off x="5094427" y="2871940"/>
+            <a:ext cx="646073" cy="2383631"/>
+          </a:xfrm>
+          <a:prstGeom prst="bentConnector3">
+            <a:avLst/>
+          </a:prstGeom>
+          <a:ln>
+            <a:tailEnd type="triangle"/>
+          </a:ln>
+        </p:spPr>
+        <p:style>
+          <a:lnRef idx="1">
+            <a:schemeClr val="accent1"/>
+          </a:lnRef>
+          <a:fillRef idx="0">
+            <a:schemeClr val="accent1"/>
+          </a:fillRef>
+          <a:effectRef idx="0">
+            <a:schemeClr val="accent1"/>
+          </a:effectRef>
+          <a:fontRef idx="minor">
+            <a:schemeClr val="tx1"/>
+          </a:fontRef>
+        </p:style>
+      </p:cxnSp>
+      <p:sp>
+        <p:nvSpPr>
+          <p:cNvPr id="22" name="Rectangle 21">
+            <a:extLst>
+              <a:ext uri="{FF2B5EF4-FFF2-40B4-BE49-F238E27FC236}">
+                <a16:creationId xmlns:a16="http://schemas.microsoft.com/office/drawing/2014/main" id="{44001564-F070-4E28-BCCF-BF2D715F652F}"/>
+              </a:ext>
+            </a:extLst>
+          </p:cNvPr>
+          <p:cNvSpPr/>
+          <p:nvPr/>
+        </p:nvSpPr>
+        <p:spPr>
+          <a:xfrm>
+            <a:off x="971600" y="5449624"/>
+            <a:ext cx="4200578" cy="643672"/>
+          </a:xfrm>
+          <a:prstGeom prst="rect">
+            <a:avLst/>
+          </a:prstGeom>
+          <a:noFill/>
+          <a:ln>
+            <a:noFill/>
+          </a:ln>
+        </p:spPr>
+        <p:style>
+          <a:lnRef idx="2">
+            <a:schemeClr val="accent1">
+              <a:shade val="50000"/>
+            </a:schemeClr>
+          </a:lnRef>
+          <a:fillRef idx="1">
+            <a:schemeClr val="accent1"/>
+          </a:fillRef>
+          <a:effectRef idx="0">
+            <a:schemeClr val="accent1"/>
+          </a:effectRef>
+          <a:fontRef idx="minor">
+            <a:schemeClr val="lt1"/>
+          </a:fontRef>
+        </p:style>
+        <p:txBody>
+          <a:bodyPr rtlCol="0" anchor="ctr"/>
+          <a:lstStyle/>
+          <a:p>
+            <a:r>
+              <a:rPr lang="en-US" dirty="0">
+                <a:solidFill>
+                  <a:schemeClr val="tx1"/>
+                </a:solidFill>
+              </a:rPr>
+              <a:t>Lifting the state is not a great solution</a:t>
+            </a:r>
+          </a:p>
+        </p:txBody>
+      </p:sp>
+      <p:sp>
+        <p:nvSpPr>
+          <p:cNvPr id="23" name="Rectangle 22">
+            <a:extLst>
+              <a:ext uri="{FF2B5EF4-FFF2-40B4-BE49-F238E27FC236}">
+                <a16:creationId xmlns:a16="http://schemas.microsoft.com/office/drawing/2014/main" id="{83D75642-1A0B-47CD-B494-068C4588E948}"/>
+              </a:ext>
+            </a:extLst>
+          </p:cNvPr>
+          <p:cNvSpPr/>
+          <p:nvPr/>
+        </p:nvSpPr>
+        <p:spPr>
+          <a:xfrm>
+            <a:off x="1310251" y="3350796"/>
+            <a:ext cx="2016224" cy="254599"/>
+          </a:xfrm>
+          <a:prstGeom prst="rect">
+            <a:avLst/>
+          </a:prstGeom>
+          <a:noFill/>
+          <a:ln>
+            <a:noFill/>
+          </a:ln>
+        </p:spPr>
+        <p:style>
+          <a:lnRef idx="2">
+            <a:schemeClr val="accent1">
+              <a:shade val="50000"/>
+            </a:schemeClr>
+          </a:lnRef>
+          <a:fillRef idx="1">
+            <a:schemeClr val="accent1"/>
+          </a:fillRef>
+          <a:effectRef idx="0">
+            <a:schemeClr val="accent1"/>
+          </a:effectRef>
+          <a:fontRef idx="minor">
+            <a:schemeClr val="lt1"/>
+          </a:fontRef>
+        </p:style>
+        <p:txBody>
+          <a:bodyPr rtlCol="0" anchor="ctr"/>
+          <a:lstStyle/>
+          <a:p>
+            <a:pPr algn="ctr"/>
+            <a:r>
+              <a:rPr lang="en-US" b="1" dirty="0">
+                <a:solidFill>
+                  <a:schemeClr val="tx1"/>
+                </a:solidFill>
+              </a:rPr>
+              <a:t>Component Tree</a:t>
+            </a:r>
+          </a:p>
+        </p:txBody>
+      </p:sp>
+      <p:sp>
+        <p:nvSpPr>
+          <p:cNvPr id="30" name="Rectangle 29">
+            <a:extLst>
+              <a:ext uri="{FF2B5EF4-FFF2-40B4-BE49-F238E27FC236}">
+                <a16:creationId xmlns:a16="http://schemas.microsoft.com/office/drawing/2014/main" id="{61A53A61-525D-403C-8414-36F945114A3B}"/>
+              </a:ext>
+            </a:extLst>
+          </p:cNvPr>
+          <p:cNvSpPr/>
+          <p:nvPr/>
+        </p:nvSpPr>
+        <p:spPr>
+          <a:xfrm>
+            <a:off x="5334189" y="4386793"/>
+            <a:ext cx="2550179" cy="273744"/>
+          </a:xfrm>
+          <a:prstGeom prst="rect">
+            <a:avLst/>
+          </a:prstGeom>
+          <a:solidFill>
+            <a:srgbClr val="C00000"/>
+          </a:solidFill>
+          <a:ln>
+            <a:solidFill>
+              <a:schemeClr val="accent3">
+                <a:lumMod val="75000"/>
+              </a:schemeClr>
+            </a:solidFill>
+          </a:ln>
+        </p:spPr>
+        <p:style>
+          <a:lnRef idx="2">
+            <a:schemeClr val="accent1">
+              <a:shade val="50000"/>
+            </a:schemeClr>
+          </a:lnRef>
+          <a:fillRef idx="1">
+            <a:schemeClr val="accent1"/>
+          </a:fillRef>
+          <a:effectRef idx="0">
+            <a:schemeClr val="accent1"/>
+          </a:effectRef>
+          <a:fontRef idx="minor">
+            <a:schemeClr val="lt1"/>
+          </a:fontRef>
+        </p:style>
+        <p:txBody>
+          <a:bodyPr rtlCol="0" anchor="ctr"/>
+          <a:lstStyle/>
+          <a:p>
+            <a:pPr algn="ctr"/>
+            <a:r>
+              <a:rPr lang="en-US" dirty="0" err="1"/>
+              <a:t>RandomComponentA</a:t>
+            </a:r>
+            <a:endParaRPr lang="en-US" dirty="0"/>
+          </a:p>
+        </p:txBody>
+      </p:sp>
+      <p:sp>
+        <p:nvSpPr>
+          <p:cNvPr id="34" name="Rectangle 33">
+            <a:extLst>
+              <a:ext uri="{FF2B5EF4-FFF2-40B4-BE49-F238E27FC236}">
+                <a16:creationId xmlns:a16="http://schemas.microsoft.com/office/drawing/2014/main" id="{AB5C49D8-AFD4-4F5F-9CB6-BAAB3028EC0C}"/>
+              </a:ext>
+            </a:extLst>
+          </p:cNvPr>
+          <p:cNvSpPr/>
+          <p:nvPr/>
+        </p:nvSpPr>
+        <p:spPr>
+          <a:xfrm>
+            <a:off x="5334188" y="5115454"/>
+            <a:ext cx="2550179" cy="273744"/>
+          </a:xfrm>
+          <a:prstGeom prst="rect">
+            <a:avLst/>
+          </a:prstGeom>
+          <a:solidFill>
+            <a:srgbClr val="C00000"/>
+          </a:solidFill>
+          <a:ln>
+            <a:solidFill>
+              <a:schemeClr val="accent3">
+                <a:lumMod val="75000"/>
+              </a:schemeClr>
+            </a:solidFill>
+          </a:ln>
+        </p:spPr>
+        <p:style>
+          <a:lnRef idx="2">
+            <a:schemeClr val="accent1">
+              <a:shade val="50000"/>
+            </a:schemeClr>
+          </a:lnRef>
+          <a:fillRef idx="1">
+            <a:schemeClr val="accent1"/>
+          </a:fillRef>
+          <a:effectRef idx="0">
+            <a:schemeClr val="accent1"/>
+          </a:effectRef>
+          <a:fontRef idx="minor">
+            <a:schemeClr val="lt1"/>
+          </a:fontRef>
+        </p:style>
+        <p:txBody>
+          <a:bodyPr rtlCol="0" anchor="ctr"/>
+          <a:lstStyle/>
+          <a:p>
+            <a:pPr algn="ctr"/>
+            <a:r>
+              <a:rPr lang="en-US" dirty="0" err="1"/>
+              <a:t>RandomComponentB</a:t>
+            </a:r>
+            <a:endParaRPr lang="en-US" dirty="0"/>
+          </a:p>
+        </p:txBody>
+      </p:sp>
+      <p:cxnSp>
+        <p:nvCxnSpPr>
+          <p:cNvPr id="36" name="Straight Arrow Connector 35">
+            <a:extLst>
+              <a:ext uri="{FF2B5EF4-FFF2-40B4-BE49-F238E27FC236}">
+                <a16:creationId xmlns:a16="http://schemas.microsoft.com/office/drawing/2014/main" id="{C5C7F082-D62A-422C-AAD0-7BB72619628A}"/>
+              </a:ext>
+            </a:extLst>
+          </p:cNvPr>
+          <p:cNvCxnSpPr>
+            <a:stCxn id="30" idx="2"/>
+            <a:endCxn id="34" idx="0"/>
+          </p:cNvCxnSpPr>
+          <p:nvPr/>
+        </p:nvCxnSpPr>
+        <p:spPr>
+          <a:xfrm flipH="1">
+            <a:off x="6609278" y="4660537"/>
+            <a:ext cx="1" cy="454917"/>
+          </a:xfrm>
+          <a:prstGeom prst="straightConnector1">
+            <a:avLst/>
+          </a:prstGeom>
+          <a:ln>
+            <a:tailEnd type="triangle"/>
+          </a:ln>
+        </p:spPr>
+        <p:style>
+          <a:lnRef idx="1">
+            <a:schemeClr val="accent1"/>
+          </a:lnRef>
+          <a:fillRef idx="0">
+            <a:schemeClr val="accent1"/>
+          </a:fillRef>
+          <a:effectRef idx="0">
+            <a:schemeClr val="accent1"/>
+          </a:effectRef>
+          <a:fontRef idx="minor">
+            <a:schemeClr val="tx1"/>
+          </a:fontRef>
+        </p:style>
+      </p:cxnSp>
+      <p:cxnSp>
+        <p:nvCxnSpPr>
+          <p:cNvPr id="38" name="Straight Arrow Connector 37">
+            <a:extLst>
+              <a:ext uri="{FF2B5EF4-FFF2-40B4-BE49-F238E27FC236}">
+                <a16:creationId xmlns:a16="http://schemas.microsoft.com/office/drawing/2014/main" id="{63CFEA20-B4B1-4B92-9C87-32FD25FDE3D0}"/>
+              </a:ext>
+            </a:extLst>
+          </p:cNvPr>
+          <p:cNvCxnSpPr>
+            <a:stCxn id="34" idx="2"/>
+            <a:endCxn id="9" idx="0"/>
+          </p:cNvCxnSpPr>
+          <p:nvPr/>
+        </p:nvCxnSpPr>
+        <p:spPr>
+          <a:xfrm flipH="1">
+            <a:off x="6609277" y="5389198"/>
+            <a:ext cx="1" cy="414685"/>
+          </a:xfrm>
+          <a:prstGeom prst="straightConnector1">
+            <a:avLst/>
+          </a:prstGeom>
+          <a:ln>
+            <a:tailEnd type="triangle"/>
+          </a:ln>
+        </p:spPr>
+        <p:style>
+          <a:lnRef idx="1">
+            <a:schemeClr val="accent1"/>
+          </a:lnRef>
+          <a:fillRef idx="0">
+            <a:schemeClr val="accent1"/>
+          </a:fillRef>
+          <a:effectRef idx="0">
+            <a:schemeClr val="accent1"/>
+          </a:effectRef>
+          <a:fontRef idx="minor">
+            <a:schemeClr val="tx1"/>
+          </a:fontRef>
+        </p:style>
+      </p:cxnSp>
+    </p:spTree>
+    <p:extLst>
+      <p:ext uri="{BB962C8B-B14F-4D97-AF65-F5344CB8AC3E}">
+        <p14:creationId xmlns:p14="http://schemas.microsoft.com/office/powerpoint/2010/main" val="1443719106"/>
+      </p:ext>
+    </p:extLst>
+  </p:cSld>
+  <p:clrMapOvr>
+    <a:masterClrMapping/>
+  </p:clrMapOvr>
+</p:sld>
+</file>
+
+<file path=ppt/slides/slide19.xml><?xml version="1.0" encoding="utf-8"?>
+<p:sld xmlns:a="http://schemas.openxmlformats.org/drawingml/2006/main" xmlns:r="http://schemas.openxmlformats.org/officeDocument/2006/relationships" xmlns:p="http://schemas.openxmlformats.org/presentationml/2006/main">
+  <p:cSld>
+    <p:spTree>
+      <p:nvGrpSpPr>
+        <p:cNvPr id="1" name=""/>
+        <p:cNvGrpSpPr/>
+        <p:nvPr/>
+      </p:nvGrpSpPr>
+      <p:grpSpPr>
+        <a:xfrm>
+          <a:off x="0" y="0"/>
+          <a:ext cx="0" cy="0"/>
+          <a:chOff x="0" y="0"/>
+          <a:chExt cx="0" cy="0"/>
+        </a:xfrm>
+      </p:grpSpPr>
+      <p:sp>
+        <p:nvSpPr>
+          <p:cNvPr id="2" name="標題 1"/>
+          <p:cNvSpPr>
+            <a:spLocks noGrp="1"/>
+          </p:cNvSpPr>
+          <p:nvPr>
+            <p:ph type="ctrTitle"/>
+          </p:nvPr>
+        </p:nvSpPr>
+        <p:spPr>
+          <a:xfrm>
+            <a:off x="0" y="2130425"/>
+            <a:ext cx="9144000" cy="1470025"/>
+          </a:xfrm>
+          <a:gradFill flip="none" rotWithShape="1">
+            <a:gsLst>
+              <a:gs pos="0">
+                <a:srgbClr val="00B0F0">
+                  <a:shade val="30000"/>
+                  <a:satMod val="115000"/>
+                </a:srgbClr>
+              </a:gs>
+              <a:gs pos="50000">
+                <a:srgbClr val="00B0F0">
+                  <a:shade val="67500"/>
+                  <a:satMod val="115000"/>
+                </a:srgbClr>
+              </a:gs>
+              <a:gs pos="100000">
+                <a:srgbClr val="00B0F0">
+                  <a:shade val="100000"/>
+                  <a:satMod val="115000"/>
+                </a:srgbClr>
+              </a:gs>
+            </a:gsLst>
+            <a:path path="circle">
+              <a:fillToRect t="100000" r="100000"/>
+            </a:path>
+            <a:tileRect l="-100000" b="-100000"/>
+          </a:gradFill>
+        </p:spPr>
+        <p:txBody>
           <a:bodyPr>
             <a:normAutofit/>
           </a:bodyPr>
@@ -6248,7 +8382,7 @@
             <a:fld id="{4E46BE27-E923-4EC2-B046-3272AE2A3E5C}" type="datetime1">
               <a:rPr lang="zh-TW" altLang="en-US" smtClean="0"/>
               <a:pPr/>
-              <a:t>2020/4/6</a:t>
+              <a:t>2020/5/24</a:t>
             </a:fld>
             <a:endParaRPr lang="zh-TW" altLang="en-US"/>
           </a:p>
@@ -6265,6 +8399,1472 @@
           </p:nvPr>
         </p:nvSpPr>
         <p:spPr/>
+        <p:txBody>
+          <a:bodyPr/>
+          <a:lstStyle/>
+          <a:p>
+            <a:fld id="{E4D7E63D-91F2-4366-A2C4-1B00C9E2590E}" type="slidenum">
+              <a:rPr lang="zh-TW" altLang="en-US" smtClean="0"/>
+              <a:pPr/>
+              <a:t>19</a:t>
+            </a:fld>
+            <a:endParaRPr lang="zh-TW" altLang="en-US"/>
+          </a:p>
+        </p:txBody>
+      </p:sp>
+    </p:spTree>
+  </p:cSld>
+  <p:clrMapOvr>
+    <a:masterClrMapping/>
+  </p:clrMapOvr>
+</p:sld>
+</file>
+
+<file path=ppt/slides/slide2.xml><?xml version="1.0" encoding="utf-8"?>
+<p:sld xmlns:a="http://schemas.openxmlformats.org/drawingml/2006/main" xmlns:r="http://schemas.openxmlformats.org/officeDocument/2006/relationships" xmlns:p="http://schemas.openxmlformats.org/presentationml/2006/main">
+  <p:cSld>
+    <p:spTree>
+      <p:nvGrpSpPr>
+        <p:cNvPr id="1" name=""/>
+        <p:cNvGrpSpPr/>
+        <p:nvPr/>
+      </p:nvGrpSpPr>
+      <p:grpSpPr>
+        <a:xfrm>
+          <a:off x="0" y="0"/>
+          <a:ext cx="0" cy="0"/>
+          <a:chOff x="0" y="0"/>
+          <a:chExt cx="0" cy="0"/>
+        </a:xfrm>
+      </p:grpSpPr>
+      <p:sp>
+        <p:nvSpPr>
+          <p:cNvPr id="2" name="標題 1"/>
+          <p:cNvSpPr>
+            <a:spLocks noGrp="1"/>
+          </p:cNvSpPr>
+          <p:nvPr>
+            <p:ph type="ctrTitle"/>
+          </p:nvPr>
+        </p:nvSpPr>
+        <p:spPr>
+          <a:xfrm>
+            <a:off x="0" y="1"/>
+            <a:ext cx="9144000" cy="764704"/>
+          </a:xfrm>
+          <a:gradFill flip="none" rotWithShape="1">
+            <a:gsLst>
+              <a:gs pos="0">
+                <a:srgbClr val="C00000">
+                  <a:shade val="30000"/>
+                  <a:satMod val="115000"/>
+                </a:srgbClr>
+              </a:gs>
+              <a:gs pos="50000">
+                <a:srgbClr val="C00000">
+                  <a:shade val="67500"/>
+                  <a:satMod val="115000"/>
+                </a:srgbClr>
+              </a:gs>
+              <a:gs pos="100000">
+                <a:srgbClr val="C00000">
+                  <a:shade val="100000"/>
+                  <a:satMod val="115000"/>
+                </a:srgbClr>
+              </a:gs>
+            </a:gsLst>
+            <a:path path="circle">
+              <a:fillToRect t="100000" r="100000"/>
+            </a:path>
+            <a:tileRect l="-100000" b="-100000"/>
+          </a:gradFill>
+        </p:spPr>
+        <p:txBody>
+          <a:bodyPr>
+            <a:normAutofit/>
+          </a:bodyPr>
+          <a:lstStyle/>
+          <a:p>
+            <a:pPr algn="l"/>
+            <a:r>
+              <a:rPr lang="en-US" altLang="zh-TW" b="1" dirty="0">
+                <a:solidFill>
+                  <a:srgbClr val="FFFF00"/>
+                </a:solidFill>
+              </a:rPr>
+              <a:t>33 Higher Order Components 1</a:t>
+            </a:r>
+            <a:endParaRPr lang="zh-TW" altLang="en-US" b="1" dirty="0">
+              <a:solidFill>
+                <a:srgbClr val="FFFF00"/>
+              </a:solidFill>
+            </a:endParaRPr>
+          </a:p>
+        </p:txBody>
+      </p:sp>
+      <p:sp>
+        <p:nvSpPr>
+          <p:cNvPr id="3" name="副標題 2"/>
+          <p:cNvSpPr>
+            <a:spLocks noGrp="1"/>
+          </p:cNvSpPr>
+          <p:nvPr>
+            <p:ph type="subTitle" idx="1"/>
+          </p:nvPr>
+        </p:nvSpPr>
+        <p:spPr>
+          <a:xfrm>
+            <a:off x="467544" y="1340768"/>
+            <a:ext cx="8352928" cy="2304256"/>
+          </a:xfrm>
+          <a:ln>
+            <a:solidFill>
+              <a:srgbClr val="C00000"/>
+            </a:solidFill>
+          </a:ln>
+        </p:spPr>
+        <p:txBody>
+          <a:bodyPr>
+            <a:noAutofit/>
+          </a:bodyPr>
+          <a:lstStyle/>
+          <a:p>
+            <a:pPr marL="342900" indent="-342900" algn="l">
+              <a:buClr>
+                <a:srgbClr val="0070C0"/>
+              </a:buClr>
+              <a:buSzPct val="80000"/>
+              <a:buFont typeface="Wingdings" pitchFamily="2" charset="2"/>
+              <a:buChar char="u"/>
+            </a:pPr>
+            <a:r>
+              <a:rPr lang="en-US" altLang="zh-TW" sz="1800" b="1" dirty="0">
+                <a:solidFill>
+                  <a:schemeClr val="tx1"/>
+                </a:solidFill>
+                <a:latin typeface="+mj-lt"/>
+              </a:rPr>
+              <a:t>Higher Order Components</a:t>
+            </a:r>
+          </a:p>
+          <a:p>
+            <a:pPr marL="342900" indent="-342900" algn="l">
+              <a:buClr>
+                <a:srgbClr val="0070C0"/>
+              </a:buClr>
+              <a:buSzPct val="80000"/>
+              <a:buFont typeface="Wingdings" pitchFamily="2" charset="2"/>
+              <a:buChar char="u"/>
+            </a:pPr>
+            <a:r>
+              <a:rPr lang="en-US" altLang="zh-TW" sz="1800" dirty="0">
+                <a:solidFill>
+                  <a:schemeClr val="tx1"/>
+                </a:solidFill>
+                <a:latin typeface="+mj-lt"/>
+              </a:rPr>
+              <a:t>Why there is a need for Higher Order Components?</a:t>
+            </a:r>
+          </a:p>
+          <a:p>
+            <a:pPr marL="342900" indent="-342900" algn="l">
+              <a:buClr>
+                <a:srgbClr val="0070C0"/>
+              </a:buClr>
+              <a:buSzPct val="80000"/>
+              <a:buFont typeface="Wingdings" pitchFamily="2" charset="2"/>
+              <a:buChar char="u"/>
+            </a:pPr>
+            <a:r>
+              <a:rPr lang="en-US" altLang="zh-TW" sz="1800" dirty="0">
+                <a:solidFill>
+                  <a:schemeClr val="tx1"/>
+                </a:solidFill>
+                <a:latin typeface="+mj-lt"/>
+              </a:rPr>
+              <a:t>What is Higher Order Component?</a:t>
+            </a:r>
+          </a:p>
+          <a:p>
+            <a:pPr marL="342900" indent="-342900" algn="l">
+              <a:buClr>
+                <a:srgbClr val="0070C0"/>
+              </a:buClr>
+              <a:buSzPct val="80000"/>
+              <a:buFont typeface="Wingdings" pitchFamily="2" charset="2"/>
+              <a:buChar char="u"/>
+            </a:pPr>
+            <a:r>
+              <a:rPr lang="en-US" altLang="zh-TW" sz="1800" dirty="0">
+                <a:solidFill>
+                  <a:schemeClr val="tx1"/>
+                </a:solidFill>
+                <a:latin typeface="+mj-lt"/>
+              </a:rPr>
+              <a:t>How to create Higher Order Component?</a:t>
+            </a:r>
+          </a:p>
+          <a:p>
+            <a:pPr marL="342900" indent="-342900" algn="l">
+              <a:buClr>
+                <a:srgbClr val="0070C0"/>
+              </a:buClr>
+              <a:buSzPct val="80000"/>
+              <a:buFont typeface="Wingdings" pitchFamily="2" charset="2"/>
+              <a:buChar char="u"/>
+            </a:pPr>
+            <a:r>
+              <a:rPr lang="en-US" altLang="zh-TW" sz="1800" dirty="0">
+                <a:solidFill>
+                  <a:schemeClr val="tx1"/>
+                </a:solidFill>
+              </a:rPr>
+              <a:t>In the Click Counter, Hovered Counter, and Key Press Counter, we have three duplicated classes in the components folder. </a:t>
+            </a:r>
+          </a:p>
+          <a:p>
+            <a:pPr marL="342900" indent="-342900" algn="l">
+              <a:buClr>
+                <a:srgbClr val="0070C0"/>
+              </a:buClr>
+              <a:buSzPct val="80000"/>
+              <a:buFont typeface="Wingdings" pitchFamily="2" charset="2"/>
+              <a:buChar char="u"/>
+            </a:pPr>
+            <a:r>
+              <a:rPr lang="en-US" altLang="zh-TW" sz="1800" dirty="0">
+                <a:solidFill>
+                  <a:schemeClr val="tx1"/>
+                </a:solidFill>
+              </a:rPr>
+              <a:t>How to make them into one?</a:t>
+            </a:r>
+          </a:p>
+        </p:txBody>
+      </p:sp>
+      <p:sp>
+        <p:nvSpPr>
+          <p:cNvPr id="4" name="標題 1"/>
+          <p:cNvSpPr txBox="1">
+            <a:spLocks/>
+          </p:cNvSpPr>
+          <p:nvPr/>
+        </p:nvSpPr>
+        <p:spPr>
+          <a:xfrm>
+            <a:off x="0" y="764704"/>
+            <a:ext cx="9144000" cy="398616"/>
+          </a:xfrm>
+          <a:prstGeom prst="rect">
+            <a:avLst/>
+          </a:prstGeom>
+          <a:gradFill flip="none" rotWithShape="1">
+            <a:gsLst>
+              <a:gs pos="0">
+                <a:srgbClr val="00B0F0">
+                  <a:shade val="30000"/>
+                  <a:satMod val="115000"/>
+                </a:srgbClr>
+              </a:gs>
+              <a:gs pos="50000">
+                <a:srgbClr val="00B0F0">
+                  <a:shade val="67500"/>
+                  <a:satMod val="115000"/>
+                </a:srgbClr>
+              </a:gs>
+              <a:gs pos="100000">
+                <a:srgbClr val="00B0F0">
+                  <a:shade val="100000"/>
+                  <a:satMod val="115000"/>
+                </a:srgbClr>
+              </a:gs>
+            </a:gsLst>
+            <a:path path="circle">
+              <a:fillToRect t="100000" r="100000"/>
+            </a:path>
+            <a:tileRect l="-100000" b="-100000"/>
+          </a:gradFill>
+        </p:spPr>
+        <p:txBody>
+          <a:bodyPr vert="horz" lIns="91440" tIns="45720" rIns="91440" bIns="45720" rtlCol="0" anchor="ctr">
+            <a:normAutofit fontScale="92500"/>
+          </a:bodyPr>
+          <a:lstStyle/>
+          <a:p>
+            <a:r>
+              <a:rPr lang="en-US" sz="1600" dirty="0">
+                <a:hlinkClick r:id="rId2"/>
+              </a:rPr>
+              <a:t>https://www.youtube.com/watch?v=B6aNv8nkUSw&amp;list=PLC3y8-rFHvwgg3vaYJgHGnModB54rxOk3&amp;index=33</a:t>
+            </a:r>
+            <a:endParaRPr lang="en-US" altLang="zh-TW" sz="1600" b="1" i="1" dirty="0"/>
+          </a:p>
+        </p:txBody>
+      </p:sp>
+      <p:sp>
+        <p:nvSpPr>
+          <p:cNvPr id="5" name="日期版面配置區 4"/>
+          <p:cNvSpPr>
+            <a:spLocks noGrp="1"/>
+          </p:cNvSpPr>
+          <p:nvPr>
+            <p:ph type="dt" sz="half" idx="10"/>
+          </p:nvPr>
+        </p:nvSpPr>
+        <p:spPr>
+          <a:xfrm>
+            <a:off x="457200" y="6356350"/>
+            <a:ext cx="2133600" cy="404246"/>
+          </a:xfrm>
+        </p:spPr>
+        <p:txBody>
+          <a:bodyPr/>
+          <a:lstStyle/>
+          <a:p>
+            <a:fld id="{A4F910E6-8D00-4BAF-8C48-9688E0B449D3}" type="datetime1">
+              <a:rPr lang="zh-TW" altLang="en-US" smtClean="0"/>
+              <a:pPr/>
+              <a:t>2020/5/24</a:t>
+            </a:fld>
+            <a:endParaRPr lang="zh-TW" altLang="en-US"/>
+          </a:p>
+        </p:txBody>
+      </p:sp>
+      <p:sp>
+        <p:nvSpPr>
+          <p:cNvPr id="6" name="投影片編號版面配置區 5"/>
+          <p:cNvSpPr>
+            <a:spLocks noGrp="1"/>
+          </p:cNvSpPr>
+          <p:nvPr>
+            <p:ph type="sldNum" sz="quarter" idx="12"/>
+          </p:nvPr>
+        </p:nvSpPr>
+        <p:spPr>
+          <a:xfrm>
+            <a:off x="6553200" y="6356350"/>
+            <a:ext cx="2133600" cy="404246"/>
+          </a:xfrm>
+        </p:spPr>
+        <p:txBody>
+          <a:bodyPr/>
+          <a:lstStyle/>
+          <a:p>
+            <a:fld id="{E4D7E63D-91F2-4366-A2C4-1B00C9E2590E}" type="slidenum">
+              <a:rPr lang="zh-TW" altLang="en-US" smtClean="0"/>
+              <a:pPr/>
+              <a:t>2</a:t>
+            </a:fld>
+            <a:endParaRPr lang="zh-TW" altLang="en-US"/>
+          </a:p>
+        </p:txBody>
+      </p:sp>
+    </p:spTree>
+  </p:cSld>
+  <p:clrMapOvr>
+    <a:masterClrMapping/>
+  </p:clrMapOvr>
+</p:sld>
+</file>
+
+<file path=ppt/slides/slide3.xml><?xml version="1.0" encoding="utf-8"?>
+<p:sld xmlns:a="http://schemas.openxmlformats.org/drawingml/2006/main" xmlns:r="http://schemas.openxmlformats.org/officeDocument/2006/relationships" xmlns:p="http://schemas.openxmlformats.org/presentationml/2006/main">
+  <p:cSld>
+    <p:spTree>
+      <p:nvGrpSpPr>
+        <p:cNvPr id="1" name=""/>
+        <p:cNvGrpSpPr/>
+        <p:nvPr/>
+      </p:nvGrpSpPr>
+      <p:grpSpPr>
+        <a:xfrm>
+          <a:off x="0" y="0"/>
+          <a:ext cx="0" cy="0"/>
+          <a:chOff x="0" y="0"/>
+          <a:chExt cx="0" cy="0"/>
+        </a:xfrm>
+      </p:grpSpPr>
+      <p:sp>
+        <p:nvSpPr>
+          <p:cNvPr id="2" name="標題 1"/>
+          <p:cNvSpPr>
+            <a:spLocks noGrp="1"/>
+          </p:cNvSpPr>
+          <p:nvPr>
+            <p:ph type="ctrTitle"/>
+          </p:nvPr>
+        </p:nvSpPr>
+        <p:spPr>
+          <a:xfrm>
+            <a:off x="0" y="2130425"/>
+            <a:ext cx="9144000" cy="1470025"/>
+          </a:xfrm>
+          <a:solidFill>
+            <a:srgbClr val="00B0F0"/>
+          </a:solidFill>
+        </p:spPr>
+        <p:txBody>
+          <a:bodyPr>
+            <a:normAutofit/>
+          </a:bodyPr>
+          <a:lstStyle/>
+          <a:p>
+            <a:r>
+              <a:rPr lang="en-US" altLang="zh-TW" sz="4800" b="1" dirty="0">
+                <a:solidFill>
+                  <a:srgbClr val="FFFF00"/>
+                </a:solidFill>
+              </a:rPr>
+              <a:t>33.1 Implement Click Counter</a:t>
+            </a:r>
+            <a:endParaRPr lang="zh-TW" altLang="en-US" sz="4800" b="1" dirty="0">
+              <a:solidFill>
+                <a:srgbClr val="FFFF00"/>
+              </a:solidFill>
+            </a:endParaRPr>
+          </a:p>
+        </p:txBody>
+      </p:sp>
+      <p:sp>
+        <p:nvSpPr>
+          <p:cNvPr id="5" name="日期版面配置區 4"/>
+          <p:cNvSpPr>
+            <a:spLocks noGrp="1"/>
+          </p:cNvSpPr>
+          <p:nvPr>
+            <p:ph type="dt" sz="half" idx="10"/>
+          </p:nvPr>
+        </p:nvSpPr>
+        <p:spPr/>
+        <p:txBody>
+          <a:bodyPr/>
+          <a:lstStyle/>
+          <a:p>
+            <a:fld id="{C389EDC9-19E3-47AC-9C57-C6A24DEA81AD}" type="datetime1">
+              <a:rPr lang="zh-TW" altLang="en-US" smtClean="0"/>
+              <a:pPr/>
+              <a:t>2020/5/24</a:t>
+            </a:fld>
+            <a:endParaRPr lang="zh-TW" altLang="en-US"/>
+          </a:p>
+        </p:txBody>
+      </p:sp>
+      <p:sp>
+        <p:nvSpPr>
+          <p:cNvPr id="6" name="投影片編號版面配置區 5"/>
+          <p:cNvSpPr>
+            <a:spLocks noGrp="1"/>
+          </p:cNvSpPr>
+          <p:nvPr>
+            <p:ph type="sldNum" sz="quarter" idx="12"/>
+          </p:nvPr>
+        </p:nvSpPr>
+        <p:spPr/>
+        <p:txBody>
+          <a:bodyPr/>
+          <a:lstStyle/>
+          <a:p>
+            <a:fld id="{E4D7E63D-91F2-4366-A2C4-1B00C9E2590E}" type="slidenum">
+              <a:rPr lang="zh-TW" altLang="en-US" smtClean="0"/>
+              <a:pPr/>
+              <a:t>3</a:t>
+            </a:fld>
+            <a:endParaRPr lang="zh-TW" altLang="en-US"/>
+          </a:p>
+        </p:txBody>
+      </p:sp>
+      <p:pic>
+        <p:nvPicPr>
+          <p:cNvPr id="2050" name="Picture 2"/>
+          <p:cNvPicPr>
+            <a:picLocks noChangeAspect="1" noChangeArrowheads="1"/>
+          </p:cNvPicPr>
+          <p:nvPr/>
+        </p:nvPicPr>
+        <p:blipFill>
+          <a:blip r:embed="rId2" cstate="print"/>
+          <a:srcRect/>
+          <a:stretch>
+            <a:fillRect/>
+          </a:stretch>
+        </p:blipFill>
+        <p:spPr bwMode="auto">
+          <a:xfrm>
+            <a:off x="4283968" y="3717032"/>
+            <a:ext cx="713805" cy="644588"/>
+          </a:xfrm>
+          <a:prstGeom prst="rect">
+            <a:avLst/>
+          </a:prstGeom>
+          <a:noFill/>
+          <a:ln w="9525">
+            <a:noFill/>
+            <a:miter lim="800000"/>
+            <a:headEnd/>
+            <a:tailEnd/>
+          </a:ln>
+        </p:spPr>
+      </p:pic>
+    </p:spTree>
+    <p:extLst>
+      <p:ext uri="{BB962C8B-B14F-4D97-AF65-F5344CB8AC3E}">
+        <p14:creationId xmlns:p14="http://schemas.microsoft.com/office/powerpoint/2010/main" val="1060392711"/>
+      </p:ext>
+    </p:extLst>
+  </p:cSld>
+  <p:clrMapOvr>
+    <a:masterClrMapping/>
+  </p:clrMapOvr>
+</p:sld>
+</file>
+
+<file path=ppt/slides/slide4.xml><?xml version="1.0" encoding="utf-8"?>
+<p:sld xmlns:a="http://schemas.openxmlformats.org/drawingml/2006/main" xmlns:r="http://schemas.openxmlformats.org/officeDocument/2006/relationships" xmlns:p="http://schemas.openxmlformats.org/presentationml/2006/main">
+  <p:cSld>
+    <p:spTree>
+      <p:nvGrpSpPr>
+        <p:cNvPr id="1" name=""/>
+        <p:cNvGrpSpPr/>
+        <p:nvPr/>
+      </p:nvGrpSpPr>
+      <p:grpSpPr>
+        <a:xfrm>
+          <a:off x="0" y="0"/>
+          <a:ext cx="0" cy="0"/>
+          <a:chOff x="0" y="0"/>
+          <a:chExt cx="0" cy="0"/>
+        </a:xfrm>
+      </p:grpSpPr>
+      <p:sp>
+        <p:nvSpPr>
+          <p:cNvPr id="2" name="標題 1"/>
+          <p:cNvSpPr>
+            <a:spLocks noGrp="1"/>
+          </p:cNvSpPr>
+          <p:nvPr>
+            <p:ph type="ctrTitle"/>
+          </p:nvPr>
+        </p:nvSpPr>
+        <p:spPr>
+          <a:xfrm>
+            <a:off x="0" y="1"/>
+            <a:ext cx="9144000" cy="764704"/>
+          </a:xfrm>
+          <a:gradFill flip="none" rotWithShape="1">
+            <a:gsLst>
+              <a:gs pos="0">
+                <a:srgbClr val="C00000">
+                  <a:shade val="30000"/>
+                  <a:satMod val="115000"/>
+                </a:srgbClr>
+              </a:gs>
+              <a:gs pos="50000">
+                <a:srgbClr val="C00000">
+                  <a:shade val="67500"/>
+                  <a:satMod val="115000"/>
+                </a:srgbClr>
+              </a:gs>
+              <a:gs pos="100000">
+                <a:srgbClr val="C00000">
+                  <a:shade val="100000"/>
+                  <a:satMod val="115000"/>
+                </a:srgbClr>
+              </a:gs>
+            </a:gsLst>
+            <a:path path="circle">
+              <a:fillToRect t="100000" r="100000"/>
+            </a:path>
+            <a:tileRect l="-100000" b="-100000"/>
+          </a:gradFill>
+        </p:spPr>
+        <p:txBody>
+          <a:bodyPr>
+            <a:normAutofit/>
+          </a:bodyPr>
+          <a:lstStyle/>
+          <a:p>
+            <a:pPr algn="l"/>
+            <a:r>
+              <a:rPr lang="en-US" altLang="zh-TW" b="1" dirty="0">
+                <a:solidFill>
+                  <a:srgbClr val="FFFF00"/>
+                </a:solidFill>
+              </a:rPr>
+              <a:t>33.1 Implement Click Counter</a:t>
+            </a:r>
+            <a:endParaRPr lang="zh-TW" altLang="en-US" b="1" dirty="0">
+              <a:solidFill>
+                <a:srgbClr val="FFFF00"/>
+              </a:solidFill>
+            </a:endParaRPr>
+          </a:p>
+        </p:txBody>
+      </p:sp>
+      <p:sp>
+        <p:nvSpPr>
+          <p:cNvPr id="3" name="副標題 2"/>
+          <p:cNvSpPr>
+            <a:spLocks noGrp="1"/>
+          </p:cNvSpPr>
+          <p:nvPr>
+            <p:ph type="subTitle" idx="1"/>
+          </p:nvPr>
+        </p:nvSpPr>
+        <p:spPr>
+          <a:xfrm>
+            <a:off x="467544" y="1340768"/>
+            <a:ext cx="8352928" cy="720080"/>
+          </a:xfrm>
+          <a:ln>
+            <a:solidFill>
+              <a:srgbClr val="C00000"/>
+            </a:solidFill>
+          </a:ln>
+        </p:spPr>
+        <p:txBody>
+          <a:bodyPr>
+            <a:noAutofit/>
+          </a:bodyPr>
+          <a:lstStyle/>
+          <a:p>
+            <a:pPr marL="342900" indent="-342900" algn="l">
+              <a:buClr>
+                <a:srgbClr val="0070C0"/>
+              </a:buClr>
+              <a:buSzPct val="80000"/>
+              <a:buFont typeface="Wingdings" pitchFamily="2" charset="2"/>
+              <a:buChar char="u"/>
+            </a:pPr>
+            <a:r>
+              <a:rPr lang="en-US" altLang="zh-TW" sz="1800" b="1" dirty="0">
+                <a:solidFill>
+                  <a:schemeClr val="tx1"/>
+                </a:solidFill>
+                <a:latin typeface="+mj-lt"/>
+              </a:rPr>
+              <a:t>Higher Order Components</a:t>
+            </a:r>
+          </a:p>
+          <a:p>
+            <a:pPr marL="342900" indent="-342900" algn="l">
+              <a:buClr>
+                <a:srgbClr val="0070C0"/>
+              </a:buClr>
+              <a:buSzPct val="80000"/>
+              <a:buFont typeface="Wingdings" pitchFamily="2" charset="2"/>
+              <a:buChar char="u"/>
+            </a:pPr>
+            <a:r>
+              <a:rPr lang="en-US" altLang="zh-TW" sz="1800" dirty="0">
+                <a:solidFill>
+                  <a:schemeClr val="tx1"/>
+                </a:solidFill>
+                <a:latin typeface="+mj-lt"/>
+              </a:rPr>
+              <a:t>Create ClickCounter.js</a:t>
+            </a:r>
+            <a:endParaRPr lang="en-US" altLang="zh-TW" sz="1800" dirty="0">
+              <a:solidFill>
+                <a:schemeClr val="tx1"/>
+              </a:solidFill>
+            </a:endParaRPr>
+          </a:p>
+        </p:txBody>
+      </p:sp>
+      <p:sp>
+        <p:nvSpPr>
+          <p:cNvPr id="4" name="標題 1"/>
+          <p:cNvSpPr txBox="1">
+            <a:spLocks/>
+          </p:cNvSpPr>
+          <p:nvPr/>
+        </p:nvSpPr>
+        <p:spPr>
+          <a:xfrm>
+            <a:off x="0" y="764704"/>
+            <a:ext cx="9144000" cy="398616"/>
+          </a:xfrm>
+          <a:prstGeom prst="rect">
+            <a:avLst/>
+          </a:prstGeom>
+          <a:gradFill flip="none" rotWithShape="1">
+            <a:gsLst>
+              <a:gs pos="0">
+                <a:srgbClr val="00B0F0">
+                  <a:shade val="30000"/>
+                  <a:satMod val="115000"/>
+                </a:srgbClr>
+              </a:gs>
+              <a:gs pos="50000">
+                <a:srgbClr val="00B0F0">
+                  <a:shade val="67500"/>
+                  <a:satMod val="115000"/>
+                </a:srgbClr>
+              </a:gs>
+              <a:gs pos="100000">
+                <a:srgbClr val="00B0F0">
+                  <a:shade val="100000"/>
+                  <a:satMod val="115000"/>
+                </a:srgbClr>
+              </a:gs>
+            </a:gsLst>
+            <a:path path="circle">
+              <a:fillToRect t="100000" r="100000"/>
+            </a:path>
+            <a:tileRect l="-100000" b="-100000"/>
+          </a:gradFill>
+        </p:spPr>
+        <p:txBody>
+          <a:bodyPr vert="horz" lIns="91440" tIns="45720" rIns="91440" bIns="45720" rtlCol="0" anchor="ctr">
+            <a:normAutofit fontScale="92500"/>
+          </a:bodyPr>
+          <a:lstStyle/>
+          <a:p>
+            <a:r>
+              <a:rPr lang="en-US" sz="1600" dirty="0">
+                <a:hlinkClick r:id="rId2"/>
+              </a:rPr>
+              <a:t>https://www.youtube.com/watch?v=B6aNv8nkUSw&amp;list=PLC3y8-rFHvwgg3vaYJgHGnModB54rxOk3&amp;index=33</a:t>
+            </a:r>
+            <a:endParaRPr lang="en-US" altLang="zh-TW" sz="1600" b="1" i="1" dirty="0"/>
+          </a:p>
+        </p:txBody>
+      </p:sp>
+      <p:sp>
+        <p:nvSpPr>
+          <p:cNvPr id="5" name="日期版面配置區 4"/>
+          <p:cNvSpPr>
+            <a:spLocks noGrp="1"/>
+          </p:cNvSpPr>
+          <p:nvPr>
+            <p:ph type="dt" sz="half" idx="10"/>
+          </p:nvPr>
+        </p:nvSpPr>
+        <p:spPr>
+          <a:xfrm>
+            <a:off x="457200" y="6356350"/>
+            <a:ext cx="2133600" cy="404246"/>
+          </a:xfrm>
+        </p:spPr>
+        <p:txBody>
+          <a:bodyPr/>
+          <a:lstStyle/>
+          <a:p>
+            <a:fld id="{A4F910E6-8D00-4BAF-8C48-9688E0B449D3}" type="datetime1">
+              <a:rPr lang="zh-TW" altLang="en-US" smtClean="0"/>
+              <a:pPr/>
+              <a:t>2020/5/24</a:t>
+            </a:fld>
+            <a:endParaRPr lang="zh-TW" altLang="en-US"/>
+          </a:p>
+        </p:txBody>
+      </p:sp>
+      <p:sp>
+        <p:nvSpPr>
+          <p:cNvPr id="6" name="投影片編號版面配置區 5"/>
+          <p:cNvSpPr>
+            <a:spLocks noGrp="1"/>
+          </p:cNvSpPr>
+          <p:nvPr>
+            <p:ph type="sldNum" sz="quarter" idx="12"/>
+          </p:nvPr>
+        </p:nvSpPr>
+        <p:spPr>
+          <a:xfrm>
+            <a:off x="6553200" y="6356350"/>
+            <a:ext cx="2133600" cy="404246"/>
+          </a:xfrm>
+        </p:spPr>
+        <p:txBody>
+          <a:bodyPr/>
+          <a:lstStyle/>
+          <a:p>
+            <a:fld id="{E4D7E63D-91F2-4366-A2C4-1B00C9E2590E}" type="slidenum">
+              <a:rPr lang="zh-TW" altLang="en-US" smtClean="0"/>
+              <a:pPr/>
+              <a:t>4</a:t>
+            </a:fld>
+            <a:endParaRPr lang="zh-TW" altLang="en-US"/>
+          </a:p>
+        </p:txBody>
+      </p:sp>
+      <p:pic>
+        <p:nvPicPr>
+          <p:cNvPr id="7" name="Picture 6">
+            <a:extLst>
+              <a:ext uri="{FF2B5EF4-FFF2-40B4-BE49-F238E27FC236}">
+                <a16:creationId xmlns:a16="http://schemas.microsoft.com/office/drawing/2014/main" id="{99E27C20-B29F-48D2-A185-0E257AE663BB}"/>
+              </a:ext>
+            </a:extLst>
+          </p:cNvPr>
+          <p:cNvPicPr>
+            <a:picLocks noChangeAspect="1"/>
+          </p:cNvPicPr>
+          <p:nvPr/>
+        </p:nvPicPr>
+        <p:blipFill>
+          <a:blip r:embed="rId3"/>
+          <a:stretch>
+            <a:fillRect/>
+          </a:stretch>
+        </p:blipFill>
+        <p:spPr>
+          <a:xfrm>
+            <a:off x="2195736" y="2204864"/>
+            <a:ext cx="3952875" cy="2762250"/>
+          </a:xfrm>
+          <a:prstGeom prst="rect">
+            <a:avLst/>
+          </a:prstGeom>
+          <a:ln>
+            <a:solidFill>
+              <a:srgbClr val="C00000"/>
+            </a:solidFill>
+          </a:ln>
+        </p:spPr>
+      </p:pic>
+    </p:spTree>
+    <p:extLst>
+      <p:ext uri="{BB962C8B-B14F-4D97-AF65-F5344CB8AC3E}">
+        <p14:creationId xmlns:p14="http://schemas.microsoft.com/office/powerpoint/2010/main" val="1683750287"/>
+      </p:ext>
+    </p:extLst>
+  </p:cSld>
+  <p:clrMapOvr>
+    <a:masterClrMapping/>
+  </p:clrMapOvr>
+</p:sld>
+</file>
+
+<file path=ppt/slides/slide5.xml><?xml version="1.0" encoding="utf-8"?>
+<p:sld xmlns:a="http://schemas.openxmlformats.org/drawingml/2006/main" xmlns:r="http://schemas.openxmlformats.org/officeDocument/2006/relationships" xmlns:p="http://schemas.openxmlformats.org/presentationml/2006/main">
+  <p:cSld>
+    <p:spTree>
+      <p:nvGrpSpPr>
+        <p:cNvPr id="1" name=""/>
+        <p:cNvGrpSpPr/>
+        <p:nvPr/>
+      </p:nvGrpSpPr>
+      <p:grpSpPr>
+        <a:xfrm>
+          <a:off x="0" y="0"/>
+          <a:ext cx="0" cy="0"/>
+          <a:chOff x="0" y="0"/>
+          <a:chExt cx="0" cy="0"/>
+        </a:xfrm>
+      </p:grpSpPr>
+      <p:sp>
+        <p:nvSpPr>
+          <p:cNvPr id="2" name="標題 1"/>
+          <p:cNvSpPr>
+            <a:spLocks noGrp="1"/>
+          </p:cNvSpPr>
+          <p:nvPr>
+            <p:ph type="ctrTitle"/>
+          </p:nvPr>
+        </p:nvSpPr>
+        <p:spPr>
+          <a:xfrm>
+            <a:off x="0" y="1"/>
+            <a:ext cx="9144000" cy="764704"/>
+          </a:xfrm>
+          <a:gradFill flip="none" rotWithShape="1">
+            <a:gsLst>
+              <a:gs pos="0">
+                <a:srgbClr val="C00000">
+                  <a:shade val="30000"/>
+                  <a:satMod val="115000"/>
+                </a:srgbClr>
+              </a:gs>
+              <a:gs pos="50000">
+                <a:srgbClr val="C00000">
+                  <a:shade val="67500"/>
+                  <a:satMod val="115000"/>
+                </a:srgbClr>
+              </a:gs>
+              <a:gs pos="100000">
+                <a:srgbClr val="C00000">
+                  <a:shade val="100000"/>
+                  <a:satMod val="115000"/>
+                </a:srgbClr>
+              </a:gs>
+            </a:gsLst>
+            <a:path path="circle">
+              <a:fillToRect t="100000" r="100000"/>
+            </a:path>
+            <a:tileRect l="-100000" b="-100000"/>
+          </a:gradFill>
+        </p:spPr>
+        <p:txBody>
+          <a:bodyPr>
+            <a:normAutofit/>
+          </a:bodyPr>
+          <a:lstStyle/>
+          <a:p>
+            <a:pPr algn="l"/>
+            <a:r>
+              <a:rPr lang="en-US" altLang="zh-TW" b="1" dirty="0">
+                <a:solidFill>
+                  <a:srgbClr val="FFFF00"/>
+                </a:solidFill>
+              </a:rPr>
+              <a:t>33.1 Implement Click Counter</a:t>
+            </a:r>
+            <a:endParaRPr lang="zh-TW" altLang="en-US" b="1" dirty="0">
+              <a:solidFill>
+                <a:srgbClr val="FFFF00"/>
+              </a:solidFill>
+            </a:endParaRPr>
+          </a:p>
+        </p:txBody>
+      </p:sp>
+      <p:sp>
+        <p:nvSpPr>
+          <p:cNvPr id="3" name="副標題 2"/>
+          <p:cNvSpPr>
+            <a:spLocks noGrp="1"/>
+          </p:cNvSpPr>
+          <p:nvPr>
+            <p:ph type="subTitle" idx="1"/>
+          </p:nvPr>
+        </p:nvSpPr>
+        <p:spPr>
+          <a:xfrm>
+            <a:off x="467544" y="1340768"/>
+            <a:ext cx="8352928" cy="720080"/>
+          </a:xfrm>
+          <a:ln>
+            <a:solidFill>
+              <a:srgbClr val="C00000"/>
+            </a:solidFill>
+          </a:ln>
+        </p:spPr>
+        <p:txBody>
+          <a:bodyPr>
+            <a:noAutofit/>
+          </a:bodyPr>
+          <a:lstStyle/>
+          <a:p>
+            <a:pPr marL="342900" indent="-342900" algn="l">
+              <a:buClr>
+                <a:srgbClr val="0070C0"/>
+              </a:buClr>
+              <a:buSzPct val="80000"/>
+              <a:buFont typeface="Wingdings" pitchFamily="2" charset="2"/>
+              <a:buChar char="u"/>
+            </a:pPr>
+            <a:r>
+              <a:rPr lang="en-US" altLang="zh-TW" sz="1800" b="1" dirty="0">
+                <a:solidFill>
+                  <a:schemeClr val="tx1"/>
+                </a:solidFill>
+                <a:latin typeface="+mj-lt"/>
+              </a:rPr>
+              <a:t>Higher Order Components</a:t>
+            </a:r>
+          </a:p>
+          <a:p>
+            <a:pPr marL="342900" indent="-342900" algn="l">
+              <a:buClr>
+                <a:srgbClr val="0070C0"/>
+              </a:buClr>
+              <a:buSzPct val="80000"/>
+              <a:buFont typeface="Wingdings" pitchFamily="2" charset="2"/>
+              <a:buChar char="u"/>
+            </a:pPr>
+            <a:r>
+              <a:rPr lang="en-US" altLang="zh-TW" sz="1800" dirty="0">
+                <a:solidFill>
+                  <a:schemeClr val="tx1"/>
+                </a:solidFill>
+                <a:latin typeface="+mj-lt"/>
+              </a:rPr>
+              <a:t>In App.js, import </a:t>
+            </a:r>
+            <a:r>
+              <a:rPr lang="en-US" altLang="zh-TW" sz="1800" dirty="0" err="1">
+                <a:solidFill>
+                  <a:schemeClr val="tx1"/>
+                </a:solidFill>
+                <a:latin typeface="+mj-lt"/>
+              </a:rPr>
+              <a:t>ClickCounter</a:t>
+            </a:r>
+            <a:r>
+              <a:rPr lang="en-US" altLang="zh-TW" sz="1800" dirty="0">
+                <a:solidFill>
+                  <a:schemeClr val="tx1"/>
+                </a:solidFill>
+                <a:latin typeface="+mj-lt"/>
+              </a:rPr>
+              <a:t> and &lt;</a:t>
+            </a:r>
+            <a:r>
+              <a:rPr lang="en-US" altLang="zh-TW" sz="1800" dirty="0" err="1">
+                <a:solidFill>
+                  <a:schemeClr val="tx1"/>
+                </a:solidFill>
+                <a:latin typeface="+mj-lt"/>
+              </a:rPr>
+              <a:t>ClickCounter</a:t>
+            </a:r>
+            <a:r>
+              <a:rPr lang="en-US" altLang="zh-TW" sz="1800" dirty="0">
+                <a:solidFill>
+                  <a:schemeClr val="tx1"/>
+                </a:solidFill>
+                <a:latin typeface="+mj-lt"/>
+              </a:rPr>
+              <a:t> /&gt;</a:t>
+            </a:r>
+            <a:endParaRPr lang="en-US" altLang="zh-TW" sz="1800" dirty="0">
+              <a:solidFill>
+                <a:schemeClr val="tx1"/>
+              </a:solidFill>
+            </a:endParaRPr>
+          </a:p>
+        </p:txBody>
+      </p:sp>
+      <p:sp>
+        <p:nvSpPr>
+          <p:cNvPr id="4" name="標題 1"/>
+          <p:cNvSpPr txBox="1">
+            <a:spLocks/>
+          </p:cNvSpPr>
+          <p:nvPr/>
+        </p:nvSpPr>
+        <p:spPr>
+          <a:xfrm>
+            <a:off x="0" y="764704"/>
+            <a:ext cx="9144000" cy="398616"/>
+          </a:xfrm>
+          <a:prstGeom prst="rect">
+            <a:avLst/>
+          </a:prstGeom>
+          <a:gradFill flip="none" rotWithShape="1">
+            <a:gsLst>
+              <a:gs pos="0">
+                <a:srgbClr val="00B0F0">
+                  <a:shade val="30000"/>
+                  <a:satMod val="115000"/>
+                </a:srgbClr>
+              </a:gs>
+              <a:gs pos="50000">
+                <a:srgbClr val="00B0F0">
+                  <a:shade val="67500"/>
+                  <a:satMod val="115000"/>
+                </a:srgbClr>
+              </a:gs>
+              <a:gs pos="100000">
+                <a:srgbClr val="00B0F0">
+                  <a:shade val="100000"/>
+                  <a:satMod val="115000"/>
+                </a:srgbClr>
+              </a:gs>
+            </a:gsLst>
+            <a:path path="circle">
+              <a:fillToRect t="100000" r="100000"/>
+            </a:path>
+            <a:tileRect l="-100000" b="-100000"/>
+          </a:gradFill>
+        </p:spPr>
+        <p:txBody>
+          <a:bodyPr vert="horz" lIns="91440" tIns="45720" rIns="91440" bIns="45720" rtlCol="0" anchor="ctr">
+            <a:normAutofit fontScale="92500"/>
+          </a:bodyPr>
+          <a:lstStyle/>
+          <a:p>
+            <a:r>
+              <a:rPr lang="en-US" sz="1600" dirty="0">
+                <a:hlinkClick r:id="rId2"/>
+              </a:rPr>
+              <a:t>https://www.youtube.com/watch?v=B6aNv8nkUSw&amp;list=PLC3y8-rFHvwgg3vaYJgHGnModB54rxOk3&amp;index=33</a:t>
+            </a:r>
+            <a:endParaRPr lang="en-US" altLang="zh-TW" sz="1600" b="1" i="1" dirty="0"/>
+          </a:p>
+        </p:txBody>
+      </p:sp>
+      <p:sp>
+        <p:nvSpPr>
+          <p:cNvPr id="5" name="日期版面配置區 4"/>
+          <p:cNvSpPr>
+            <a:spLocks noGrp="1"/>
+          </p:cNvSpPr>
+          <p:nvPr>
+            <p:ph type="dt" sz="half" idx="10"/>
+          </p:nvPr>
+        </p:nvSpPr>
+        <p:spPr>
+          <a:xfrm>
+            <a:off x="457200" y="6356350"/>
+            <a:ext cx="2133600" cy="404246"/>
+          </a:xfrm>
+        </p:spPr>
+        <p:txBody>
+          <a:bodyPr/>
+          <a:lstStyle/>
+          <a:p>
+            <a:fld id="{A4F910E6-8D00-4BAF-8C48-9688E0B449D3}" type="datetime1">
+              <a:rPr lang="zh-TW" altLang="en-US" smtClean="0"/>
+              <a:pPr/>
+              <a:t>2020/5/24</a:t>
+            </a:fld>
+            <a:endParaRPr lang="zh-TW" altLang="en-US"/>
+          </a:p>
+        </p:txBody>
+      </p:sp>
+      <p:sp>
+        <p:nvSpPr>
+          <p:cNvPr id="6" name="投影片編號版面配置區 5"/>
+          <p:cNvSpPr>
+            <a:spLocks noGrp="1"/>
+          </p:cNvSpPr>
+          <p:nvPr>
+            <p:ph type="sldNum" sz="quarter" idx="12"/>
+          </p:nvPr>
+        </p:nvSpPr>
+        <p:spPr>
+          <a:xfrm>
+            <a:off x="6553200" y="6356350"/>
+            <a:ext cx="2133600" cy="404246"/>
+          </a:xfrm>
+        </p:spPr>
+        <p:txBody>
+          <a:bodyPr/>
+          <a:lstStyle/>
+          <a:p>
+            <a:fld id="{E4D7E63D-91F2-4366-A2C4-1B00C9E2590E}" type="slidenum">
+              <a:rPr lang="zh-TW" altLang="en-US" smtClean="0"/>
+              <a:pPr/>
+              <a:t>5</a:t>
+            </a:fld>
+            <a:endParaRPr lang="zh-TW" altLang="en-US"/>
+          </a:p>
+        </p:txBody>
+      </p:sp>
+      <p:pic>
+        <p:nvPicPr>
+          <p:cNvPr id="8" name="Picture 7">
+            <a:extLst>
+              <a:ext uri="{FF2B5EF4-FFF2-40B4-BE49-F238E27FC236}">
+                <a16:creationId xmlns:a16="http://schemas.microsoft.com/office/drawing/2014/main" id="{35F45F3A-D925-4F22-BCEE-12798B59375B}"/>
+              </a:ext>
+            </a:extLst>
+          </p:cNvPr>
+          <p:cNvPicPr>
+            <a:picLocks noChangeAspect="1"/>
+          </p:cNvPicPr>
+          <p:nvPr/>
+        </p:nvPicPr>
+        <p:blipFill>
+          <a:blip r:embed="rId3"/>
+          <a:stretch>
+            <a:fillRect/>
+          </a:stretch>
+        </p:blipFill>
+        <p:spPr>
+          <a:xfrm>
+            <a:off x="2057400" y="2238296"/>
+            <a:ext cx="4495800" cy="3400425"/>
+          </a:xfrm>
+          <a:prstGeom prst="rect">
+            <a:avLst/>
+          </a:prstGeom>
+          <a:ln>
+            <a:solidFill>
+              <a:srgbClr val="C00000"/>
+            </a:solidFill>
+          </a:ln>
+        </p:spPr>
+      </p:pic>
+    </p:spTree>
+    <p:extLst>
+      <p:ext uri="{BB962C8B-B14F-4D97-AF65-F5344CB8AC3E}">
+        <p14:creationId xmlns:p14="http://schemas.microsoft.com/office/powerpoint/2010/main" val="778937213"/>
+      </p:ext>
+    </p:extLst>
+  </p:cSld>
+  <p:clrMapOvr>
+    <a:masterClrMapping/>
+  </p:clrMapOvr>
+</p:sld>
+</file>
+
+<file path=ppt/slides/slide6.xml><?xml version="1.0" encoding="utf-8"?>
+<p:sld xmlns:a="http://schemas.openxmlformats.org/drawingml/2006/main" xmlns:r="http://schemas.openxmlformats.org/officeDocument/2006/relationships" xmlns:p="http://schemas.openxmlformats.org/presentationml/2006/main">
+  <p:cSld>
+    <p:spTree>
+      <p:nvGrpSpPr>
+        <p:cNvPr id="1" name=""/>
+        <p:cNvGrpSpPr/>
+        <p:nvPr/>
+      </p:nvGrpSpPr>
+      <p:grpSpPr>
+        <a:xfrm>
+          <a:off x="0" y="0"/>
+          <a:ext cx="0" cy="0"/>
+          <a:chOff x="0" y="0"/>
+          <a:chExt cx="0" cy="0"/>
+        </a:xfrm>
+      </p:grpSpPr>
+      <p:sp>
+        <p:nvSpPr>
+          <p:cNvPr id="2" name="標題 1"/>
+          <p:cNvSpPr>
+            <a:spLocks noGrp="1"/>
+          </p:cNvSpPr>
+          <p:nvPr>
+            <p:ph type="ctrTitle"/>
+          </p:nvPr>
+        </p:nvSpPr>
+        <p:spPr>
+          <a:xfrm>
+            <a:off x="0" y="1"/>
+            <a:ext cx="9144000" cy="764704"/>
+          </a:xfrm>
+          <a:gradFill flip="none" rotWithShape="1">
+            <a:gsLst>
+              <a:gs pos="0">
+                <a:srgbClr val="C00000">
+                  <a:shade val="30000"/>
+                  <a:satMod val="115000"/>
+                </a:srgbClr>
+              </a:gs>
+              <a:gs pos="50000">
+                <a:srgbClr val="C00000">
+                  <a:shade val="67500"/>
+                  <a:satMod val="115000"/>
+                </a:srgbClr>
+              </a:gs>
+              <a:gs pos="100000">
+                <a:srgbClr val="C00000">
+                  <a:shade val="100000"/>
+                  <a:satMod val="115000"/>
+                </a:srgbClr>
+              </a:gs>
+            </a:gsLst>
+            <a:path path="circle">
+              <a:fillToRect t="100000" r="100000"/>
+            </a:path>
+            <a:tileRect l="-100000" b="-100000"/>
+          </a:gradFill>
+        </p:spPr>
+        <p:txBody>
+          <a:bodyPr>
+            <a:normAutofit/>
+          </a:bodyPr>
+          <a:lstStyle/>
+          <a:p>
+            <a:pPr algn="l"/>
+            <a:r>
+              <a:rPr lang="en-US" altLang="zh-TW" b="1" dirty="0">
+                <a:solidFill>
+                  <a:srgbClr val="FFFF00"/>
+                </a:solidFill>
+              </a:rPr>
+              <a:t>33.1 Implement Click Counter</a:t>
+            </a:r>
+            <a:endParaRPr lang="zh-TW" altLang="en-US" b="1" dirty="0">
+              <a:solidFill>
+                <a:srgbClr val="FFFF00"/>
+              </a:solidFill>
+            </a:endParaRPr>
+          </a:p>
+        </p:txBody>
+      </p:sp>
+      <p:sp>
+        <p:nvSpPr>
+          <p:cNvPr id="3" name="副標題 2"/>
+          <p:cNvSpPr>
+            <a:spLocks noGrp="1"/>
+          </p:cNvSpPr>
+          <p:nvPr>
+            <p:ph type="subTitle" idx="1"/>
+          </p:nvPr>
+        </p:nvSpPr>
+        <p:spPr>
+          <a:xfrm>
+            <a:off x="467544" y="1340768"/>
+            <a:ext cx="8352928" cy="720080"/>
+          </a:xfrm>
+          <a:ln>
+            <a:solidFill>
+              <a:srgbClr val="C00000"/>
+            </a:solidFill>
+          </a:ln>
+        </p:spPr>
+        <p:txBody>
+          <a:bodyPr>
+            <a:noAutofit/>
+          </a:bodyPr>
+          <a:lstStyle/>
+          <a:p>
+            <a:pPr marL="342900" indent="-342900" algn="l">
+              <a:buClr>
+                <a:srgbClr val="0070C0"/>
+              </a:buClr>
+              <a:buSzPct val="80000"/>
+              <a:buFont typeface="Wingdings" pitchFamily="2" charset="2"/>
+              <a:buChar char="u"/>
+            </a:pPr>
+            <a:r>
+              <a:rPr lang="en-US" altLang="zh-TW" sz="1800" b="1" dirty="0">
+                <a:solidFill>
+                  <a:schemeClr val="tx1"/>
+                </a:solidFill>
+                <a:latin typeface="+mj-lt"/>
+              </a:rPr>
+              <a:t>Higher Order Components</a:t>
+            </a:r>
+          </a:p>
+          <a:p>
+            <a:pPr marL="342900" indent="-342900" algn="l">
+              <a:buClr>
+                <a:srgbClr val="0070C0"/>
+              </a:buClr>
+              <a:buSzPct val="80000"/>
+              <a:buFont typeface="Wingdings" pitchFamily="2" charset="2"/>
+              <a:buChar char="u"/>
+            </a:pPr>
+            <a:r>
+              <a:rPr lang="en-US" altLang="zh-TW" sz="1800" dirty="0">
+                <a:solidFill>
+                  <a:schemeClr val="tx1"/>
+                </a:solidFill>
+                <a:latin typeface="+mj-lt"/>
+              </a:rPr>
+              <a:t>&gt; </a:t>
+            </a:r>
+            <a:r>
+              <a:rPr lang="en-US" altLang="zh-TW" sz="1800" dirty="0" err="1">
+                <a:solidFill>
+                  <a:schemeClr val="tx1"/>
+                </a:solidFill>
+                <a:latin typeface="+mj-lt"/>
+              </a:rPr>
+              <a:t>npm</a:t>
+            </a:r>
+            <a:r>
+              <a:rPr lang="en-US" altLang="zh-TW" sz="1800" dirty="0">
+                <a:solidFill>
+                  <a:schemeClr val="tx1"/>
+                </a:solidFill>
+                <a:latin typeface="+mj-lt"/>
+              </a:rPr>
+              <a:t> start</a:t>
+            </a:r>
+            <a:endParaRPr lang="en-US" altLang="zh-TW" sz="1800" dirty="0">
+              <a:solidFill>
+                <a:schemeClr val="tx1"/>
+              </a:solidFill>
+            </a:endParaRPr>
+          </a:p>
+        </p:txBody>
+      </p:sp>
+      <p:sp>
+        <p:nvSpPr>
+          <p:cNvPr id="4" name="標題 1"/>
+          <p:cNvSpPr txBox="1">
+            <a:spLocks/>
+          </p:cNvSpPr>
+          <p:nvPr/>
+        </p:nvSpPr>
+        <p:spPr>
+          <a:xfrm>
+            <a:off x="0" y="764704"/>
+            <a:ext cx="9144000" cy="398616"/>
+          </a:xfrm>
+          <a:prstGeom prst="rect">
+            <a:avLst/>
+          </a:prstGeom>
+          <a:gradFill flip="none" rotWithShape="1">
+            <a:gsLst>
+              <a:gs pos="0">
+                <a:srgbClr val="00B0F0">
+                  <a:shade val="30000"/>
+                  <a:satMod val="115000"/>
+                </a:srgbClr>
+              </a:gs>
+              <a:gs pos="50000">
+                <a:srgbClr val="00B0F0">
+                  <a:shade val="67500"/>
+                  <a:satMod val="115000"/>
+                </a:srgbClr>
+              </a:gs>
+              <a:gs pos="100000">
+                <a:srgbClr val="00B0F0">
+                  <a:shade val="100000"/>
+                  <a:satMod val="115000"/>
+                </a:srgbClr>
+              </a:gs>
+            </a:gsLst>
+            <a:path path="circle">
+              <a:fillToRect t="100000" r="100000"/>
+            </a:path>
+            <a:tileRect l="-100000" b="-100000"/>
+          </a:gradFill>
+        </p:spPr>
+        <p:txBody>
+          <a:bodyPr vert="horz" lIns="91440" tIns="45720" rIns="91440" bIns="45720" rtlCol="0" anchor="ctr">
+            <a:normAutofit fontScale="92500"/>
+          </a:bodyPr>
+          <a:lstStyle/>
+          <a:p>
+            <a:r>
+              <a:rPr lang="en-US" sz="1600" dirty="0">
+                <a:hlinkClick r:id="rId2"/>
+              </a:rPr>
+              <a:t>https://www.youtube.com/watch?v=B6aNv8nkUSw&amp;list=PLC3y8-rFHvwgg3vaYJgHGnModB54rxOk3&amp;index=33</a:t>
+            </a:r>
+            <a:endParaRPr lang="en-US" altLang="zh-TW" sz="1600" b="1" i="1" dirty="0"/>
+          </a:p>
+        </p:txBody>
+      </p:sp>
+      <p:sp>
+        <p:nvSpPr>
+          <p:cNvPr id="5" name="日期版面配置區 4"/>
+          <p:cNvSpPr>
+            <a:spLocks noGrp="1"/>
+          </p:cNvSpPr>
+          <p:nvPr>
+            <p:ph type="dt" sz="half" idx="10"/>
+          </p:nvPr>
+        </p:nvSpPr>
+        <p:spPr>
+          <a:xfrm>
+            <a:off x="457200" y="6356350"/>
+            <a:ext cx="2133600" cy="404246"/>
+          </a:xfrm>
+        </p:spPr>
+        <p:txBody>
+          <a:bodyPr/>
+          <a:lstStyle/>
+          <a:p>
+            <a:fld id="{A4F910E6-8D00-4BAF-8C48-9688E0B449D3}" type="datetime1">
+              <a:rPr lang="zh-TW" altLang="en-US" smtClean="0"/>
+              <a:pPr/>
+              <a:t>2020/5/24</a:t>
+            </a:fld>
+            <a:endParaRPr lang="zh-TW" altLang="en-US"/>
+          </a:p>
+        </p:txBody>
+      </p:sp>
+      <p:sp>
+        <p:nvSpPr>
+          <p:cNvPr id="6" name="投影片編號版面配置區 5"/>
+          <p:cNvSpPr>
+            <a:spLocks noGrp="1"/>
+          </p:cNvSpPr>
+          <p:nvPr>
+            <p:ph type="sldNum" sz="quarter" idx="12"/>
+          </p:nvPr>
+        </p:nvSpPr>
+        <p:spPr>
+          <a:xfrm>
+            <a:off x="6553200" y="6356350"/>
+            <a:ext cx="2133600" cy="404246"/>
+          </a:xfrm>
+        </p:spPr>
         <p:txBody>
           <a:bodyPr/>
           <a:lstStyle/>
@@ -6278,7 +9878,1163 @@
           </a:p>
         </p:txBody>
       </p:sp>
+      <p:pic>
+        <p:nvPicPr>
+          <p:cNvPr id="7" name="Picture 6">
+            <a:extLst>
+              <a:ext uri="{FF2B5EF4-FFF2-40B4-BE49-F238E27FC236}">
+                <a16:creationId xmlns:a16="http://schemas.microsoft.com/office/drawing/2014/main" id="{4760CCCD-7305-4A6A-BCAF-9EB0C25F3E84}"/>
+              </a:ext>
+            </a:extLst>
+          </p:cNvPr>
+          <p:cNvPicPr>
+            <a:picLocks noChangeAspect="1"/>
+          </p:cNvPicPr>
+          <p:nvPr/>
+        </p:nvPicPr>
+        <p:blipFill>
+          <a:blip r:embed="rId3"/>
+          <a:stretch>
+            <a:fillRect/>
+          </a:stretch>
+        </p:blipFill>
+        <p:spPr>
+          <a:xfrm>
+            <a:off x="2262758" y="2238296"/>
+            <a:ext cx="4762500" cy="1371600"/>
+          </a:xfrm>
+          <a:prstGeom prst="rect">
+            <a:avLst/>
+          </a:prstGeom>
+          <a:ln>
+            <a:solidFill>
+              <a:srgbClr val="C00000"/>
+            </a:solidFill>
+          </a:ln>
+        </p:spPr>
+      </p:pic>
     </p:spTree>
+    <p:extLst>
+      <p:ext uri="{BB962C8B-B14F-4D97-AF65-F5344CB8AC3E}">
+        <p14:creationId xmlns:p14="http://schemas.microsoft.com/office/powerpoint/2010/main" val="2943293777"/>
+      </p:ext>
+    </p:extLst>
+  </p:cSld>
+  <p:clrMapOvr>
+    <a:masterClrMapping/>
+  </p:clrMapOvr>
+</p:sld>
+</file>
+
+<file path=ppt/slides/slide7.xml><?xml version="1.0" encoding="utf-8"?>
+<p:sld xmlns:a="http://schemas.openxmlformats.org/drawingml/2006/main" xmlns:r="http://schemas.openxmlformats.org/officeDocument/2006/relationships" xmlns:p="http://schemas.openxmlformats.org/presentationml/2006/main">
+  <p:cSld>
+    <p:spTree>
+      <p:nvGrpSpPr>
+        <p:cNvPr id="1" name=""/>
+        <p:cNvGrpSpPr/>
+        <p:nvPr/>
+      </p:nvGrpSpPr>
+      <p:grpSpPr>
+        <a:xfrm>
+          <a:off x="0" y="0"/>
+          <a:ext cx="0" cy="0"/>
+          <a:chOff x="0" y="0"/>
+          <a:chExt cx="0" cy="0"/>
+        </a:xfrm>
+      </p:grpSpPr>
+      <p:sp>
+        <p:nvSpPr>
+          <p:cNvPr id="2" name="標題 1"/>
+          <p:cNvSpPr>
+            <a:spLocks noGrp="1"/>
+          </p:cNvSpPr>
+          <p:nvPr>
+            <p:ph type="ctrTitle"/>
+          </p:nvPr>
+        </p:nvSpPr>
+        <p:spPr>
+          <a:xfrm>
+            <a:off x="0" y="1"/>
+            <a:ext cx="9144000" cy="764704"/>
+          </a:xfrm>
+          <a:gradFill flip="none" rotWithShape="1">
+            <a:gsLst>
+              <a:gs pos="0">
+                <a:srgbClr val="C00000">
+                  <a:shade val="30000"/>
+                  <a:satMod val="115000"/>
+                </a:srgbClr>
+              </a:gs>
+              <a:gs pos="50000">
+                <a:srgbClr val="C00000">
+                  <a:shade val="67500"/>
+                  <a:satMod val="115000"/>
+                </a:srgbClr>
+              </a:gs>
+              <a:gs pos="100000">
+                <a:srgbClr val="C00000">
+                  <a:shade val="100000"/>
+                  <a:satMod val="115000"/>
+                </a:srgbClr>
+              </a:gs>
+            </a:gsLst>
+            <a:path path="circle">
+              <a:fillToRect t="100000" r="100000"/>
+            </a:path>
+            <a:tileRect l="-100000" b="-100000"/>
+          </a:gradFill>
+        </p:spPr>
+        <p:txBody>
+          <a:bodyPr>
+            <a:normAutofit/>
+          </a:bodyPr>
+          <a:lstStyle/>
+          <a:p>
+            <a:pPr algn="l"/>
+            <a:r>
+              <a:rPr lang="en-US" altLang="zh-TW" b="1" dirty="0">
+                <a:solidFill>
+                  <a:srgbClr val="FFFF00"/>
+                </a:solidFill>
+              </a:rPr>
+              <a:t>33.1 Implement Click Counter</a:t>
+            </a:r>
+            <a:endParaRPr lang="zh-TW" altLang="en-US" b="1" dirty="0">
+              <a:solidFill>
+                <a:srgbClr val="FFFF00"/>
+              </a:solidFill>
+            </a:endParaRPr>
+          </a:p>
+        </p:txBody>
+      </p:sp>
+      <p:sp>
+        <p:nvSpPr>
+          <p:cNvPr id="3" name="副標題 2"/>
+          <p:cNvSpPr>
+            <a:spLocks noGrp="1"/>
+          </p:cNvSpPr>
+          <p:nvPr>
+            <p:ph type="subTitle" idx="1"/>
+          </p:nvPr>
+        </p:nvSpPr>
+        <p:spPr>
+          <a:xfrm>
+            <a:off x="467544" y="1340768"/>
+            <a:ext cx="3888432" cy="2952328"/>
+          </a:xfrm>
+          <a:ln>
+            <a:solidFill>
+              <a:srgbClr val="C00000"/>
+            </a:solidFill>
+          </a:ln>
+        </p:spPr>
+        <p:txBody>
+          <a:bodyPr>
+            <a:noAutofit/>
+          </a:bodyPr>
+          <a:lstStyle/>
+          <a:p>
+            <a:pPr marL="342900" indent="-342900" algn="l">
+              <a:buClr>
+                <a:srgbClr val="0070C0"/>
+              </a:buClr>
+              <a:buSzPct val="80000"/>
+              <a:buFont typeface="Wingdings" pitchFamily="2" charset="2"/>
+              <a:buChar char="u"/>
+            </a:pPr>
+            <a:r>
+              <a:rPr lang="en-US" altLang="zh-TW" sz="1800" b="1" dirty="0">
+                <a:solidFill>
+                  <a:schemeClr val="tx1"/>
+                </a:solidFill>
+                <a:latin typeface="+mj-lt"/>
+              </a:rPr>
+              <a:t>Higher Order Components</a:t>
+            </a:r>
+          </a:p>
+          <a:p>
+            <a:pPr marL="342900" indent="-342900" algn="l">
+              <a:buClr>
+                <a:srgbClr val="0070C0"/>
+              </a:buClr>
+              <a:buSzPct val="80000"/>
+              <a:buFont typeface="Wingdings" pitchFamily="2" charset="2"/>
+              <a:buChar char="u"/>
+            </a:pPr>
+            <a:r>
+              <a:rPr lang="en-US" altLang="zh-TW" sz="1800" dirty="0">
+                <a:solidFill>
+                  <a:schemeClr val="tx1"/>
+                </a:solidFill>
+                <a:latin typeface="+mj-lt"/>
+              </a:rPr>
+              <a:t>Now implement the actual counter.</a:t>
+            </a:r>
+          </a:p>
+          <a:p>
+            <a:pPr marL="342900" indent="-342900" algn="l">
+              <a:buClr>
+                <a:srgbClr val="0070C0"/>
+              </a:buClr>
+              <a:buSzPct val="80000"/>
+              <a:buFont typeface="Wingdings" pitchFamily="2" charset="2"/>
+              <a:buChar char="u"/>
+            </a:pPr>
+            <a:r>
+              <a:rPr lang="en-US" altLang="zh-TW" sz="1800" dirty="0">
+                <a:solidFill>
+                  <a:schemeClr val="tx1"/>
+                </a:solidFill>
+                <a:latin typeface="+mj-lt"/>
+              </a:rPr>
+              <a:t>Type “</a:t>
+            </a:r>
+            <a:r>
+              <a:rPr lang="en-US" altLang="zh-TW" sz="1800" dirty="0" err="1">
+                <a:solidFill>
+                  <a:schemeClr val="tx1"/>
+                </a:solidFill>
+                <a:latin typeface="+mj-lt"/>
+              </a:rPr>
+              <a:t>rconst</a:t>
+            </a:r>
+            <a:r>
+              <a:rPr lang="en-US" altLang="zh-TW" sz="1800" dirty="0">
+                <a:solidFill>
+                  <a:schemeClr val="tx1"/>
+                </a:solidFill>
+                <a:latin typeface="+mj-lt"/>
+              </a:rPr>
+              <a:t>” to add constructor. </a:t>
+            </a:r>
+          </a:p>
+          <a:p>
+            <a:pPr marL="342900" indent="-342900" algn="l">
+              <a:buClr>
+                <a:srgbClr val="0070C0"/>
+              </a:buClr>
+              <a:buSzPct val="80000"/>
+              <a:buFont typeface="Wingdings" pitchFamily="2" charset="2"/>
+              <a:buChar char="u"/>
+            </a:pPr>
+            <a:r>
+              <a:rPr lang="en-US" altLang="zh-TW" sz="1800" dirty="0">
+                <a:solidFill>
+                  <a:schemeClr val="tx1"/>
+                </a:solidFill>
+                <a:latin typeface="+mj-lt"/>
+              </a:rPr>
+              <a:t>Initialize the count to zero.</a:t>
+            </a:r>
+          </a:p>
+          <a:p>
+            <a:pPr marL="342900" indent="-342900" algn="l">
+              <a:buClr>
+                <a:srgbClr val="0070C0"/>
+              </a:buClr>
+              <a:buSzPct val="80000"/>
+              <a:buFont typeface="Wingdings" pitchFamily="2" charset="2"/>
+              <a:buChar char="u"/>
+            </a:pPr>
+            <a:r>
+              <a:rPr lang="en-US" altLang="zh-TW" sz="1800" dirty="0">
+                <a:solidFill>
+                  <a:schemeClr val="tx1"/>
+                </a:solidFill>
+                <a:latin typeface="+mj-lt"/>
+              </a:rPr>
+              <a:t>Add handler to the button. </a:t>
+            </a:r>
+          </a:p>
+          <a:p>
+            <a:pPr marL="342900" indent="-342900" algn="l">
+              <a:buClr>
+                <a:srgbClr val="0070C0"/>
+              </a:buClr>
+              <a:buSzPct val="80000"/>
+              <a:buFont typeface="Wingdings" pitchFamily="2" charset="2"/>
+              <a:buChar char="u"/>
+            </a:pPr>
+            <a:r>
+              <a:rPr lang="en-US" altLang="zh-TW" sz="1800" dirty="0">
+                <a:solidFill>
+                  <a:schemeClr val="tx1"/>
+                </a:solidFill>
+                <a:latin typeface="+mj-lt"/>
+              </a:rPr>
+              <a:t>Use </a:t>
+            </a:r>
+            <a:r>
+              <a:rPr lang="en-US" altLang="zh-TW" sz="1800" dirty="0" err="1">
+                <a:solidFill>
+                  <a:schemeClr val="tx1"/>
+                </a:solidFill>
+                <a:latin typeface="+mj-lt"/>
+              </a:rPr>
+              <a:t>prevState</a:t>
+            </a:r>
+            <a:r>
+              <a:rPr lang="en-US" altLang="zh-TW" sz="1800" dirty="0">
+                <a:solidFill>
+                  <a:schemeClr val="tx1"/>
+                </a:solidFill>
+                <a:latin typeface="+mj-lt"/>
+              </a:rPr>
+              <a:t> as parameter and return count as the new state.</a:t>
+            </a:r>
+          </a:p>
+          <a:p>
+            <a:pPr marL="342900" indent="-342900" algn="l">
+              <a:buClr>
+                <a:srgbClr val="0070C0"/>
+              </a:buClr>
+              <a:buSzPct val="80000"/>
+              <a:buFont typeface="Wingdings" pitchFamily="2" charset="2"/>
+              <a:buChar char="u"/>
+            </a:pPr>
+            <a:r>
+              <a:rPr lang="en-US" altLang="zh-TW" sz="1800" dirty="0">
+                <a:solidFill>
+                  <a:schemeClr val="tx1"/>
+                </a:solidFill>
+                <a:latin typeface="+mj-lt"/>
+              </a:rPr>
+              <a:t>In the render(), set the count to </a:t>
+            </a:r>
+            <a:r>
+              <a:rPr lang="en-US" altLang="zh-TW" sz="1800" dirty="0" err="1">
+                <a:solidFill>
+                  <a:schemeClr val="tx1"/>
+                </a:solidFill>
+                <a:latin typeface="+mj-lt"/>
+              </a:rPr>
+              <a:t>this.state</a:t>
+            </a:r>
+            <a:r>
+              <a:rPr lang="en-US" altLang="zh-TW" sz="1800" dirty="0">
+                <a:solidFill>
+                  <a:schemeClr val="tx1"/>
+                </a:solidFill>
+                <a:latin typeface="+mj-lt"/>
+              </a:rPr>
+              <a:t> and </a:t>
+            </a:r>
+            <a:r>
+              <a:rPr lang="en-US" altLang="zh-TW" sz="1800" dirty="0" err="1">
+                <a:solidFill>
+                  <a:schemeClr val="tx1"/>
+                </a:solidFill>
+                <a:latin typeface="+mj-lt"/>
+              </a:rPr>
+              <a:t>redner</a:t>
+            </a:r>
+            <a:r>
+              <a:rPr lang="en-US" altLang="zh-TW" sz="1800" dirty="0">
+                <a:solidFill>
+                  <a:schemeClr val="tx1"/>
+                </a:solidFill>
+                <a:latin typeface="+mj-lt"/>
+              </a:rPr>
+              <a:t> return { count }</a:t>
+            </a:r>
+            <a:endParaRPr lang="en-US" altLang="zh-TW" sz="1800" dirty="0">
+              <a:solidFill>
+                <a:schemeClr val="tx1"/>
+              </a:solidFill>
+            </a:endParaRPr>
+          </a:p>
+        </p:txBody>
+      </p:sp>
+      <p:sp>
+        <p:nvSpPr>
+          <p:cNvPr id="4" name="標題 1"/>
+          <p:cNvSpPr txBox="1">
+            <a:spLocks/>
+          </p:cNvSpPr>
+          <p:nvPr/>
+        </p:nvSpPr>
+        <p:spPr>
+          <a:xfrm>
+            <a:off x="0" y="764704"/>
+            <a:ext cx="9144000" cy="398616"/>
+          </a:xfrm>
+          <a:prstGeom prst="rect">
+            <a:avLst/>
+          </a:prstGeom>
+          <a:gradFill flip="none" rotWithShape="1">
+            <a:gsLst>
+              <a:gs pos="0">
+                <a:srgbClr val="00B0F0">
+                  <a:shade val="30000"/>
+                  <a:satMod val="115000"/>
+                </a:srgbClr>
+              </a:gs>
+              <a:gs pos="50000">
+                <a:srgbClr val="00B0F0">
+                  <a:shade val="67500"/>
+                  <a:satMod val="115000"/>
+                </a:srgbClr>
+              </a:gs>
+              <a:gs pos="100000">
+                <a:srgbClr val="00B0F0">
+                  <a:shade val="100000"/>
+                  <a:satMod val="115000"/>
+                </a:srgbClr>
+              </a:gs>
+            </a:gsLst>
+            <a:path path="circle">
+              <a:fillToRect t="100000" r="100000"/>
+            </a:path>
+            <a:tileRect l="-100000" b="-100000"/>
+          </a:gradFill>
+        </p:spPr>
+        <p:txBody>
+          <a:bodyPr vert="horz" lIns="91440" tIns="45720" rIns="91440" bIns="45720" rtlCol="0" anchor="ctr">
+            <a:normAutofit fontScale="92500"/>
+          </a:bodyPr>
+          <a:lstStyle/>
+          <a:p>
+            <a:r>
+              <a:rPr lang="en-US" sz="1600" dirty="0">
+                <a:hlinkClick r:id="rId2"/>
+              </a:rPr>
+              <a:t>https://www.youtube.com/watch?v=B6aNv8nkUSw&amp;list=PLC3y8-rFHvwgg3vaYJgHGnModB54rxOk3&amp;index=33</a:t>
+            </a:r>
+            <a:endParaRPr lang="en-US" altLang="zh-TW" sz="1600" b="1" i="1" dirty="0"/>
+          </a:p>
+        </p:txBody>
+      </p:sp>
+      <p:sp>
+        <p:nvSpPr>
+          <p:cNvPr id="5" name="日期版面配置區 4"/>
+          <p:cNvSpPr>
+            <a:spLocks noGrp="1"/>
+          </p:cNvSpPr>
+          <p:nvPr>
+            <p:ph type="dt" sz="half" idx="10"/>
+          </p:nvPr>
+        </p:nvSpPr>
+        <p:spPr>
+          <a:xfrm>
+            <a:off x="457200" y="6356350"/>
+            <a:ext cx="2133600" cy="404246"/>
+          </a:xfrm>
+        </p:spPr>
+        <p:txBody>
+          <a:bodyPr/>
+          <a:lstStyle/>
+          <a:p>
+            <a:fld id="{A4F910E6-8D00-4BAF-8C48-9688E0B449D3}" type="datetime1">
+              <a:rPr lang="zh-TW" altLang="en-US" smtClean="0"/>
+              <a:pPr/>
+              <a:t>2020/5/24</a:t>
+            </a:fld>
+            <a:endParaRPr lang="zh-TW" altLang="en-US"/>
+          </a:p>
+        </p:txBody>
+      </p:sp>
+      <p:sp>
+        <p:nvSpPr>
+          <p:cNvPr id="6" name="投影片編號版面配置區 5"/>
+          <p:cNvSpPr>
+            <a:spLocks noGrp="1"/>
+          </p:cNvSpPr>
+          <p:nvPr>
+            <p:ph type="sldNum" sz="quarter" idx="12"/>
+          </p:nvPr>
+        </p:nvSpPr>
+        <p:spPr>
+          <a:xfrm>
+            <a:off x="6553200" y="6356350"/>
+            <a:ext cx="2133600" cy="404246"/>
+          </a:xfrm>
+        </p:spPr>
+        <p:txBody>
+          <a:bodyPr/>
+          <a:lstStyle/>
+          <a:p>
+            <a:fld id="{E4D7E63D-91F2-4366-A2C4-1B00C9E2590E}" type="slidenum">
+              <a:rPr lang="zh-TW" altLang="en-US" smtClean="0"/>
+              <a:pPr/>
+              <a:t>7</a:t>
+            </a:fld>
+            <a:endParaRPr lang="zh-TW" altLang="en-US"/>
+          </a:p>
+        </p:txBody>
+      </p:sp>
+      <p:pic>
+        <p:nvPicPr>
+          <p:cNvPr id="8" name="Picture 7">
+            <a:extLst>
+              <a:ext uri="{FF2B5EF4-FFF2-40B4-BE49-F238E27FC236}">
+                <a16:creationId xmlns:a16="http://schemas.microsoft.com/office/drawing/2014/main" id="{2490E74D-28D2-4DAF-970B-1CF7ACCEF2AF}"/>
+              </a:ext>
+            </a:extLst>
+          </p:cNvPr>
+          <p:cNvPicPr>
+            <a:picLocks noChangeAspect="1"/>
+          </p:cNvPicPr>
+          <p:nvPr/>
+        </p:nvPicPr>
+        <p:blipFill>
+          <a:blip r:embed="rId3"/>
+          <a:stretch>
+            <a:fillRect/>
+          </a:stretch>
+        </p:blipFill>
+        <p:spPr>
+          <a:xfrm>
+            <a:off x="4572000" y="1340768"/>
+            <a:ext cx="4104456" cy="3361912"/>
+          </a:xfrm>
+          <a:prstGeom prst="rect">
+            <a:avLst/>
+          </a:prstGeom>
+          <a:ln>
+            <a:solidFill>
+              <a:srgbClr val="C00000"/>
+            </a:solidFill>
+          </a:ln>
+        </p:spPr>
+      </p:pic>
+    </p:spTree>
+    <p:extLst>
+      <p:ext uri="{BB962C8B-B14F-4D97-AF65-F5344CB8AC3E}">
+        <p14:creationId xmlns:p14="http://schemas.microsoft.com/office/powerpoint/2010/main" val="2122006906"/>
+      </p:ext>
+    </p:extLst>
+  </p:cSld>
+  <p:clrMapOvr>
+    <a:masterClrMapping/>
+  </p:clrMapOvr>
+</p:sld>
+</file>
+
+<file path=ppt/slides/slide8.xml><?xml version="1.0" encoding="utf-8"?>
+<p:sld xmlns:a="http://schemas.openxmlformats.org/drawingml/2006/main" xmlns:r="http://schemas.openxmlformats.org/officeDocument/2006/relationships" xmlns:p="http://schemas.openxmlformats.org/presentationml/2006/main">
+  <p:cSld>
+    <p:spTree>
+      <p:nvGrpSpPr>
+        <p:cNvPr id="1" name=""/>
+        <p:cNvGrpSpPr/>
+        <p:nvPr/>
+      </p:nvGrpSpPr>
+      <p:grpSpPr>
+        <a:xfrm>
+          <a:off x="0" y="0"/>
+          <a:ext cx="0" cy="0"/>
+          <a:chOff x="0" y="0"/>
+          <a:chExt cx="0" cy="0"/>
+        </a:xfrm>
+      </p:grpSpPr>
+      <p:sp>
+        <p:nvSpPr>
+          <p:cNvPr id="2" name="標題 1"/>
+          <p:cNvSpPr>
+            <a:spLocks noGrp="1"/>
+          </p:cNvSpPr>
+          <p:nvPr>
+            <p:ph type="ctrTitle"/>
+          </p:nvPr>
+        </p:nvSpPr>
+        <p:spPr>
+          <a:xfrm>
+            <a:off x="0" y="1"/>
+            <a:ext cx="9144000" cy="764704"/>
+          </a:xfrm>
+          <a:gradFill flip="none" rotWithShape="1">
+            <a:gsLst>
+              <a:gs pos="0">
+                <a:srgbClr val="C00000">
+                  <a:shade val="30000"/>
+                  <a:satMod val="115000"/>
+                </a:srgbClr>
+              </a:gs>
+              <a:gs pos="50000">
+                <a:srgbClr val="C00000">
+                  <a:shade val="67500"/>
+                  <a:satMod val="115000"/>
+                </a:srgbClr>
+              </a:gs>
+              <a:gs pos="100000">
+                <a:srgbClr val="C00000">
+                  <a:shade val="100000"/>
+                  <a:satMod val="115000"/>
+                </a:srgbClr>
+              </a:gs>
+            </a:gsLst>
+            <a:path path="circle">
+              <a:fillToRect t="100000" r="100000"/>
+            </a:path>
+            <a:tileRect l="-100000" b="-100000"/>
+          </a:gradFill>
+        </p:spPr>
+        <p:txBody>
+          <a:bodyPr>
+            <a:normAutofit/>
+          </a:bodyPr>
+          <a:lstStyle/>
+          <a:p>
+            <a:pPr algn="l"/>
+            <a:r>
+              <a:rPr lang="en-US" altLang="zh-TW" b="1" dirty="0">
+                <a:solidFill>
+                  <a:srgbClr val="FFFF00"/>
+                </a:solidFill>
+              </a:rPr>
+              <a:t>33.1 Implement Click Counter</a:t>
+            </a:r>
+            <a:endParaRPr lang="zh-TW" altLang="en-US" b="1" dirty="0">
+              <a:solidFill>
+                <a:srgbClr val="FFFF00"/>
+              </a:solidFill>
+            </a:endParaRPr>
+          </a:p>
+        </p:txBody>
+      </p:sp>
+      <p:sp>
+        <p:nvSpPr>
+          <p:cNvPr id="3" name="副標題 2"/>
+          <p:cNvSpPr>
+            <a:spLocks noGrp="1"/>
+          </p:cNvSpPr>
+          <p:nvPr>
+            <p:ph type="subTitle" idx="1"/>
+          </p:nvPr>
+        </p:nvSpPr>
+        <p:spPr>
+          <a:xfrm>
+            <a:off x="467544" y="1340768"/>
+            <a:ext cx="8352928" cy="2409697"/>
+          </a:xfrm>
+          <a:ln>
+            <a:solidFill>
+              <a:srgbClr val="C00000"/>
+            </a:solidFill>
+          </a:ln>
+        </p:spPr>
+        <p:txBody>
+          <a:bodyPr>
+            <a:noAutofit/>
+          </a:bodyPr>
+          <a:lstStyle/>
+          <a:p>
+            <a:pPr marL="342900" indent="-342900" algn="l">
+              <a:buClr>
+                <a:srgbClr val="0070C0"/>
+              </a:buClr>
+              <a:buSzPct val="80000"/>
+              <a:buFont typeface="Wingdings" pitchFamily="2" charset="2"/>
+              <a:buChar char="u"/>
+            </a:pPr>
+            <a:r>
+              <a:rPr lang="en-US" altLang="zh-TW" sz="1800" b="1" dirty="0">
+                <a:solidFill>
+                  <a:schemeClr val="tx1"/>
+                </a:solidFill>
+                <a:latin typeface="+mj-lt"/>
+              </a:rPr>
+              <a:t>Higher Order Components</a:t>
+            </a:r>
+          </a:p>
+          <a:p>
+            <a:pPr marL="342900" indent="-342900" algn="l">
+              <a:buClr>
+                <a:srgbClr val="0070C0"/>
+              </a:buClr>
+              <a:buSzPct val="80000"/>
+              <a:buFont typeface="Wingdings" pitchFamily="2" charset="2"/>
+              <a:buChar char="u"/>
+            </a:pPr>
+            <a:r>
+              <a:rPr lang="en-US" altLang="zh-TW" sz="1800" dirty="0">
+                <a:solidFill>
+                  <a:schemeClr val="tx1"/>
+                </a:solidFill>
+                <a:latin typeface="+mj-lt"/>
+              </a:rPr>
+              <a:t>Now implement the actual counter.</a:t>
+            </a:r>
+          </a:p>
+          <a:p>
+            <a:pPr marL="342900" indent="-342900" algn="l">
+              <a:buClr>
+                <a:srgbClr val="0070C0"/>
+              </a:buClr>
+              <a:buSzPct val="80000"/>
+              <a:buFont typeface="Wingdings" pitchFamily="2" charset="2"/>
+              <a:buChar char="u"/>
+            </a:pPr>
+            <a:r>
+              <a:rPr lang="en-US" altLang="zh-TW" sz="1800" dirty="0">
+                <a:solidFill>
+                  <a:schemeClr val="tx1"/>
+                </a:solidFill>
+                <a:latin typeface="+mj-lt"/>
+              </a:rPr>
+              <a:t>Type “</a:t>
+            </a:r>
+            <a:r>
+              <a:rPr lang="en-US" altLang="zh-TW" sz="1800" dirty="0" err="1">
+                <a:solidFill>
+                  <a:schemeClr val="tx1"/>
+                </a:solidFill>
+                <a:latin typeface="+mj-lt"/>
+              </a:rPr>
+              <a:t>rconst</a:t>
+            </a:r>
+            <a:r>
+              <a:rPr lang="en-US" altLang="zh-TW" sz="1800" dirty="0">
+                <a:solidFill>
+                  <a:schemeClr val="tx1"/>
+                </a:solidFill>
+                <a:latin typeface="+mj-lt"/>
+              </a:rPr>
+              <a:t>” to add constructor. </a:t>
+            </a:r>
+          </a:p>
+          <a:p>
+            <a:pPr marL="342900" indent="-342900" algn="l">
+              <a:buClr>
+                <a:srgbClr val="0070C0"/>
+              </a:buClr>
+              <a:buSzPct val="80000"/>
+              <a:buFont typeface="Wingdings" pitchFamily="2" charset="2"/>
+              <a:buChar char="u"/>
+            </a:pPr>
+            <a:r>
+              <a:rPr lang="en-US" altLang="zh-TW" sz="1800" dirty="0">
+                <a:solidFill>
+                  <a:schemeClr val="tx1"/>
+                </a:solidFill>
+                <a:latin typeface="+mj-lt"/>
+              </a:rPr>
+              <a:t>Initialize the count to zero.</a:t>
+            </a:r>
+          </a:p>
+          <a:p>
+            <a:pPr marL="342900" indent="-342900" algn="l">
+              <a:buClr>
+                <a:srgbClr val="0070C0"/>
+              </a:buClr>
+              <a:buSzPct val="80000"/>
+              <a:buFont typeface="Wingdings" pitchFamily="2" charset="2"/>
+              <a:buChar char="u"/>
+            </a:pPr>
+            <a:r>
+              <a:rPr lang="en-US" altLang="zh-TW" sz="1800" dirty="0">
+                <a:solidFill>
+                  <a:schemeClr val="tx1"/>
+                </a:solidFill>
+                <a:latin typeface="+mj-lt"/>
+              </a:rPr>
+              <a:t>Add handler to the button. </a:t>
+            </a:r>
+          </a:p>
+          <a:p>
+            <a:pPr marL="342900" indent="-342900" algn="l">
+              <a:buClr>
+                <a:srgbClr val="0070C0"/>
+              </a:buClr>
+              <a:buSzPct val="80000"/>
+              <a:buFont typeface="Wingdings" pitchFamily="2" charset="2"/>
+              <a:buChar char="u"/>
+            </a:pPr>
+            <a:r>
+              <a:rPr lang="en-US" altLang="zh-TW" sz="1800" dirty="0">
+                <a:solidFill>
+                  <a:schemeClr val="tx1"/>
+                </a:solidFill>
+                <a:latin typeface="+mj-lt"/>
+              </a:rPr>
+              <a:t>Use </a:t>
+            </a:r>
+            <a:r>
+              <a:rPr lang="en-US" altLang="zh-TW" sz="1800" dirty="0" err="1">
+                <a:solidFill>
+                  <a:schemeClr val="tx1"/>
+                </a:solidFill>
+                <a:latin typeface="+mj-lt"/>
+              </a:rPr>
+              <a:t>prevState</a:t>
+            </a:r>
+            <a:r>
+              <a:rPr lang="en-US" altLang="zh-TW" sz="1800" dirty="0">
+                <a:solidFill>
+                  <a:schemeClr val="tx1"/>
+                </a:solidFill>
+                <a:latin typeface="+mj-lt"/>
+              </a:rPr>
+              <a:t> as parameter and return count as the new state.</a:t>
+            </a:r>
+          </a:p>
+          <a:p>
+            <a:pPr marL="342900" indent="-342900" algn="l">
+              <a:buClr>
+                <a:srgbClr val="0070C0"/>
+              </a:buClr>
+              <a:buSzPct val="80000"/>
+              <a:buFont typeface="Wingdings" pitchFamily="2" charset="2"/>
+              <a:buChar char="u"/>
+            </a:pPr>
+            <a:r>
+              <a:rPr lang="en-US" altLang="zh-TW" sz="1800" dirty="0">
+                <a:solidFill>
+                  <a:schemeClr val="tx1"/>
+                </a:solidFill>
+                <a:latin typeface="+mj-lt"/>
+              </a:rPr>
+              <a:t>In the render(), set the count to </a:t>
+            </a:r>
+            <a:r>
+              <a:rPr lang="en-US" altLang="zh-TW" sz="1800" dirty="0" err="1">
+                <a:solidFill>
+                  <a:schemeClr val="tx1"/>
+                </a:solidFill>
+                <a:latin typeface="+mj-lt"/>
+              </a:rPr>
+              <a:t>this.state</a:t>
+            </a:r>
+            <a:r>
+              <a:rPr lang="en-US" altLang="zh-TW" sz="1800" dirty="0">
+                <a:solidFill>
+                  <a:schemeClr val="tx1"/>
+                </a:solidFill>
+                <a:latin typeface="+mj-lt"/>
+              </a:rPr>
+              <a:t> and </a:t>
+            </a:r>
+            <a:r>
+              <a:rPr lang="en-US" altLang="zh-TW" sz="1800" dirty="0" err="1">
+                <a:solidFill>
+                  <a:schemeClr val="tx1"/>
+                </a:solidFill>
+                <a:latin typeface="+mj-lt"/>
+              </a:rPr>
+              <a:t>redner</a:t>
+            </a:r>
+            <a:r>
+              <a:rPr lang="en-US" altLang="zh-TW" sz="1800" dirty="0">
+                <a:solidFill>
+                  <a:schemeClr val="tx1"/>
+                </a:solidFill>
+                <a:latin typeface="+mj-lt"/>
+              </a:rPr>
+              <a:t> return { count }</a:t>
+            </a:r>
+          </a:p>
+        </p:txBody>
+      </p:sp>
+      <p:sp>
+        <p:nvSpPr>
+          <p:cNvPr id="4" name="標題 1"/>
+          <p:cNvSpPr txBox="1">
+            <a:spLocks/>
+          </p:cNvSpPr>
+          <p:nvPr/>
+        </p:nvSpPr>
+        <p:spPr>
+          <a:xfrm>
+            <a:off x="0" y="764704"/>
+            <a:ext cx="9144000" cy="398616"/>
+          </a:xfrm>
+          <a:prstGeom prst="rect">
+            <a:avLst/>
+          </a:prstGeom>
+          <a:gradFill flip="none" rotWithShape="1">
+            <a:gsLst>
+              <a:gs pos="0">
+                <a:srgbClr val="00B0F0">
+                  <a:shade val="30000"/>
+                  <a:satMod val="115000"/>
+                </a:srgbClr>
+              </a:gs>
+              <a:gs pos="50000">
+                <a:srgbClr val="00B0F0">
+                  <a:shade val="67500"/>
+                  <a:satMod val="115000"/>
+                </a:srgbClr>
+              </a:gs>
+              <a:gs pos="100000">
+                <a:srgbClr val="00B0F0">
+                  <a:shade val="100000"/>
+                  <a:satMod val="115000"/>
+                </a:srgbClr>
+              </a:gs>
+            </a:gsLst>
+            <a:path path="circle">
+              <a:fillToRect t="100000" r="100000"/>
+            </a:path>
+            <a:tileRect l="-100000" b="-100000"/>
+          </a:gradFill>
+        </p:spPr>
+        <p:txBody>
+          <a:bodyPr vert="horz" lIns="91440" tIns="45720" rIns="91440" bIns="45720" rtlCol="0" anchor="ctr">
+            <a:normAutofit fontScale="92500"/>
+          </a:bodyPr>
+          <a:lstStyle/>
+          <a:p>
+            <a:r>
+              <a:rPr lang="en-US" sz="1600" dirty="0">
+                <a:hlinkClick r:id="rId2"/>
+              </a:rPr>
+              <a:t>https://www.youtube.com/watch?v=B6aNv8nkUSw&amp;list=PLC3y8-rFHvwgg3vaYJgHGnModB54rxOk3&amp;index=33</a:t>
+            </a:r>
+            <a:endParaRPr lang="en-US" altLang="zh-TW" sz="1600" b="1" i="1" dirty="0"/>
+          </a:p>
+        </p:txBody>
+      </p:sp>
+      <p:sp>
+        <p:nvSpPr>
+          <p:cNvPr id="5" name="日期版面配置區 4"/>
+          <p:cNvSpPr>
+            <a:spLocks noGrp="1"/>
+          </p:cNvSpPr>
+          <p:nvPr>
+            <p:ph type="dt" sz="half" idx="10"/>
+          </p:nvPr>
+        </p:nvSpPr>
+        <p:spPr>
+          <a:xfrm>
+            <a:off x="457200" y="6356350"/>
+            <a:ext cx="2133600" cy="404246"/>
+          </a:xfrm>
+        </p:spPr>
+        <p:txBody>
+          <a:bodyPr/>
+          <a:lstStyle/>
+          <a:p>
+            <a:fld id="{A4F910E6-8D00-4BAF-8C48-9688E0B449D3}" type="datetime1">
+              <a:rPr lang="zh-TW" altLang="en-US" smtClean="0"/>
+              <a:pPr/>
+              <a:t>2020/5/24</a:t>
+            </a:fld>
+            <a:endParaRPr lang="zh-TW" altLang="en-US"/>
+          </a:p>
+        </p:txBody>
+      </p:sp>
+      <p:sp>
+        <p:nvSpPr>
+          <p:cNvPr id="6" name="投影片編號版面配置區 5"/>
+          <p:cNvSpPr>
+            <a:spLocks noGrp="1"/>
+          </p:cNvSpPr>
+          <p:nvPr>
+            <p:ph type="sldNum" sz="quarter" idx="12"/>
+          </p:nvPr>
+        </p:nvSpPr>
+        <p:spPr>
+          <a:xfrm>
+            <a:off x="6553200" y="6356350"/>
+            <a:ext cx="2133600" cy="404246"/>
+          </a:xfrm>
+        </p:spPr>
+        <p:txBody>
+          <a:bodyPr/>
+          <a:lstStyle/>
+          <a:p>
+            <a:fld id="{E4D7E63D-91F2-4366-A2C4-1B00C9E2590E}" type="slidenum">
+              <a:rPr lang="zh-TW" altLang="en-US" smtClean="0"/>
+              <a:pPr/>
+              <a:t>8</a:t>
+            </a:fld>
+            <a:endParaRPr lang="zh-TW" altLang="en-US"/>
+          </a:p>
+        </p:txBody>
+      </p:sp>
+      <p:pic>
+        <p:nvPicPr>
+          <p:cNvPr id="9" name="Picture 8">
+            <a:extLst>
+              <a:ext uri="{FF2B5EF4-FFF2-40B4-BE49-F238E27FC236}">
+                <a16:creationId xmlns:a16="http://schemas.microsoft.com/office/drawing/2014/main" id="{78544362-3204-4F31-8E87-0462B419C25F}"/>
+              </a:ext>
+            </a:extLst>
+          </p:cNvPr>
+          <p:cNvPicPr>
+            <a:picLocks noChangeAspect="1"/>
+          </p:cNvPicPr>
+          <p:nvPr/>
+        </p:nvPicPr>
+        <p:blipFill>
+          <a:blip r:embed="rId3"/>
+          <a:stretch>
+            <a:fillRect/>
+          </a:stretch>
+        </p:blipFill>
+        <p:spPr>
+          <a:xfrm>
+            <a:off x="1691680" y="3955929"/>
+            <a:ext cx="4743450" cy="1457325"/>
+          </a:xfrm>
+          <a:prstGeom prst="rect">
+            <a:avLst/>
+          </a:prstGeom>
+          <a:ln>
+            <a:solidFill>
+              <a:srgbClr val="C00000"/>
+            </a:solidFill>
+          </a:ln>
+        </p:spPr>
+      </p:pic>
+    </p:spTree>
+    <p:extLst>
+      <p:ext uri="{BB962C8B-B14F-4D97-AF65-F5344CB8AC3E}">
+        <p14:creationId xmlns:p14="http://schemas.microsoft.com/office/powerpoint/2010/main" val="1510471894"/>
+      </p:ext>
+    </p:extLst>
+  </p:cSld>
+  <p:clrMapOvr>
+    <a:masterClrMapping/>
+  </p:clrMapOvr>
+</p:sld>
+</file>
+
+<file path=ppt/slides/slide9.xml><?xml version="1.0" encoding="utf-8"?>
+<p:sld xmlns:a="http://schemas.openxmlformats.org/drawingml/2006/main" xmlns:r="http://schemas.openxmlformats.org/officeDocument/2006/relationships" xmlns:p="http://schemas.openxmlformats.org/presentationml/2006/main">
+  <p:cSld>
+    <p:spTree>
+      <p:nvGrpSpPr>
+        <p:cNvPr id="1" name=""/>
+        <p:cNvGrpSpPr/>
+        <p:nvPr/>
+      </p:nvGrpSpPr>
+      <p:grpSpPr>
+        <a:xfrm>
+          <a:off x="0" y="0"/>
+          <a:ext cx="0" cy="0"/>
+          <a:chOff x="0" y="0"/>
+          <a:chExt cx="0" cy="0"/>
+        </a:xfrm>
+      </p:grpSpPr>
+      <p:sp>
+        <p:nvSpPr>
+          <p:cNvPr id="2" name="標題 1"/>
+          <p:cNvSpPr>
+            <a:spLocks noGrp="1"/>
+          </p:cNvSpPr>
+          <p:nvPr>
+            <p:ph type="ctrTitle"/>
+          </p:nvPr>
+        </p:nvSpPr>
+        <p:spPr>
+          <a:xfrm>
+            <a:off x="0" y="2130425"/>
+            <a:ext cx="9144000" cy="1470025"/>
+          </a:xfrm>
+          <a:solidFill>
+            <a:srgbClr val="00B0F0"/>
+          </a:solidFill>
+        </p:spPr>
+        <p:txBody>
+          <a:bodyPr>
+            <a:normAutofit/>
+          </a:bodyPr>
+          <a:lstStyle/>
+          <a:p>
+            <a:r>
+              <a:rPr lang="en-US" altLang="zh-TW" sz="4800" b="1" dirty="0">
+                <a:solidFill>
+                  <a:srgbClr val="FFFF00"/>
+                </a:solidFill>
+              </a:rPr>
+              <a:t>33.2 Implement Hover Counter</a:t>
+            </a:r>
+            <a:endParaRPr lang="zh-TW" altLang="en-US" sz="4800" b="1" dirty="0">
+              <a:solidFill>
+                <a:srgbClr val="FFFF00"/>
+              </a:solidFill>
+            </a:endParaRPr>
+          </a:p>
+        </p:txBody>
+      </p:sp>
+      <p:sp>
+        <p:nvSpPr>
+          <p:cNvPr id="5" name="日期版面配置區 4"/>
+          <p:cNvSpPr>
+            <a:spLocks noGrp="1"/>
+          </p:cNvSpPr>
+          <p:nvPr>
+            <p:ph type="dt" sz="half" idx="10"/>
+          </p:nvPr>
+        </p:nvSpPr>
+        <p:spPr/>
+        <p:txBody>
+          <a:bodyPr/>
+          <a:lstStyle/>
+          <a:p>
+            <a:fld id="{C389EDC9-19E3-47AC-9C57-C6A24DEA81AD}" type="datetime1">
+              <a:rPr lang="zh-TW" altLang="en-US" smtClean="0"/>
+              <a:pPr/>
+              <a:t>2020/5/24</a:t>
+            </a:fld>
+            <a:endParaRPr lang="zh-TW" altLang="en-US"/>
+          </a:p>
+        </p:txBody>
+      </p:sp>
+      <p:sp>
+        <p:nvSpPr>
+          <p:cNvPr id="6" name="投影片編號版面配置區 5"/>
+          <p:cNvSpPr>
+            <a:spLocks noGrp="1"/>
+          </p:cNvSpPr>
+          <p:nvPr>
+            <p:ph type="sldNum" sz="quarter" idx="12"/>
+          </p:nvPr>
+        </p:nvSpPr>
+        <p:spPr/>
+        <p:txBody>
+          <a:bodyPr/>
+          <a:lstStyle/>
+          <a:p>
+            <a:fld id="{E4D7E63D-91F2-4366-A2C4-1B00C9E2590E}" type="slidenum">
+              <a:rPr lang="zh-TW" altLang="en-US" smtClean="0"/>
+              <a:pPr/>
+              <a:t>9</a:t>
+            </a:fld>
+            <a:endParaRPr lang="zh-TW" altLang="en-US"/>
+          </a:p>
+        </p:txBody>
+      </p:sp>
+      <p:pic>
+        <p:nvPicPr>
+          <p:cNvPr id="2050" name="Picture 2"/>
+          <p:cNvPicPr>
+            <a:picLocks noChangeAspect="1" noChangeArrowheads="1"/>
+          </p:cNvPicPr>
+          <p:nvPr/>
+        </p:nvPicPr>
+        <p:blipFill>
+          <a:blip r:embed="rId2" cstate="print"/>
+          <a:srcRect/>
+          <a:stretch>
+            <a:fillRect/>
+          </a:stretch>
+        </p:blipFill>
+        <p:spPr bwMode="auto">
+          <a:xfrm>
+            <a:off x="4283968" y="3717032"/>
+            <a:ext cx="713805" cy="644588"/>
+          </a:xfrm>
+          <a:prstGeom prst="rect">
+            <a:avLst/>
+          </a:prstGeom>
+          <a:noFill/>
+          <a:ln w="9525">
+            <a:noFill/>
+            <a:miter lim="800000"/>
+            <a:headEnd/>
+            <a:tailEnd/>
+          </a:ln>
+        </p:spPr>
+      </p:pic>
+    </p:spTree>
+    <p:extLst>
+      <p:ext uri="{BB962C8B-B14F-4D97-AF65-F5344CB8AC3E}">
+        <p14:creationId xmlns:p14="http://schemas.microsoft.com/office/powerpoint/2010/main" val="2535868833"/>
+      </p:ext>
+    </p:extLst>
   </p:cSld>
   <p:clrMapOvr>
     <a:masterClrMapping/>

--- a/33_HOC1.pptx
+++ b/33_HOC1.pptx
@@ -5,7 +5,7 @@
     <p:sldMasterId id="2147483648" r:id="rId1"/>
   </p:sldMasterIdLst>
   <p:notesMasterIdLst>
-    <p:notesMasterId r:id="rId21"/>
+    <p:notesMasterId r:id="rId23"/>
   </p:notesMasterIdLst>
   <p:sldIdLst>
     <p:sldId id="256" r:id="rId2"/>
@@ -26,7 +26,9 @@
     <p:sldId id="266" r:id="rId17"/>
     <p:sldId id="280" r:id="rId18"/>
     <p:sldId id="281" r:id="rId19"/>
-    <p:sldId id="259" r:id="rId20"/>
+    <p:sldId id="282" r:id="rId20"/>
+    <p:sldId id="283" r:id="rId21"/>
+    <p:sldId id="259" r:id="rId22"/>
   </p:sldIdLst>
   <p:sldSz cx="9144000" cy="6858000" type="screen4x3"/>
   <p:notesSz cx="6858000" cy="9144000"/>
@@ -227,7 +229,7 @@
             <a:fld id="{6837EDA8-41C8-4B24-A206-13C08A65A6D7}" type="datetimeFigureOut">
               <a:rPr lang="zh-TW" altLang="en-US" smtClean="0"/>
               <a:pPr/>
-              <a:t>2020/5/24</a:t>
+              <a:t>2020/6/28</a:t>
             </a:fld>
             <a:endParaRPr lang="zh-TW" altLang="en-US"/>
           </a:p>
@@ -680,7 +682,7 @@
             <a:fld id="{8B85509C-BD4F-47BF-9B1E-FC2E949B3621}" type="datetime1">
               <a:rPr lang="zh-TW" altLang="en-US" smtClean="0"/>
               <a:pPr/>
-              <a:t>2020/5/24</a:t>
+              <a:t>2020/6/28</a:t>
             </a:fld>
             <a:endParaRPr lang="zh-TW" altLang="en-US"/>
           </a:p>
@@ -853,7 +855,7 @@
             <a:fld id="{42251B24-F787-4C15-8A0F-7AEC20C70069}" type="datetime1">
               <a:rPr lang="zh-TW" altLang="en-US" smtClean="0"/>
               <a:pPr/>
-              <a:t>2020/5/24</a:t>
+              <a:t>2020/6/28</a:t>
             </a:fld>
             <a:endParaRPr lang="zh-TW" altLang="en-US"/>
           </a:p>
@@ -1028,7 +1030,7 @@
             <a:fld id="{9CA0D33C-CE2B-45F1-B8D4-FFD1F131F331}" type="datetime1">
               <a:rPr lang="zh-TW" altLang="en-US" smtClean="0"/>
               <a:pPr/>
-              <a:t>2020/5/24</a:t>
+              <a:t>2020/6/28</a:t>
             </a:fld>
             <a:endParaRPr lang="zh-TW" altLang="en-US"/>
           </a:p>
@@ -1193,7 +1195,7 @@
             <a:fld id="{50B99440-D9EF-40CC-9B52-F6428D9B2C76}" type="datetime1">
               <a:rPr lang="zh-TW" altLang="en-US" smtClean="0"/>
               <a:pPr/>
-              <a:t>2020/5/24</a:t>
+              <a:t>2020/6/28</a:t>
             </a:fld>
             <a:endParaRPr lang="zh-TW" altLang="en-US"/>
           </a:p>
@@ -1435,7 +1437,7 @@
             <a:fld id="{0871BF52-5C6C-4959-8E27-CECB68D39FE4}" type="datetime1">
               <a:rPr lang="zh-TW" altLang="en-US" smtClean="0"/>
               <a:pPr/>
-              <a:t>2020/5/24</a:t>
+              <a:t>2020/6/28</a:t>
             </a:fld>
             <a:endParaRPr lang="zh-TW" altLang="en-US"/>
           </a:p>
@@ -1717,7 +1719,7 @@
             <a:fld id="{DF863F05-2DD9-4EB1-A827-12FD992DE9DC}" type="datetime1">
               <a:rPr lang="zh-TW" altLang="en-US" smtClean="0"/>
               <a:pPr/>
-              <a:t>2020/5/24</a:t>
+              <a:t>2020/6/28</a:t>
             </a:fld>
             <a:endParaRPr lang="zh-TW" altLang="en-US"/>
           </a:p>
@@ -2133,7 +2135,7 @@
             <a:fld id="{6339AF51-4491-4873-A096-75DB6CE47516}" type="datetime1">
               <a:rPr lang="zh-TW" altLang="en-US" smtClean="0"/>
               <a:pPr/>
-              <a:t>2020/5/24</a:t>
+              <a:t>2020/6/28</a:t>
             </a:fld>
             <a:endParaRPr lang="zh-TW" altLang="en-US"/>
           </a:p>
@@ -2247,7 +2249,7 @@
             <a:fld id="{EE4AD9C8-8B9E-40FF-ABE2-858AC2057BBB}" type="datetime1">
               <a:rPr lang="zh-TW" altLang="en-US" smtClean="0"/>
               <a:pPr/>
-              <a:t>2020/5/24</a:t>
+              <a:t>2020/6/28</a:t>
             </a:fld>
             <a:endParaRPr lang="zh-TW" altLang="en-US"/>
           </a:p>
@@ -2339,7 +2341,7 @@
             <a:fld id="{B4784999-BBBE-4BE4-A8D0-877E7D1D66CC}" type="datetime1">
               <a:rPr lang="zh-TW" altLang="en-US" smtClean="0"/>
               <a:pPr/>
-              <a:t>2020/5/24</a:t>
+              <a:t>2020/6/28</a:t>
             </a:fld>
             <a:endParaRPr lang="zh-TW" altLang="en-US"/>
           </a:p>
@@ -2611,7 +2613,7 @@
             <a:fld id="{E88D17E6-02BD-4944-B9FE-7BFCCBF83D48}" type="datetime1">
               <a:rPr lang="zh-TW" altLang="en-US" smtClean="0"/>
               <a:pPr/>
-              <a:t>2020/5/24</a:t>
+              <a:t>2020/6/28</a:t>
             </a:fld>
             <a:endParaRPr lang="zh-TW" altLang="en-US"/>
           </a:p>
@@ -2860,7 +2862,7 @@
             <a:fld id="{3C13E23D-1FEF-4D78-A3A3-3D6F2BB31954}" type="datetime1">
               <a:rPr lang="zh-TW" altLang="en-US" smtClean="0"/>
               <a:pPr/>
-              <a:t>2020/5/24</a:t>
+              <a:t>2020/6/28</a:t>
             </a:fld>
             <a:endParaRPr lang="zh-TW" altLang="en-US"/>
           </a:p>
@@ -3068,7 +3070,7 @@
             <a:fld id="{06197F35-AD6F-4594-8B50-334492D2E7E8}" type="datetime1">
               <a:rPr lang="zh-TW" altLang="en-US" smtClean="0"/>
               <a:pPr/>
-              <a:t>2020/5/24</a:t>
+              <a:t>2020/6/28</a:t>
             </a:fld>
             <a:endParaRPr lang="zh-TW" altLang="en-US"/>
           </a:p>
@@ -3529,7 +3531,7 @@
             <a:fld id="{C389EDC9-19E3-47AC-9C57-C6A24DEA81AD}" type="datetime1">
               <a:rPr lang="zh-TW" altLang="en-US" smtClean="0"/>
               <a:pPr/>
-              <a:t>2020/5/24</a:t>
+              <a:t>2020/6/28</a:t>
             </a:fld>
             <a:endParaRPr lang="zh-TW" altLang="en-US"/>
           </a:p>
@@ -3959,7 +3961,7 @@
             <a:fld id="{A4F910E6-8D00-4BAF-8C48-9688E0B449D3}" type="datetime1">
               <a:rPr lang="zh-TW" altLang="en-US" smtClean="0"/>
               <a:pPr/>
-              <a:t>2020/5/24</a:t>
+              <a:t>2020/6/28</a:t>
             </a:fld>
             <a:endParaRPr lang="zh-TW" altLang="en-US"/>
           </a:p>
@@ -4290,7 +4292,7 @@
             <a:fld id="{A4F910E6-8D00-4BAF-8C48-9688E0B449D3}" type="datetime1">
               <a:rPr lang="zh-TW" altLang="en-US" smtClean="0"/>
               <a:pPr/>
-              <a:t>2020/5/24</a:t>
+              <a:t>2020/6/28</a:t>
             </a:fld>
             <a:endParaRPr lang="zh-TW" altLang="en-US"/>
           </a:p>
@@ -4484,7 +4486,7 @@
             <a:fld id="{C389EDC9-19E3-47AC-9C57-C6A24DEA81AD}" type="datetime1">
               <a:rPr lang="zh-TW" altLang="en-US" smtClean="0"/>
               <a:pPr/>
-              <a:t>2020/5/24</a:t>
+              <a:t>2020/6/28</a:t>
             </a:fld>
             <a:endParaRPr lang="zh-TW" altLang="en-US"/>
           </a:p>
@@ -4846,7 +4848,7 @@
             <a:fld id="{A4F910E6-8D00-4BAF-8C48-9688E0B449D3}" type="datetime1">
               <a:rPr lang="zh-TW" altLang="en-US" smtClean="0"/>
               <a:pPr/>
-              <a:t>2020/5/24</a:t>
+              <a:t>2020/6/28</a:t>
             </a:fld>
             <a:endParaRPr lang="zh-TW" altLang="en-US"/>
           </a:p>
@@ -4970,7 +4972,7 @@
             <a:fld id="{C389EDC9-19E3-47AC-9C57-C6A24DEA81AD}" type="datetime1">
               <a:rPr lang="zh-TW" altLang="en-US" smtClean="0"/>
               <a:pPr/>
-              <a:t>2020/5/24</a:t>
+              <a:t>2020/6/28</a:t>
             </a:fld>
             <a:endParaRPr lang="zh-TW" altLang="en-US"/>
           </a:p>
@@ -5457,7 +5459,7 @@
             <a:fld id="{A4F910E6-8D00-4BAF-8C48-9688E0B449D3}" type="datetime1">
               <a:rPr lang="zh-TW" altLang="en-US" smtClean="0"/>
               <a:pPr/>
-              <a:t>2020/5/24</a:t>
+              <a:t>2020/6/28</a:t>
             </a:fld>
             <a:endParaRPr lang="zh-TW" altLang="en-US"/>
           </a:p>
@@ -6580,7 +6582,7 @@
             <a:fld id="{A4F910E6-8D00-4BAF-8C48-9688E0B449D3}" type="datetime1">
               <a:rPr lang="zh-TW" altLang="en-US" smtClean="0"/>
               <a:pPr/>
-              <a:t>2020/5/24</a:t>
+              <a:t>2020/6/28</a:t>
             </a:fld>
             <a:endParaRPr lang="zh-TW" altLang="en-US"/>
           </a:p>
@@ -7275,7 +7277,7 @@
             <a:fld id="{C389EDC9-19E3-47AC-9C57-C6A24DEA81AD}" type="datetime1">
               <a:rPr lang="zh-TW" altLang="en-US" smtClean="0"/>
               <a:pPr/>
-              <a:t>2020/5/24</a:t>
+              <a:t>2020/6/28</a:t>
             </a:fld>
             <a:endParaRPr lang="zh-TW" altLang="en-US"/>
           </a:p>
@@ -7664,7 +7666,7 @@
             <a:fld id="{A4F910E6-8D00-4BAF-8C48-9688E0B449D3}" type="datetime1">
               <a:rPr lang="zh-TW" altLang="en-US" smtClean="0"/>
               <a:pPr/>
-              <a:t>2020/5/24</a:t>
+              <a:t>2020/6/28</a:t>
             </a:fld>
             <a:endParaRPr lang="zh-TW" altLang="en-US"/>
           </a:p>
@@ -8315,32 +8317,9 @@
             <a:off x="0" y="2130425"/>
             <a:ext cx="9144000" cy="1470025"/>
           </a:xfrm>
-          <a:gradFill flip="none" rotWithShape="1">
-            <a:gsLst>
-              <a:gs pos="0">
-                <a:srgbClr val="00B0F0">
-                  <a:shade val="30000"/>
-                  <a:satMod val="115000"/>
-                </a:srgbClr>
-              </a:gs>
-              <a:gs pos="50000">
-                <a:srgbClr val="00B0F0">
-                  <a:shade val="67500"/>
-                  <a:satMod val="115000"/>
-                </a:srgbClr>
-              </a:gs>
-              <a:gs pos="100000">
-                <a:srgbClr val="00B0F0">
-                  <a:shade val="100000"/>
-                  <a:satMod val="115000"/>
-                </a:srgbClr>
-              </a:gs>
-            </a:gsLst>
-            <a:path path="circle">
-              <a:fillToRect t="100000" r="100000"/>
-            </a:path>
-            <a:tileRect l="-100000" b="-100000"/>
-          </a:gradFill>
+          <a:solidFill>
+            <a:srgbClr val="00B0F0"/>
+          </a:solidFill>
         </p:spPr>
         <p:txBody>
           <a:bodyPr>
@@ -8349,14 +8328,14 @@
           <a:lstStyle/>
           <a:p>
             <a:r>
-              <a:rPr lang="en-US" altLang="zh-TW" sz="6000" b="1" dirty="0">
+              <a:rPr lang="en-US" altLang="zh-TW" sz="4800" b="1" dirty="0">
                 <a:solidFill>
                   <a:srgbClr val="FFFF00"/>
                 </a:solidFill>
               </a:rPr>
-              <a:t>End of Chapter</a:t>
-            </a:r>
-            <a:endParaRPr lang="zh-TW" altLang="en-US" sz="6000" b="1" dirty="0">
+              <a:t>33.6 Quiz</a:t>
+            </a:r>
+            <a:endParaRPr lang="zh-TW" altLang="en-US" sz="4800" b="1" dirty="0">
               <a:solidFill>
                 <a:srgbClr val="FFFF00"/>
               </a:solidFill>
@@ -8379,10 +8358,10 @@
           <a:bodyPr/>
           <a:lstStyle/>
           <a:p>
-            <a:fld id="{4E46BE27-E923-4EC2-B046-3272AE2A3E5C}" type="datetime1">
+            <a:fld id="{C389EDC9-19E3-47AC-9C57-C6A24DEA81AD}" type="datetime1">
               <a:rPr lang="zh-TW" altLang="en-US" smtClean="0"/>
               <a:pPr/>
-              <a:t>2020/5/24</a:t>
+              <a:t>2020/6/28</a:t>
             </a:fld>
             <a:endParaRPr lang="zh-TW" altLang="en-US"/>
           </a:p>
@@ -8412,7 +8391,44 @@
           </a:p>
         </p:txBody>
       </p:sp>
+      <p:pic>
+        <p:nvPicPr>
+          <p:cNvPr id="2050" name="Picture 2"/>
+          <p:cNvPicPr>
+            <a:picLocks noChangeAspect="1" noChangeArrowheads="1"/>
+          </p:cNvPicPr>
+          <p:nvPr/>
+        </p:nvPicPr>
+        <p:blipFill>
+          <a:blip r:embed="rId2" cstate="print"/>
+          <a:srcRect/>
+          <a:stretch>
+            <a:fillRect/>
+          </a:stretch>
+        </p:blipFill>
+        <p:spPr bwMode="auto">
+          <a:xfrm>
+            <a:off x="4283968" y="3717032"/>
+            <a:ext cx="713805" cy="644588"/>
+          </a:xfrm>
+          <a:prstGeom prst="rect">
+            <a:avLst/>
+          </a:prstGeom>
+          <a:noFill/>
+          <a:ln w="9525">
+            <a:noFill/>
+            <a:miter lim="800000"/>
+            <a:headEnd/>
+            <a:tailEnd/>
+          </a:ln>
+        </p:spPr>
+      </p:pic>
     </p:spTree>
+    <p:extLst>
+      <p:ext uri="{BB962C8B-B14F-4D97-AF65-F5344CB8AC3E}">
+        <p14:creationId xmlns:p14="http://schemas.microsoft.com/office/powerpoint/2010/main" val="849018488"/>
+      </p:ext>
+    </p:extLst>
   </p:cSld>
   <p:clrMapOvr>
     <a:masterClrMapping/>
@@ -8724,7 +8740,7 @@
             <a:fld id="{A4F910E6-8D00-4BAF-8C48-9688E0B449D3}" type="datetime1">
               <a:rPr lang="zh-TW" altLang="en-US" smtClean="0"/>
               <a:pPr/>
-              <a:t>2020/5/24</a:t>
+              <a:t>2020/6/28</a:t>
             </a:fld>
             <a:endParaRPr lang="zh-TW" altLang="en-US"/>
           </a:p>
@@ -8754,6 +8770,440 @@
               <a:rPr lang="zh-TW" altLang="en-US" smtClean="0"/>
               <a:pPr/>
               <a:t>2</a:t>
+            </a:fld>
+            <a:endParaRPr lang="zh-TW" altLang="en-US"/>
+          </a:p>
+        </p:txBody>
+      </p:sp>
+    </p:spTree>
+  </p:cSld>
+  <p:clrMapOvr>
+    <a:masterClrMapping/>
+  </p:clrMapOvr>
+</p:sld>
+</file>
+
+<file path=ppt/slides/slide20.xml><?xml version="1.0" encoding="utf-8"?>
+<p:sld xmlns:a="http://schemas.openxmlformats.org/drawingml/2006/main" xmlns:r="http://schemas.openxmlformats.org/officeDocument/2006/relationships" xmlns:p="http://schemas.openxmlformats.org/presentationml/2006/main">
+  <p:cSld>
+    <p:spTree>
+      <p:nvGrpSpPr>
+        <p:cNvPr id="1" name=""/>
+        <p:cNvGrpSpPr/>
+        <p:nvPr/>
+      </p:nvGrpSpPr>
+      <p:grpSpPr>
+        <a:xfrm>
+          <a:off x="0" y="0"/>
+          <a:ext cx="0" cy="0"/>
+          <a:chOff x="0" y="0"/>
+          <a:chExt cx="0" cy="0"/>
+        </a:xfrm>
+      </p:grpSpPr>
+      <p:sp>
+        <p:nvSpPr>
+          <p:cNvPr id="2" name="標題 1"/>
+          <p:cNvSpPr>
+            <a:spLocks noGrp="1"/>
+          </p:cNvSpPr>
+          <p:nvPr>
+            <p:ph type="ctrTitle"/>
+          </p:nvPr>
+        </p:nvSpPr>
+        <p:spPr>
+          <a:xfrm>
+            <a:off x="0" y="1"/>
+            <a:ext cx="9144000" cy="764704"/>
+          </a:xfrm>
+          <a:gradFill flip="none" rotWithShape="1">
+            <a:gsLst>
+              <a:gs pos="0">
+                <a:srgbClr val="C00000">
+                  <a:shade val="30000"/>
+                  <a:satMod val="115000"/>
+                </a:srgbClr>
+              </a:gs>
+              <a:gs pos="50000">
+                <a:srgbClr val="C00000">
+                  <a:shade val="67500"/>
+                  <a:satMod val="115000"/>
+                </a:srgbClr>
+              </a:gs>
+              <a:gs pos="100000">
+                <a:srgbClr val="C00000">
+                  <a:shade val="100000"/>
+                  <a:satMod val="115000"/>
+                </a:srgbClr>
+              </a:gs>
+            </a:gsLst>
+            <a:path path="circle">
+              <a:fillToRect t="100000" r="100000"/>
+            </a:path>
+            <a:tileRect l="-100000" b="-100000"/>
+          </a:gradFill>
+        </p:spPr>
+        <p:txBody>
+          <a:bodyPr>
+            <a:normAutofit/>
+          </a:bodyPr>
+          <a:lstStyle/>
+          <a:p>
+            <a:pPr algn="l"/>
+            <a:r>
+              <a:rPr lang="en-US" altLang="zh-TW" b="1" dirty="0">
+                <a:solidFill>
+                  <a:srgbClr val="FFFF00"/>
+                </a:solidFill>
+              </a:rPr>
+              <a:t>33.6 Quiz</a:t>
+            </a:r>
+            <a:endParaRPr lang="zh-TW" altLang="en-US" b="1" dirty="0">
+              <a:solidFill>
+                <a:srgbClr val="FFFF00"/>
+              </a:solidFill>
+            </a:endParaRPr>
+          </a:p>
+        </p:txBody>
+      </p:sp>
+      <p:sp>
+        <p:nvSpPr>
+          <p:cNvPr id="3" name="副標題 2"/>
+          <p:cNvSpPr>
+            <a:spLocks noGrp="1"/>
+          </p:cNvSpPr>
+          <p:nvPr>
+            <p:ph type="subTitle" idx="1"/>
+          </p:nvPr>
+        </p:nvSpPr>
+        <p:spPr>
+          <a:xfrm>
+            <a:off x="467544" y="1340768"/>
+            <a:ext cx="8352928" cy="1080120"/>
+          </a:xfrm>
+          <a:ln>
+            <a:solidFill>
+              <a:srgbClr val="C00000"/>
+            </a:solidFill>
+          </a:ln>
+        </p:spPr>
+        <p:txBody>
+          <a:bodyPr>
+            <a:noAutofit/>
+          </a:bodyPr>
+          <a:lstStyle/>
+          <a:p>
+            <a:pPr marL="342900" indent="-342900" algn="l">
+              <a:buClr>
+                <a:srgbClr val="0070C0"/>
+              </a:buClr>
+              <a:buSzPct val="80000"/>
+              <a:buFont typeface="Wingdings" pitchFamily="2" charset="2"/>
+              <a:buChar char="u"/>
+            </a:pPr>
+            <a:r>
+              <a:rPr lang="en-US" altLang="zh-TW" sz="1800" b="1" dirty="0">
+                <a:solidFill>
+                  <a:schemeClr val="tx1"/>
+                </a:solidFill>
+                <a:latin typeface="+mj-lt"/>
+              </a:rPr>
+              <a:t>Quiz</a:t>
+            </a:r>
+          </a:p>
+          <a:p>
+            <a:pPr marL="342900" indent="-342900" algn="l">
+              <a:buClr>
+                <a:srgbClr val="0070C0"/>
+              </a:buClr>
+              <a:buSzPct val="80000"/>
+              <a:buFont typeface="Wingdings" pitchFamily="2" charset="2"/>
+              <a:buChar char="u"/>
+            </a:pPr>
+            <a:r>
+              <a:rPr lang="en-US" altLang="zh-TW" sz="1800" dirty="0">
+                <a:solidFill>
+                  <a:schemeClr val="tx1"/>
+                </a:solidFill>
+                <a:latin typeface="+mj-lt"/>
+              </a:rPr>
+              <a:t>1. What is HOC?</a:t>
+            </a:r>
+          </a:p>
+          <a:p>
+            <a:pPr marL="342900" indent="-342900" algn="l">
+              <a:buClr>
+                <a:srgbClr val="0070C0"/>
+              </a:buClr>
+              <a:buSzPct val="80000"/>
+              <a:buFont typeface="Wingdings" pitchFamily="2" charset="2"/>
+              <a:buChar char="u"/>
+            </a:pPr>
+            <a:r>
+              <a:rPr lang="en-US" altLang="zh-TW" sz="1800" dirty="0">
+                <a:solidFill>
+                  <a:schemeClr val="tx1"/>
+                </a:solidFill>
+                <a:latin typeface="+mj-lt"/>
+              </a:rPr>
+              <a:t>Ans: Share the same functionality between the components.</a:t>
+            </a:r>
+          </a:p>
+        </p:txBody>
+      </p:sp>
+      <p:sp>
+        <p:nvSpPr>
+          <p:cNvPr id="4" name="標題 1"/>
+          <p:cNvSpPr txBox="1">
+            <a:spLocks/>
+          </p:cNvSpPr>
+          <p:nvPr/>
+        </p:nvSpPr>
+        <p:spPr>
+          <a:xfrm>
+            <a:off x="0" y="764704"/>
+            <a:ext cx="9144000" cy="398616"/>
+          </a:xfrm>
+          <a:prstGeom prst="rect">
+            <a:avLst/>
+          </a:prstGeom>
+          <a:gradFill flip="none" rotWithShape="1">
+            <a:gsLst>
+              <a:gs pos="0">
+                <a:srgbClr val="00B0F0">
+                  <a:shade val="30000"/>
+                  <a:satMod val="115000"/>
+                </a:srgbClr>
+              </a:gs>
+              <a:gs pos="50000">
+                <a:srgbClr val="00B0F0">
+                  <a:shade val="67500"/>
+                  <a:satMod val="115000"/>
+                </a:srgbClr>
+              </a:gs>
+              <a:gs pos="100000">
+                <a:srgbClr val="00B0F0">
+                  <a:shade val="100000"/>
+                  <a:satMod val="115000"/>
+                </a:srgbClr>
+              </a:gs>
+            </a:gsLst>
+            <a:path path="circle">
+              <a:fillToRect t="100000" r="100000"/>
+            </a:path>
+            <a:tileRect l="-100000" b="-100000"/>
+          </a:gradFill>
+        </p:spPr>
+        <p:txBody>
+          <a:bodyPr vert="horz" lIns="91440" tIns="45720" rIns="91440" bIns="45720" rtlCol="0" anchor="ctr">
+            <a:normAutofit fontScale="92500"/>
+          </a:bodyPr>
+          <a:lstStyle/>
+          <a:p>
+            <a:r>
+              <a:rPr lang="en-US" sz="1600" dirty="0">
+                <a:hlinkClick r:id="rId2"/>
+              </a:rPr>
+              <a:t>https://www.youtube.com/watch?v=B6aNv8nkUSw&amp;list=PLC3y8-rFHvwgg3vaYJgHGnModB54rxOk3&amp;index=33</a:t>
+            </a:r>
+            <a:endParaRPr lang="en-US" altLang="zh-TW" sz="1600" b="1" i="1" dirty="0"/>
+          </a:p>
+        </p:txBody>
+      </p:sp>
+      <p:sp>
+        <p:nvSpPr>
+          <p:cNvPr id="5" name="日期版面配置區 4"/>
+          <p:cNvSpPr>
+            <a:spLocks noGrp="1"/>
+          </p:cNvSpPr>
+          <p:nvPr>
+            <p:ph type="dt" sz="half" idx="10"/>
+          </p:nvPr>
+        </p:nvSpPr>
+        <p:spPr>
+          <a:xfrm>
+            <a:off x="457200" y="6356350"/>
+            <a:ext cx="2133600" cy="404246"/>
+          </a:xfrm>
+        </p:spPr>
+        <p:txBody>
+          <a:bodyPr/>
+          <a:lstStyle/>
+          <a:p>
+            <a:fld id="{A4F910E6-8D00-4BAF-8C48-9688E0B449D3}" type="datetime1">
+              <a:rPr lang="zh-TW" altLang="en-US" smtClean="0"/>
+              <a:pPr/>
+              <a:t>2020/6/28</a:t>
+            </a:fld>
+            <a:endParaRPr lang="zh-TW" altLang="en-US"/>
+          </a:p>
+        </p:txBody>
+      </p:sp>
+      <p:sp>
+        <p:nvSpPr>
+          <p:cNvPr id="6" name="投影片編號版面配置區 5"/>
+          <p:cNvSpPr>
+            <a:spLocks noGrp="1"/>
+          </p:cNvSpPr>
+          <p:nvPr>
+            <p:ph type="sldNum" sz="quarter" idx="12"/>
+          </p:nvPr>
+        </p:nvSpPr>
+        <p:spPr>
+          <a:xfrm>
+            <a:off x="6553200" y="6356350"/>
+            <a:ext cx="2133600" cy="404246"/>
+          </a:xfrm>
+        </p:spPr>
+        <p:txBody>
+          <a:bodyPr/>
+          <a:lstStyle/>
+          <a:p>
+            <a:fld id="{E4D7E63D-91F2-4366-A2C4-1B00C9E2590E}" type="slidenum">
+              <a:rPr lang="zh-TW" altLang="en-US" smtClean="0"/>
+              <a:pPr/>
+              <a:t>20</a:t>
+            </a:fld>
+            <a:endParaRPr lang="zh-TW" altLang="en-US"/>
+          </a:p>
+        </p:txBody>
+      </p:sp>
+    </p:spTree>
+    <p:extLst>
+      <p:ext uri="{BB962C8B-B14F-4D97-AF65-F5344CB8AC3E}">
+        <p14:creationId xmlns:p14="http://schemas.microsoft.com/office/powerpoint/2010/main" val="2788131013"/>
+      </p:ext>
+    </p:extLst>
+  </p:cSld>
+  <p:clrMapOvr>
+    <a:masterClrMapping/>
+  </p:clrMapOvr>
+</p:sld>
+</file>
+
+<file path=ppt/slides/slide21.xml><?xml version="1.0" encoding="utf-8"?>
+<p:sld xmlns:a="http://schemas.openxmlformats.org/drawingml/2006/main" xmlns:r="http://schemas.openxmlformats.org/officeDocument/2006/relationships" xmlns:p="http://schemas.openxmlformats.org/presentationml/2006/main">
+  <p:cSld>
+    <p:spTree>
+      <p:nvGrpSpPr>
+        <p:cNvPr id="1" name=""/>
+        <p:cNvGrpSpPr/>
+        <p:nvPr/>
+      </p:nvGrpSpPr>
+      <p:grpSpPr>
+        <a:xfrm>
+          <a:off x="0" y="0"/>
+          <a:ext cx="0" cy="0"/>
+          <a:chOff x="0" y="0"/>
+          <a:chExt cx="0" cy="0"/>
+        </a:xfrm>
+      </p:grpSpPr>
+      <p:sp>
+        <p:nvSpPr>
+          <p:cNvPr id="2" name="標題 1"/>
+          <p:cNvSpPr>
+            <a:spLocks noGrp="1"/>
+          </p:cNvSpPr>
+          <p:nvPr>
+            <p:ph type="ctrTitle"/>
+          </p:nvPr>
+        </p:nvSpPr>
+        <p:spPr>
+          <a:xfrm>
+            <a:off x="0" y="2130425"/>
+            <a:ext cx="9144000" cy="1470025"/>
+          </a:xfrm>
+          <a:gradFill flip="none" rotWithShape="1">
+            <a:gsLst>
+              <a:gs pos="0">
+                <a:srgbClr val="00B0F0">
+                  <a:shade val="30000"/>
+                  <a:satMod val="115000"/>
+                </a:srgbClr>
+              </a:gs>
+              <a:gs pos="50000">
+                <a:srgbClr val="00B0F0">
+                  <a:shade val="67500"/>
+                  <a:satMod val="115000"/>
+                </a:srgbClr>
+              </a:gs>
+              <a:gs pos="100000">
+                <a:srgbClr val="00B0F0">
+                  <a:shade val="100000"/>
+                  <a:satMod val="115000"/>
+                </a:srgbClr>
+              </a:gs>
+            </a:gsLst>
+            <a:path path="circle">
+              <a:fillToRect t="100000" r="100000"/>
+            </a:path>
+            <a:tileRect l="-100000" b="-100000"/>
+          </a:gradFill>
+        </p:spPr>
+        <p:txBody>
+          <a:bodyPr>
+            <a:normAutofit/>
+          </a:bodyPr>
+          <a:lstStyle/>
+          <a:p>
+            <a:r>
+              <a:rPr lang="en-US" altLang="zh-TW" sz="6000" b="1" dirty="0">
+                <a:solidFill>
+                  <a:srgbClr val="FFFF00"/>
+                </a:solidFill>
+              </a:rPr>
+              <a:t>End of Chapter</a:t>
+            </a:r>
+            <a:endParaRPr lang="zh-TW" altLang="en-US" sz="6000" b="1" dirty="0">
+              <a:solidFill>
+                <a:srgbClr val="FFFF00"/>
+              </a:solidFill>
+            </a:endParaRPr>
+          </a:p>
+        </p:txBody>
+      </p:sp>
+      <p:sp>
+        <p:nvSpPr>
+          <p:cNvPr id="5" name="日期版面配置區 4"/>
+          <p:cNvSpPr>
+            <a:spLocks noGrp="1"/>
+          </p:cNvSpPr>
+          <p:nvPr>
+            <p:ph type="dt" sz="half" idx="10"/>
+          </p:nvPr>
+        </p:nvSpPr>
+        <p:spPr/>
+        <p:txBody>
+          <a:bodyPr/>
+          <a:lstStyle/>
+          <a:p>
+            <a:fld id="{4E46BE27-E923-4EC2-B046-3272AE2A3E5C}" type="datetime1">
+              <a:rPr lang="zh-TW" altLang="en-US" smtClean="0"/>
+              <a:pPr/>
+              <a:t>2020/6/28</a:t>
+            </a:fld>
+            <a:endParaRPr lang="zh-TW" altLang="en-US"/>
+          </a:p>
+        </p:txBody>
+      </p:sp>
+      <p:sp>
+        <p:nvSpPr>
+          <p:cNvPr id="6" name="投影片編號版面配置區 5"/>
+          <p:cNvSpPr>
+            <a:spLocks noGrp="1"/>
+          </p:cNvSpPr>
+          <p:nvPr>
+            <p:ph type="sldNum" sz="quarter" idx="12"/>
+          </p:nvPr>
+        </p:nvSpPr>
+        <p:spPr/>
+        <p:txBody>
+          <a:bodyPr/>
+          <a:lstStyle/>
+          <a:p>
+            <a:fld id="{E4D7E63D-91F2-4366-A2C4-1B00C9E2590E}" type="slidenum">
+              <a:rPr lang="zh-TW" altLang="en-US" smtClean="0"/>
+              <a:pPr/>
+              <a:t>21</a:t>
             </a:fld>
             <a:endParaRPr lang="zh-TW" altLang="en-US"/>
           </a:p>
@@ -8843,7 +9293,7 @@
             <a:fld id="{C389EDC9-19E3-47AC-9C57-C6A24DEA81AD}" type="datetime1">
               <a:rPr lang="zh-TW" altLang="en-US" smtClean="0"/>
               <a:pPr/>
-              <a:t>2020/5/24</a:t>
+              <a:t>2020/6/28</a:t>
             </a:fld>
             <a:endParaRPr lang="zh-TW" altLang="en-US"/>
           </a:p>
@@ -9153,7 +9603,7 @@
             <a:fld id="{A4F910E6-8D00-4BAF-8C48-9688E0B449D3}" type="datetime1">
               <a:rPr lang="zh-TW" altLang="en-US" smtClean="0"/>
               <a:pPr/>
-              <a:t>2020/5/24</a:t>
+              <a:t>2020/6/28</a:t>
             </a:fld>
             <a:endParaRPr lang="zh-TW" altLang="en-US"/>
           </a:p>
@@ -9507,7 +9957,7 @@
             <a:fld id="{A4F910E6-8D00-4BAF-8C48-9688E0B449D3}" type="datetime1">
               <a:rPr lang="zh-TW" altLang="en-US" smtClean="0"/>
               <a:pPr/>
-              <a:t>2020/5/24</a:t>
+              <a:t>2020/6/28</a:t>
             </a:fld>
             <a:endParaRPr lang="zh-TW" altLang="en-US"/>
           </a:p>
@@ -9843,7 +10293,7 @@
             <a:fld id="{A4F910E6-8D00-4BAF-8C48-9688E0B449D3}" type="datetime1">
               <a:rPr lang="zh-TW" altLang="en-US" smtClean="0"/>
               <a:pPr/>
-              <a:t>2020/5/24</a:t>
+              <a:t>2020/6/28</a:t>
             </a:fld>
             <a:endParaRPr lang="zh-TW" altLang="en-US"/>
           </a:p>
@@ -10218,25 +10668,7 @@
                 </a:solidFill>
                 <a:latin typeface="+mj-lt"/>
               </a:rPr>
-              <a:t> and </a:t>
-            </a:r>
-            <a:r>
-              <a:rPr lang="en-US" altLang="zh-TW" sz="1800" dirty="0" err="1">
-                <a:solidFill>
-                  <a:schemeClr val="tx1"/>
-                </a:solidFill>
-                <a:latin typeface="+mj-lt"/>
-              </a:rPr>
-              <a:t>redner</a:t>
-            </a:r>
-            <a:r>
-              <a:rPr lang="en-US" altLang="zh-TW" sz="1800" dirty="0">
-                <a:solidFill>
-                  <a:schemeClr val="tx1"/>
-                </a:solidFill>
-                <a:latin typeface="+mj-lt"/>
-              </a:rPr>
-              <a:t> return { count }</a:t>
+              <a:t> and render return { count }</a:t>
             </a:r>
             <a:endParaRPr lang="en-US" altLang="zh-TW" sz="1800" dirty="0">
               <a:solidFill>
@@ -10328,7 +10760,7 @@
             <a:fld id="{A4F910E6-8D00-4BAF-8C48-9688E0B449D3}" type="datetime1">
               <a:rPr lang="zh-TW" altLang="en-US" smtClean="0"/>
               <a:pPr/>
-              <a:t>2020/5/24</a:t>
+              <a:t>2020/6/28</a:t>
             </a:fld>
             <a:endParaRPr lang="zh-TW" altLang="en-US"/>
           </a:p>
@@ -10703,25 +11135,7 @@
                 </a:solidFill>
                 <a:latin typeface="+mj-lt"/>
               </a:rPr>
-              <a:t> and </a:t>
-            </a:r>
-            <a:r>
-              <a:rPr lang="en-US" altLang="zh-TW" sz="1800" dirty="0" err="1">
-                <a:solidFill>
-                  <a:schemeClr val="tx1"/>
-                </a:solidFill>
-                <a:latin typeface="+mj-lt"/>
-              </a:rPr>
-              <a:t>redner</a:t>
-            </a:r>
-            <a:r>
-              <a:rPr lang="en-US" altLang="zh-TW" sz="1800" dirty="0">
-                <a:solidFill>
-                  <a:schemeClr val="tx1"/>
-                </a:solidFill>
-                <a:latin typeface="+mj-lt"/>
-              </a:rPr>
-              <a:t> return { count }</a:t>
+              <a:t> and render return { count }</a:t>
             </a:r>
           </a:p>
         </p:txBody>
@@ -10808,7 +11222,7 @@
             <a:fld id="{A4F910E6-8D00-4BAF-8C48-9688E0B449D3}" type="datetime1">
               <a:rPr lang="zh-TW" altLang="en-US" smtClean="0"/>
               <a:pPr/>
-              <a:t>2020/5/24</a:t>
+              <a:t>2020/6/28</a:t>
             </a:fld>
             <a:endParaRPr lang="zh-TW" altLang="en-US"/>
           </a:p>
@@ -10967,7 +11381,7 @@
             <a:fld id="{C389EDC9-19E3-47AC-9C57-C6A24DEA81AD}" type="datetime1">
               <a:rPr lang="zh-TW" altLang="en-US" smtClean="0"/>
               <a:pPr/>
-              <a:t>2020/5/24</a:t>
+              <a:t>2020/6/28</a:t>
             </a:fld>
             <a:endParaRPr lang="zh-TW" altLang="en-US"/>
           </a:p>
